--- a/軟工報告/軟體工程第三四章報告ch3&4_v0.pptx
+++ b/軟工報告/軟體工程第三四章報告ch3&4_v0.pptx
@@ -817,7 +817,7 @@
   <p:cSld>
     <p:spTree>
       <p:nvGrpSpPr>
-        <p:cNvPr id="181" name="Shape 181"/>
+        <p:cNvPr id="187" name="Shape 187"/>
         <p:cNvGrpSpPr/>
         <p:nvPr/>
       </p:nvGrpSpPr>
@@ -831,7 +831,7 @@
       </p:grpSpPr>
       <p:sp>
         <p:nvSpPr>
-          <p:cNvPr id="182" name="Google Shape;182;g12e9065bde7_1_8:notes"/>
+          <p:cNvPr id="188" name="Google Shape;188;g12e9065bde7_1_8:notes"/>
           <p:cNvSpPr/>
           <p:nvPr>
             <p:ph idx="2" type="sldImg"/>
@@ -866,7 +866,7 @@
       </p:sp>
       <p:sp>
         <p:nvSpPr>
-          <p:cNvPr id="183" name="Google Shape;183;g12e9065bde7_1_8:notes"/>
+          <p:cNvPr id="189" name="Google Shape;189;g12e9065bde7_1_8:notes"/>
           <p:cNvSpPr txBox="1"/>
           <p:nvPr>
             <p:ph idx="1" type="body"/>
@@ -916,7 +916,7 @@
   <p:cSld>
     <p:spTree>
       <p:nvGrpSpPr>
-        <p:cNvPr id="193" name="Shape 193"/>
+        <p:cNvPr id="200" name="Shape 200"/>
         <p:cNvGrpSpPr/>
         <p:nvPr/>
       </p:nvGrpSpPr>
@@ -930,7 +930,7 @@
       </p:grpSpPr>
       <p:sp>
         <p:nvSpPr>
-          <p:cNvPr id="194" name="Google Shape;194;g12eeb354692_0_21:notes"/>
+          <p:cNvPr id="201" name="Google Shape;201;g12eeb354692_0_21:notes"/>
           <p:cNvSpPr/>
           <p:nvPr>
             <p:ph idx="2" type="sldImg"/>
@@ -965,7 +965,7 @@
       </p:sp>
       <p:sp>
         <p:nvSpPr>
-          <p:cNvPr id="195" name="Google Shape;195;g12eeb354692_0_21:notes"/>
+          <p:cNvPr id="202" name="Google Shape;202;g12eeb354692_0_21:notes"/>
           <p:cNvSpPr txBox="1"/>
           <p:nvPr>
             <p:ph idx="1" type="body"/>
@@ -1015,7 +1015,7 @@
   <p:cSld>
     <p:spTree>
       <p:nvGrpSpPr>
-        <p:cNvPr id="202" name="Shape 202"/>
+        <p:cNvPr id="210" name="Shape 210"/>
         <p:cNvGrpSpPr/>
         <p:nvPr/>
       </p:nvGrpSpPr>
@@ -1029,7 +1029,7 @@
       </p:grpSpPr>
       <p:sp>
         <p:nvSpPr>
-          <p:cNvPr id="203" name="Google Shape;203;g12eeb354692_0_71:notes"/>
+          <p:cNvPr id="211" name="Google Shape;211;g12eeb354692_0_71:notes"/>
           <p:cNvSpPr/>
           <p:nvPr>
             <p:ph idx="2" type="sldImg"/>
@@ -1064,7 +1064,7 @@
       </p:sp>
       <p:sp>
         <p:nvSpPr>
-          <p:cNvPr id="204" name="Google Shape;204;g12eeb354692_0_71:notes"/>
+          <p:cNvPr id="212" name="Google Shape;212;g12eeb354692_0_71:notes"/>
           <p:cNvSpPr txBox="1"/>
           <p:nvPr>
             <p:ph idx="1" type="body"/>
@@ -1114,7 +1114,7 @@
   <p:cSld>
     <p:spTree>
       <p:nvGrpSpPr>
-        <p:cNvPr id="211" name="Shape 211"/>
+        <p:cNvPr id="220" name="Shape 220"/>
         <p:cNvGrpSpPr/>
         <p:nvPr/>
       </p:nvGrpSpPr>
@@ -1128,7 +1128,7 @@
       </p:grpSpPr>
       <p:sp>
         <p:nvSpPr>
-          <p:cNvPr id="212" name="Google Shape;212;g12eeb354692_0_32:notes"/>
+          <p:cNvPr id="221" name="Google Shape;221;g12eeb354692_0_32:notes"/>
           <p:cNvSpPr/>
           <p:nvPr>
             <p:ph idx="2" type="sldImg"/>
@@ -1163,7 +1163,7 @@
       </p:sp>
       <p:sp>
         <p:nvSpPr>
-          <p:cNvPr id="213" name="Google Shape;213;g12eeb354692_0_32:notes"/>
+          <p:cNvPr id="222" name="Google Shape;222;g12eeb354692_0_32:notes"/>
           <p:cNvSpPr txBox="1"/>
           <p:nvPr>
             <p:ph idx="1" type="body"/>
@@ -1213,7 +1213,7 @@
   <p:cSld>
     <p:spTree>
       <p:nvGrpSpPr>
-        <p:cNvPr id="220" name="Shape 220"/>
+        <p:cNvPr id="230" name="Shape 230"/>
         <p:cNvGrpSpPr/>
         <p:nvPr/>
       </p:nvGrpSpPr>
@@ -1227,7 +1227,7 @@
       </p:grpSpPr>
       <p:sp>
         <p:nvSpPr>
-          <p:cNvPr id="221" name="Google Shape;221;g12e4c1fbdd8_0_364:notes"/>
+          <p:cNvPr id="231" name="Google Shape;231;g12e4c1fbdd8_0_364:notes"/>
           <p:cNvSpPr/>
           <p:nvPr>
             <p:ph idx="2" type="sldImg"/>
@@ -1262,7 +1262,7 @@
       </p:sp>
       <p:sp>
         <p:nvSpPr>
-          <p:cNvPr id="222" name="Google Shape;222;g12e4c1fbdd8_0_364:notes"/>
+          <p:cNvPr id="232" name="Google Shape;232;g12e4c1fbdd8_0_364:notes"/>
           <p:cNvSpPr txBox="1"/>
           <p:nvPr>
             <p:ph idx="1" type="body"/>
@@ -1312,7 +1312,7 @@
   <p:cSld>
     <p:spTree>
       <p:nvGrpSpPr>
-        <p:cNvPr id="230" name="Shape 230"/>
+        <p:cNvPr id="241" name="Shape 241"/>
         <p:cNvGrpSpPr/>
         <p:nvPr/>
       </p:nvGrpSpPr>
@@ -1326,7 +1326,7 @@
       </p:grpSpPr>
       <p:sp>
         <p:nvSpPr>
-          <p:cNvPr id="231" name="Google Shape;231;g12e4c1fbdd8_0_359:notes"/>
+          <p:cNvPr id="242" name="Google Shape;242;g12e4c1fbdd8_0_359:notes"/>
           <p:cNvSpPr/>
           <p:nvPr>
             <p:ph idx="2" type="sldImg"/>
@@ -1361,7 +1361,7 @@
       </p:sp>
       <p:sp>
         <p:nvSpPr>
-          <p:cNvPr id="232" name="Google Shape;232;g12e4c1fbdd8_0_359:notes"/>
+          <p:cNvPr id="243" name="Google Shape;243;g12e4c1fbdd8_0_359:notes"/>
           <p:cNvSpPr txBox="1"/>
           <p:nvPr>
             <p:ph idx="1" type="body"/>
@@ -1411,7 +1411,7 @@
   <p:cSld>
     <p:spTree>
       <p:nvGrpSpPr>
-        <p:cNvPr id="237" name="Shape 237"/>
+        <p:cNvPr id="249" name="Shape 249"/>
         <p:cNvGrpSpPr/>
         <p:nvPr/>
       </p:nvGrpSpPr>
@@ -1425,7 +1425,7 @@
       </p:grpSpPr>
       <p:sp>
         <p:nvSpPr>
-          <p:cNvPr id="238" name="Google Shape;238;g12e9065bde7_1_13:notes"/>
+          <p:cNvPr id="250" name="Google Shape;250;g12e9065bde7_1_13:notes"/>
           <p:cNvSpPr/>
           <p:nvPr>
             <p:ph idx="2" type="sldImg"/>
@@ -1460,7 +1460,7 @@
       </p:sp>
       <p:sp>
         <p:nvSpPr>
-          <p:cNvPr id="239" name="Google Shape;239;g12e9065bde7_1_13:notes"/>
+          <p:cNvPr id="251" name="Google Shape;251;g12e9065bde7_1_13:notes"/>
           <p:cNvSpPr txBox="1"/>
           <p:nvPr>
             <p:ph idx="1" type="body"/>
@@ -1510,7 +1510,7 @@
   <p:cSld>
     <p:spTree>
       <p:nvGrpSpPr>
-        <p:cNvPr id="252" name="Shape 252"/>
+        <p:cNvPr id="265" name="Shape 265"/>
         <p:cNvGrpSpPr/>
         <p:nvPr/>
       </p:nvGrpSpPr>
@@ -1524,7 +1524,7 @@
       </p:grpSpPr>
       <p:sp>
         <p:nvSpPr>
-          <p:cNvPr id="253" name="Google Shape;253;g12eeb354692_0_38:notes"/>
+          <p:cNvPr id="266" name="Google Shape;266;g12eeb354692_0_38:notes"/>
           <p:cNvSpPr/>
           <p:nvPr>
             <p:ph idx="2" type="sldImg"/>
@@ -1559,7 +1559,7 @@
       </p:sp>
       <p:sp>
         <p:nvSpPr>
-          <p:cNvPr id="254" name="Google Shape;254;g12eeb354692_0_38:notes"/>
+          <p:cNvPr id="267" name="Google Shape;267;g12eeb354692_0_38:notes"/>
           <p:cNvSpPr txBox="1"/>
           <p:nvPr>
             <p:ph idx="1" type="body"/>
@@ -1609,7 +1609,7 @@
   <p:cSld>
     <p:spTree>
       <p:nvGrpSpPr>
-        <p:cNvPr id="261" name="Shape 261"/>
+        <p:cNvPr id="275" name="Shape 275"/>
         <p:cNvGrpSpPr/>
         <p:nvPr/>
       </p:nvGrpSpPr>
@@ -1623,7 +1623,7 @@
       </p:grpSpPr>
       <p:sp>
         <p:nvSpPr>
-          <p:cNvPr id="262" name="Google Shape;262;g12eeb354692_0_44:notes"/>
+          <p:cNvPr id="276" name="Google Shape;276;g12eeb354692_0_44:notes"/>
           <p:cNvSpPr/>
           <p:nvPr>
             <p:ph idx="2" type="sldImg"/>
@@ -1658,7 +1658,7 @@
       </p:sp>
       <p:sp>
         <p:nvSpPr>
-          <p:cNvPr id="263" name="Google Shape;263;g12eeb354692_0_44:notes"/>
+          <p:cNvPr id="277" name="Google Shape;277;g12eeb354692_0_44:notes"/>
           <p:cNvSpPr txBox="1"/>
           <p:nvPr>
             <p:ph idx="1" type="body"/>
@@ -1708,7 +1708,7 @@
   <p:cSld>
     <p:spTree>
       <p:nvGrpSpPr>
-        <p:cNvPr id="271" name="Shape 271"/>
+        <p:cNvPr id="286" name="Shape 286"/>
         <p:cNvGrpSpPr/>
         <p:nvPr/>
       </p:nvGrpSpPr>
@@ -1722,7 +1722,7 @@
       </p:grpSpPr>
       <p:sp>
         <p:nvSpPr>
-          <p:cNvPr id="272" name="Google Shape;272;g12eeb354692_0_96:notes"/>
+          <p:cNvPr id="287" name="Google Shape;287;g12eeb354692_0_96:notes"/>
           <p:cNvSpPr/>
           <p:nvPr>
             <p:ph idx="2" type="sldImg"/>
@@ -1757,7 +1757,7 @@
       </p:sp>
       <p:sp>
         <p:nvSpPr>
-          <p:cNvPr id="273" name="Google Shape;273;g12eeb354692_0_96:notes"/>
+          <p:cNvPr id="288" name="Google Shape;288;g12eeb354692_0_96:notes"/>
           <p:cNvSpPr txBox="1"/>
           <p:nvPr>
             <p:ph idx="1" type="body"/>
@@ -1906,7 +1906,7 @@
   <p:cSld>
     <p:spTree>
       <p:nvGrpSpPr>
-        <p:cNvPr id="280" name="Shape 280"/>
+        <p:cNvPr id="296" name="Shape 296"/>
         <p:cNvGrpSpPr/>
         <p:nvPr/>
       </p:nvGrpSpPr>
@@ -1920,7 +1920,7 @@
       </p:grpSpPr>
       <p:sp>
         <p:nvSpPr>
-          <p:cNvPr id="281" name="Google Shape;281;g12e9065bde7_4_6:notes"/>
+          <p:cNvPr id="297" name="Google Shape;297;g12e9065bde7_4_6:notes"/>
           <p:cNvSpPr txBox="1"/>
           <p:nvPr>
             <p:ph idx="1" type="body"/>
@@ -1959,7 +1959,7 @@
       </p:sp>
       <p:sp>
         <p:nvSpPr>
-          <p:cNvPr id="282" name="Google Shape;282;g12e9065bde7_4_6:notes"/>
+          <p:cNvPr id="298" name="Google Shape;298;g12e9065bde7_4_6:notes"/>
           <p:cNvSpPr/>
           <p:nvPr>
             <p:ph idx="2" type="sldImg"/>
@@ -2005,7 +2005,7 @@
   <p:cSld>
     <p:spTree>
       <p:nvGrpSpPr>
-        <p:cNvPr id="287" name="Shape 287"/>
+        <p:cNvPr id="303" name="Shape 303"/>
         <p:cNvGrpSpPr/>
         <p:nvPr/>
       </p:nvGrpSpPr>
@@ -2019,7 +2019,7 @@
       </p:grpSpPr>
       <p:sp>
         <p:nvSpPr>
-          <p:cNvPr id="288" name="Google Shape;288;g12e4c1fbdd8_9_9:notes"/>
+          <p:cNvPr id="304" name="Google Shape;304;g12e4c1fbdd8_9_9:notes"/>
           <p:cNvSpPr/>
           <p:nvPr>
             <p:ph idx="2" type="sldImg"/>
@@ -2054,7 +2054,7 @@
       </p:sp>
       <p:sp>
         <p:nvSpPr>
-          <p:cNvPr id="289" name="Google Shape;289;g12e4c1fbdd8_9_9:notes"/>
+          <p:cNvPr id="305" name="Google Shape;305;g12e4c1fbdd8_9_9:notes"/>
           <p:cNvSpPr txBox="1"/>
           <p:nvPr>
             <p:ph idx="1" type="body"/>
@@ -2104,7 +2104,7 @@
   <p:cSld>
     <p:spTree>
       <p:nvGrpSpPr>
-        <p:cNvPr id="294" name="Shape 294"/>
+        <p:cNvPr id="311" name="Shape 311"/>
         <p:cNvGrpSpPr/>
         <p:nvPr/>
       </p:nvGrpSpPr>
@@ -2118,7 +2118,7 @@
       </p:grpSpPr>
       <p:sp>
         <p:nvSpPr>
-          <p:cNvPr id="295" name="Google Shape;295;g12e4c1fbdd8_1_0:notes"/>
+          <p:cNvPr id="312" name="Google Shape;312;g12e4c1fbdd8_1_0:notes"/>
           <p:cNvSpPr/>
           <p:nvPr>
             <p:ph idx="2" type="sldImg"/>
@@ -2153,7 +2153,7 @@
       </p:sp>
       <p:sp>
         <p:nvSpPr>
-          <p:cNvPr id="296" name="Google Shape;296;g12e4c1fbdd8_1_0:notes"/>
+          <p:cNvPr id="313" name="Google Shape;313;g12e4c1fbdd8_1_0:notes"/>
           <p:cNvSpPr txBox="1"/>
           <p:nvPr>
             <p:ph idx="1" type="body"/>
@@ -2203,7 +2203,7 @@
   <p:cSld>
     <p:spTree>
       <p:nvGrpSpPr>
-        <p:cNvPr id="308" name="Shape 308"/>
+        <p:cNvPr id="326" name="Shape 326"/>
         <p:cNvGrpSpPr/>
         <p:nvPr/>
       </p:nvGrpSpPr>
@@ -2217,7 +2217,7 @@
       </p:grpSpPr>
       <p:sp>
         <p:nvSpPr>
-          <p:cNvPr id="309" name="Google Shape;309;g12e4c1fbdd8_0_342:notes"/>
+          <p:cNvPr id="327" name="Google Shape;327;g12e4c1fbdd8_0_342:notes"/>
           <p:cNvSpPr/>
           <p:nvPr>
             <p:ph idx="2" type="sldImg"/>
@@ -2252,7 +2252,7 @@
       </p:sp>
       <p:sp>
         <p:nvSpPr>
-          <p:cNvPr id="310" name="Google Shape;310;g12e4c1fbdd8_0_342:notes"/>
+          <p:cNvPr id="328" name="Google Shape;328;g12e4c1fbdd8_0_342:notes"/>
           <p:cNvSpPr txBox="1"/>
           <p:nvPr>
             <p:ph idx="1" type="body"/>
@@ -2302,7 +2302,7 @@
   <p:cSld>
     <p:spTree>
       <p:nvGrpSpPr>
-        <p:cNvPr id="316" name="Shape 316"/>
+        <p:cNvPr id="335" name="Shape 335"/>
         <p:cNvGrpSpPr/>
         <p:nvPr/>
       </p:nvGrpSpPr>
@@ -2316,7 +2316,7 @@
       </p:grpSpPr>
       <p:sp>
         <p:nvSpPr>
-          <p:cNvPr id="317" name="Google Shape;317;g12e4c1fbdd8_0_335:notes"/>
+          <p:cNvPr id="336" name="Google Shape;336;g12e4c1fbdd8_0_335:notes"/>
           <p:cNvSpPr/>
           <p:nvPr>
             <p:ph idx="2" type="sldImg"/>
@@ -2351,7 +2351,7 @@
       </p:sp>
       <p:sp>
         <p:nvSpPr>
-          <p:cNvPr id="318" name="Google Shape;318;g12e4c1fbdd8_0_335:notes"/>
+          <p:cNvPr id="337" name="Google Shape;337;g12e4c1fbdd8_0_335:notes"/>
           <p:cNvSpPr txBox="1"/>
           <p:nvPr>
             <p:ph idx="1" type="body"/>
@@ -2401,7 +2401,7 @@
   <p:cSld>
     <p:spTree>
       <p:nvGrpSpPr>
-        <p:cNvPr id="324" name="Shape 324"/>
+        <p:cNvPr id="344" name="Shape 344"/>
         <p:cNvGrpSpPr/>
         <p:nvPr/>
       </p:nvGrpSpPr>
@@ -2415,7 +2415,7 @@
       </p:grpSpPr>
       <p:sp>
         <p:nvSpPr>
-          <p:cNvPr id="325" name="Google Shape;325;g12e9065bde7_1_23:notes"/>
+          <p:cNvPr id="345" name="Google Shape;345;g12e9065bde7_1_23:notes"/>
           <p:cNvSpPr/>
           <p:nvPr>
             <p:ph idx="2" type="sldImg"/>
@@ -2450,7 +2450,7 @@
       </p:sp>
       <p:sp>
         <p:nvSpPr>
-          <p:cNvPr id="326" name="Google Shape;326;g12e9065bde7_1_23:notes"/>
+          <p:cNvPr id="346" name="Google Shape;346;g12e9065bde7_1_23:notes"/>
           <p:cNvSpPr txBox="1"/>
           <p:nvPr>
             <p:ph idx="1" type="body"/>
@@ -2500,7 +2500,7 @@
   <p:cSld>
     <p:spTree>
       <p:nvGrpSpPr>
-        <p:cNvPr id="332" name="Shape 332"/>
+        <p:cNvPr id="353" name="Shape 353"/>
         <p:cNvGrpSpPr/>
         <p:nvPr/>
       </p:nvGrpSpPr>
@@ -2514,7 +2514,7 @@
       </p:grpSpPr>
       <p:sp>
         <p:nvSpPr>
-          <p:cNvPr id="333" name="Google Shape;333;g12e9065bde7_4_1:notes"/>
+          <p:cNvPr id="354" name="Google Shape;354;g12e9065bde7_4_1:notes"/>
           <p:cNvSpPr/>
           <p:nvPr>
             <p:ph idx="2" type="sldImg"/>
@@ -2549,7 +2549,7 @@
       </p:sp>
       <p:sp>
         <p:nvSpPr>
-          <p:cNvPr id="334" name="Google Shape;334;g12e9065bde7_4_1:notes"/>
+          <p:cNvPr id="355" name="Google Shape;355;g12e9065bde7_4_1:notes"/>
           <p:cNvSpPr txBox="1"/>
           <p:nvPr>
             <p:ph idx="1" type="body"/>
@@ -2599,7 +2599,7 @@
   <p:cSld>
     <p:spTree>
       <p:nvGrpSpPr>
-        <p:cNvPr id="339" name="Shape 339"/>
+        <p:cNvPr id="360" name="Shape 360"/>
         <p:cNvGrpSpPr/>
         <p:nvPr/>
       </p:nvGrpSpPr>
@@ -2613,7 +2613,7 @@
       </p:grpSpPr>
       <p:sp>
         <p:nvSpPr>
-          <p:cNvPr id="340" name="Google Shape;340;g12e9065bde7_4_31:notes"/>
+          <p:cNvPr id="361" name="Google Shape;361;g12e9065bde7_4_31:notes"/>
           <p:cNvSpPr txBox="1"/>
           <p:nvPr>
             <p:ph idx="1" type="body"/>
@@ -2652,7 +2652,7 @@
       </p:sp>
       <p:sp>
         <p:nvSpPr>
-          <p:cNvPr id="341" name="Google Shape;341;g12e9065bde7_4_31:notes"/>
+          <p:cNvPr id="362" name="Google Shape;362;g12e9065bde7_4_31:notes"/>
           <p:cNvSpPr/>
           <p:nvPr>
             <p:ph idx="2" type="sldImg"/>
@@ -2896,7 +2896,7 @@
   <p:cSld>
     <p:spTree>
       <p:nvGrpSpPr>
-        <p:cNvPr id="132" name="Shape 132"/>
+        <p:cNvPr id="133" name="Shape 133"/>
         <p:cNvGrpSpPr/>
         <p:nvPr/>
       </p:nvGrpSpPr>
@@ -2910,7 +2910,7 @@
       </p:grpSpPr>
       <p:sp>
         <p:nvSpPr>
-          <p:cNvPr id="133" name="Google Shape;133;g12e4c1fbdd8_0_354:notes"/>
+          <p:cNvPr id="134" name="Google Shape;134;g12e4c1fbdd8_0_354:notes"/>
           <p:cNvSpPr/>
           <p:nvPr>
             <p:ph idx="2" type="sldImg"/>
@@ -2945,7 +2945,7 @@
       </p:sp>
       <p:sp>
         <p:nvSpPr>
-          <p:cNvPr id="134" name="Google Shape;134;g12e4c1fbdd8_0_354:notes"/>
+          <p:cNvPr id="135" name="Google Shape;135;g12e4c1fbdd8_0_354:notes"/>
           <p:cNvSpPr txBox="1"/>
           <p:nvPr>
             <p:ph idx="1" type="body"/>
@@ -2995,7 +2995,7 @@
   <p:cSld>
     <p:spTree>
       <p:nvGrpSpPr>
-        <p:cNvPr id="142" name="Shape 142"/>
+        <p:cNvPr id="144" name="Shape 144"/>
         <p:cNvGrpSpPr/>
         <p:nvPr/>
       </p:nvGrpSpPr>
@@ -3009,7 +3009,7 @@
       </p:grpSpPr>
       <p:sp>
         <p:nvSpPr>
-          <p:cNvPr id="143" name="Google Shape;143;g12e4c1fbdd8_0_330:notes"/>
+          <p:cNvPr id="145" name="Google Shape;145;g12e4c1fbdd8_0_330:notes"/>
           <p:cNvSpPr/>
           <p:nvPr>
             <p:ph idx="2" type="sldImg"/>
@@ -3044,7 +3044,7 @@
       </p:sp>
       <p:sp>
         <p:nvSpPr>
-          <p:cNvPr id="144" name="Google Shape;144;g12e4c1fbdd8_0_330:notes"/>
+          <p:cNvPr id="146" name="Google Shape;146;g12e4c1fbdd8_0_330:notes"/>
           <p:cNvSpPr txBox="1"/>
           <p:nvPr>
             <p:ph idx="1" type="body"/>
@@ -3094,7 +3094,7 @@
   <p:cSld>
     <p:spTree>
       <p:nvGrpSpPr>
-        <p:cNvPr id="149" name="Shape 149"/>
+        <p:cNvPr id="152" name="Shape 152"/>
         <p:cNvGrpSpPr/>
         <p:nvPr/>
       </p:nvGrpSpPr>
@@ -3108,7 +3108,7 @@
       </p:grpSpPr>
       <p:sp>
         <p:nvSpPr>
-          <p:cNvPr id="150" name="Google Shape;150;g12e9065bde7_10_2:notes"/>
+          <p:cNvPr id="153" name="Google Shape;153;g12e9065bde7_10_2:notes"/>
           <p:cNvSpPr/>
           <p:nvPr>
             <p:ph idx="2" type="sldImg"/>
@@ -3143,7 +3143,7 @@
       </p:sp>
       <p:sp>
         <p:nvSpPr>
-          <p:cNvPr id="151" name="Google Shape;151;g12e9065bde7_10_2:notes"/>
+          <p:cNvPr id="154" name="Google Shape;154;g12e9065bde7_10_2:notes"/>
           <p:cNvSpPr txBox="1"/>
           <p:nvPr>
             <p:ph idx="1" type="body"/>
@@ -3193,7 +3193,7 @@
   <p:cSld>
     <p:spTree>
       <p:nvGrpSpPr>
-        <p:cNvPr id="164" name="Shape 164"/>
+        <p:cNvPr id="168" name="Shape 168"/>
         <p:cNvGrpSpPr/>
         <p:nvPr/>
       </p:nvGrpSpPr>
@@ -3207,7 +3207,7 @@
       </p:grpSpPr>
       <p:sp>
         <p:nvSpPr>
-          <p:cNvPr id="165" name="Google Shape;165;g12e4c1fbdd8_0_369:notes"/>
+          <p:cNvPr id="169" name="Google Shape;169;g12e4c1fbdd8_0_369:notes"/>
           <p:cNvSpPr/>
           <p:nvPr>
             <p:ph idx="2" type="sldImg"/>
@@ -3242,7 +3242,7 @@
       </p:sp>
       <p:sp>
         <p:nvSpPr>
-          <p:cNvPr id="166" name="Google Shape;166;g12e4c1fbdd8_0_369:notes"/>
+          <p:cNvPr id="170" name="Google Shape;170;g12e4c1fbdd8_0_369:notes"/>
           <p:cNvSpPr txBox="1"/>
           <p:nvPr>
             <p:ph idx="1" type="body"/>
@@ -3292,7 +3292,7 @@
   <p:cSld>
     <p:spTree>
       <p:nvGrpSpPr>
-        <p:cNvPr id="174" name="Shape 174"/>
+        <p:cNvPr id="179" name="Shape 179"/>
         <p:cNvGrpSpPr/>
         <p:nvPr/>
       </p:nvGrpSpPr>
@@ -3306,7 +3306,7 @@
       </p:grpSpPr>
       <p:sp>
         <p:nvSpPr>
-          <p:cNvPr id="175" name="Google Shape;175;g12e4c1fbdd8_0_374:notes"/>
+          <p:cNvPr id="180" name="Google Shape;180;g12e4c1fbdd8_0_374:notes"/>
           <p:cNvSpPr/>
           <p:nvPr>
             <p:ph idx="2" type="sldImg"/>
@@ -3341,7 +3341,7 @@
       </p:sp>
       <p:sp>
         <p:nvSpPr>
-          <p:cNvPr id="176" name="Google Shape;176;g12e4c1fbdd8_0_374:notes"/>
+          <p:cNvPr id="181" name="Google Shape;181;g12e4c1fbdd8_0_374:notes"/>
           <p:cNvSpPr txBox="1"/>
           <p:nvPr>
             <p:ph idx="1" type="body"/>
@@ -15005,7 +15005,7 @@
   <p:cSld>
     <p:spTree>
       <p:nvGrpSpPr>
-        <p:cNvPr id="184" name="Shape 184"/>
+        <p:cNvPr id="190" name="Shape 190"/>
         <p:cNvGrpSpPr/>
         <p:nvPr/>
       </p:nvGrpSpPr>
@@ -15019,7 +15019,7 @@
       </p:grpSpPr>
       <p:sp>
         <p:nvSpPr>
-          <p:cNvPr id="185" name="Google Shape;185;p29"/>
+          <p:cNvPr id="191" name="Google Shape;191;p29"/>
           <p:cNvSpPr txBox="1"/>
           <p:nvPr>
             <p:ph type="title"/>
@@ -15059,7 +15059,7 @@
       </p:sp>
       <p:sp>
         <p:nvSpPr>
-          <p:cNvPr id="186" name="Google Shape;186;p29"/>
+          <p:cNvPr id="192" name="Google Shape;192;p29"/>
           <p:cNvSpPr txBox="1"/>
           <p:nvPr>
             <p:ph idx="12" type="sldNum"/>
@@ -15103,7 +15103,7 @@
       </p:sp>
       <p:pic>
         <p:nvPicPr>
-          <p:cNvPr id="187" name="Google Shape;187;p29"/>
+          <p:cNvPr id="193" name="Google Shape;193;p29"/>
           <p:cNvPicPr preferRelativeResize="0"/>
           <p:nvPr/>
         </p:nvPicPr>
@@ -15131,7 +15131,7 @@
       </p:pic>
       <p:pic>
         <p:nvPicPr>
-          <p:cNvPr id="188" name="Google Shape;188;p29"/>
+          <p:cNvPr id="194" name="Google Shape;194;p29"/>
           <p:cNvPicPr preferRelativeResize="0"/>
           <p:nvPr/>
         </p:nvPicPr>
@@ -15159,7 +15159,7 @@
       </p:pic>
       <p:pic>
         <p:nvPicPr>
-          <p:cNvPr id="189" name="Google Shape;189;p29"/>
+          <p:cNvPr id="195" name="Google Shape;195;p29"/>
           <p:cNvPicPr preferRelativeResize="0"/>
           <p:nvPr/>
         </p:nvPicPr>
@@ -15187,7 +15187,7 @@
       </p:pic>
       <p:sp>
         <p:nvSpPr>
-          <p:cNvPr id="190" name="Google Shape;190;p29"/>
+          <p:cNvPr id="196" name="Google Shape;196;p29"/>
           <p:cNvSpPr/>
           <p:nvPr/>
         </p:nvSpPr>
@@ -15242,7 +15242,7 @@
       </p:sp>
       <p:sp>
         <p:nvSpPr>
-          <p:cNvPr id="191" name="Google Shape;191;p29"/>
+          <p:cNvPr id="197" name="Google Shape;197;p29"/>
           <p:cNvSpPr/>
           <p:nvPr/>
         </p:nvSpPr>
@@ -15294,7 +15294,7 @@
       </p:sp>
       <p:pic>
         <p:nvPicPr>
-          <p:cNvPr id="192" name="Google Shape;192;p29"/>
+          <p:cNvPr id="198" name="Google Shape;198;p29"/>
           <p:cNvPicPr preferRelativeResize="0"/>
           <p:nvPr/>
         </p:nvPicPr>
@@ -15320,6 +15320,55 @@
           </a:ln>
         </p:spPr>
       </p:pic>
+      <p:sp>
+        <p:nvSpPr>
+          <p:cNvPr id="199" name="Google Shape;199;p29"/>
+          <p:cNvSpPr txBox="1"/>
+          <p:nvPr>
+            <p:ph idx="12" type="sldNum"/>
+          </p:nvPr>
+        </p:nvSpPr>
+        <p:spPr>
+          <a:xfrm>
+            <a:off x="139701" y="4844850"/>
+            <a:ext cx="984000" cy="273900"/>
+          </a:xfrm>
+          <a:prstGeom prst="rect">
+            <a:avLst/>
+          </a:prstGeom>
+        </p:spPr>
+        <p:txBody>
+          <a:bodyPr anchorCtr="0" anchor="ctr" bIns="34275" lIns="68575" spcFirstLastPara="1" rIns="68575" wrap="square" tIns="34275">
+            <a:noAutofit/>
+          </a:bodyPr>
+          <a:lstStyle/>
+          <a:p>
+            <a:pPr indent="0" lvl="0" marL="0" rtl="0" algn="l">
+              <a:spcBef>
+                <a:spcPts val="0"/>
+              </a:spcBef>
+              <a:spcAft>
+                <a:spcPts val="0"/>
+              </a:spcAft>
+              <a:buClr>
+                <a:schemeClr val="dk1"/>
+              </a:buClr>
+              <a:buSzPts val="275"/>
+              <a:buFont typeface="Arial"/>
+              <a:buNone/>
+            </a:pPr>
+            <a:r>
+              <a:rPr lang="zh-TW" sz="1200">
+                <a:solidFill>
+                  <a:schemeClr val="lt1"/>
+                </a:solidFill>
+              </a:rPr>
+              <a:t>葉冠昊</a:t>
+            </a:r>
+            <a:endParaRPr/>
+          </a:p>
+        </p:txBody>
+      </p:sp>
     </p:spTree>
   </p:cSld>
   <p:clrMapOvr>
@@ -15333,7 +15382,7 @@
   <p:cSld>
     <p:spTree>
       <p:nvGrpSpPr>
-        <p:cNvPr id="196" name="Shape 196"/>
+        <p:cNvPr id="203" name="Shape 203"/>
         <p:cNvGrpSpPr/>
         <p:nvPr/>
       </p:nvGrpSpPr>
@@ -15347,7 +15396,7 @@
       </p:grpSpPr>
       <p:sp>
         <p:nvSpPr>
-          <p:cNvPr id="197" name="Google Shape;197;p30"/>
+          <p:cNvPr id="204" name="Google Shape;204;p30"/>
           <p:cNvSpPr txBox="1"/>
           <p:nvPr>
             <p:ph type="title"/>
@@ -15392,7 +15441,7 @@
       </p:sp>
       <p:sp>
         <p:nvSpPr>
-          <p:cNvPr id="198" name="Google Shape;198;p30"/>
+          <p:cNvPr id="205" name="Google Shape;205;p30"/>
           <p:cNvSpPr txBox="1"/>
           <p:nvPr>
             <p:ph idx="12" type="sldNum"/>
@@ -15436,7 +15485,7 @@
       </p:sp>
       <p:pic>
         <p:nvPicPr>
-          <p:cNvPr id="199" name="Google Shape;199;p30"/>
+          <p:cNvPr id="206" name="Google Shape;206;p30"/>
           <p:cNvPicPr preferRelativeResize="0"/>
           <p:nvPr/>
         </p:nvPicPr>
@@ -15464,7 +15513,7 @@
       </p:pic>
       <p:pic>
         <p:nvPicPr>
-          <p:cNvPr id="200" name="Google Shape;200;p30"/>
+          <p:cNvPr id="207" name="Google Shape;207;p30"/>
           <p:cNvPicPr preferRelativeResize="0"/>
           <p:nvPr/>
         </p:nvPicPr>
@@ -15492,7 +15541,7 @@
       </p:pic>
       <p:sp>
         <p:nvSpPr>
-          <p:cNvPr id="201" name="Google Shape;201;p30"/>
+          <p:cNvPr id="208" name="Google Shape;208;p30"/>
           <p:cNvSpPr/>
           <p:nvPr/>
         </p:nvSpPr>
@@ -15537,6 +15586,55 @@
             </a:pPr>
             <a:r>
               <a:t/>
+            </a:r>
+            <a:endParaRPr/>
+          </a:p>
+        </p:txBody>
+      </p:sp>
+      <p:sp>
+        <p:nvSpPr>
+          <p:cNvPr id="209" name="Google Shape;209;p30"/>
+          <p:cNvSpPr txBox="1"/>
+          <p:nvPr>
+            <p:ph idx="12" type="sldNum"/>
+          </p:nvPr>
+        </p:nvSpPr>
+        <p:spPr>
+          <a:xfrm>
+            <a:off x="139701" y="4844850"/>
+            <a:ext cx="984000" cy="273900"/>
+          </a:xfrm>
+          <a:prstGeom prst="rect">
+            <a:avLst/>
+          </a:prstGeom>
+        </p:spPr>
+        <p:txBody>
+          <a:bodyPr anchorCtr="0" anchor="ctr" bIns="34275" lIns="68575" spcFirstLastPara="1" rIns="68575" wrap="square" tIns="34275">
+            <a:noAutofit/>
+          </a:bodyPr>
+          <a:lstStyle/>
+          <a:p>
+            <a:pPr indent="0" lvl="0" marL="0" rtl="0" algn="l">
+              <a:spcBef>
+                <a:spcPts val="0"/>
+              </a:spcBef>
+              <a:spcAft>
+                <a:spcPts val="0"/>
+              </a:spcAft>
+              <a:buClr>
+                <a:schemeClr val="dk1"/>
+              </a:buClr>
+              <a:buSzPts val="275"/>
+              <a:buFont typeface="Arial"/>
+              <a:buNone/>
+            </a:pPr>
+            <a:r>
+              <a:rPr lang="zh-TW" sz="1200">
+                <a:solidFill>
+                  <a:schemeClr val="lt1"/>
+                </a:solidFill>
+              </a:rPr>
+              <a:t>葉冠昊</a:t>
             </a:r>
             <a:endParaRPr/>
           </a:p>
@@ -15555,7 +15653,7 @@
   <p:cSld>
     <p:spTree>
       <p:nvGrpSpPr>
-        <p:cNvPr id="205" name="Shape 205"/>
+        <p:cNvPr id="213" name="Shape 213"/>
         <p:cNvGrpSpPr/>
         <p:nvPr/>
       </p:nvGrpSpPr>
@@ -15569,7 +15667,7 @@
       </p:grpSpPr>
       <p:sp>
         <p:nvSpPr>
-          <p:cNvPr id="206" name="Google Shape;206;p31"/>
+          <p:cNvPr id="214" name="Google Shape;214;p31"/>
           <p:cNvSpPr txBox="1"/>
           <p:nvPr>
             <p:ph type="title"/>
@@ -15614,7 +15712,7 @@
       </p:sp>
       <p:sp>
         <p:nvSpPr>
-          <p:cNvPr id="207" name="Google Shape;207;p31"/>
+          <p:cNvPr id="215" name="Google Shape;215;p31"/>
           <p:cNvSpPr txBox="1"/>
           <p:nvPr>
             <p:ph idx="12" type="sldNum"/>
@@ -15658,7 +15756,7 @@
       </p:sp>
       <p:pic>
         <p:nvPicPr>
-          <p:cNvPr id="208" name="Google Shape;208;p31"/>
+          <p:cNvPr id="216" name="Google Shape;216;p31"/>
           <p:cNvPicPr preferRelativeResize="0"/>
           <p:nvPr/>
         </p:nvPicPr>
@@ -15686,7 +15784,7 @@
       </p:pic>
       <p:sp>
         <p:nvSpPr>
-          <p:cNvPr id="209" name="Google Shape;209;p31"/>
+          <p:cNvPr id="217" name="Google Shape;217;p31"/>
           <p:cNvSpPr/>
           <p:nvPr/>
         </p:nvSpPr>
@@ -15738,7 +15836,7 @@
       </p:sp>
       <p:pic>
         <p:nvPicPr>
-          <p:cNvPr id="210" name="Google Shape;210;p31"/>
+          <p:cNvPr id="218" name="Google Shape;218;p31"/>
           <p:cNvPicPr preferRelativeResize="0"/>
           <p:nvPr/>
         </p:nvPicPr>
@@ -15764,6 +15862,55 @@
           </a:ln>
         </p:spPr>
       </p:pic>
+      <p:sp>
+        <p:nvSpPr>
+          <p:cNvPr id="219" name="Google Shape;219;p31"/>
+          <p:cNvSpPr txBox="1"/>
+          <p:nvPr>
+            <p:ph idx="12" type="sldNum"/>
+          </p:nvPr>
+        </p:nvSpPr>
+        <p:spPr>
+          <a:xfrm>
+            <a:off x="139701" y="4844850"/>
+            <a:ext cx="984000" cy="273900"/>
+          </a:xfrm>
+          <a:prstGeom prst="rect">
+            <a:avLst/>
+          </a:prstGeom>
+        </p:spPr>
+        <p:txBody>
+          <a:bodyPr anchorCtr="0" anchor="ctr" bIns="34275" lIns="68575" spcFirstLastPara="1" rIns="68575" wrap="square" tIns="34275">
+            <a:noAutofit/>
+          </a:bodyPr>
+          <a:lstStyle/>
+          <a:p>
+            <a:pPr indent="0" lvl="0" marL="0" rtl="0" algn="l">
+              <a:spcBef>
+                <a:spcPts val="0"/>
+              </a:spcBef>
+              <a:spcAft>
+                <a:spcPts val="0"/>
+              </a:spcAft>
+              <a:buClr>
+                <a:schemeClr val="dk1"/>
+              </a:buClr>
+              <a:buSzPts val="275"/>
+              <a:buFont typeface="Arial"/>
+              <a:buNone/>
+            </a:pPr>
+            <a:r>
+              <a:rPr lang="zh-TW" sz="1200">
+                <a:solidFill>
+                  <a:schemeClr val="lt1"/>
+                </a:solidFill>
+              </a:rPr>
+              <a:t>葉冠昊</a:t>
+            </a:r>
+            <a:endParaRPr/>
+          </a:p>
+        </p:txBody>
+      </p:sp>
     </p:spTree>
   </p:cSld>
   <p:clrMapOvr>
@@ -15773,228 +15920,6 @@
 </file>
 
 <file path=ppt/slides/slide13.xml><?xml version="1.0" encoding="utf-8"?>
-<p:sld xmlns:a="http://schemas.openxmlformats.org/drawingml/2006/main" xmlns:r="http://schemas.openxmlformats.org/officeDocument/2006/relationships" xmlns:mc="http://schemas.openxmlformats.org/markup-compatibility/2006" xmlns:mv="urn:schemas-microsoft-com:mac:vml" xmlns:p="http://schemas.openxmlformats.org/presentationml/2006/main" xmlns:c="http://schemas.openxmlformats.org/drawingml/2006/chart" xmlns:dgm="http://schemas.openxmlformats.org/drawingml/2006/diagram" xmlns:o="urn:schemas-microsoft-com:office:office" xmlns:v="urn:schemas-microsoft-com:vml" xmlns:pvml="urn:schemas-microsoft-com:office:powerpoint" xmlns:com="http://schemas.openxmlformats.org/drawingml/2006/compatibility" xmlns:p14="http://schemas.microsoft.com/office/powerpoint/2010/main" xmlns:p15="http://schemas.microsoft.com/office/powerpoint/2012/main" xmlns:ahyp="http://schemas.microsoft.com/office/drawing/2018/hyperlinkcolor">
-  <p:cSld>
-    <p:spTree>
-      <p:nvGrpSpPr>
-        <p:cNvPr id="214" name="Shape 214"/>
-        <p:cNvGrpSpPr/>
-        <p:nvPr/>
-      </p:nvGrpSpPr>
-      <p:grpSpPr>
-        <a:xfrm>
-          <a:off x="0" y="0"/>
-          <a:ext cx="0" cy="0"/>
-          <a:chOff x="0" y="0"/>
-          <a:chExt cx="0" cy="0"/>
-        </a:xfrm>
-      </p:grpSpPr>
-      <p:sp>
-        <p:nvSpPr>
-          <p:cNvPr id="215" name="Google Shape;215;p32"/>
-          <p:cNvSpPr txBox="1"/>
-          <p:nvPr>
-            <p:ph type="title"/>
-          </p:nvPr>
-        </p:nvSpPr>
-        <p:spPr>
-          <a:xfrm>
-            <a:off x="822960" y="118814"/>
-            <a:ext cx="7543800" cy="675900"/>
-          </a:xfrm>
-          <a:prstGeom prst="rect">
-            <a:avLst/>
-          </a:prstGeom>
-        </p:spPr>
-        <p:txBody>
-          <a:bodyPr anchorCtr="0" anchor="b" bIns="34275" lIns="68575" spcFirstLastPara="1" rIns="68575" wrap="square" tIns="34275">
-            <a:normAutofit/>
-          </a:bodyPr>
-          <a:lstStyle/>
-          <a:p>
-            <a:pPr indent="0" lvl="0" marL="0" rtl="0" algn="l">
-              <a:spcBef>
-                <a:spcPts val="0"/>
-              </a:spcBef>
-              <a:spcAft>
-                <a:spcPts val="0"/>
-              </a:spcAft>
-              <a:buClr>
-                <a:schemeClr val="dk1"/>
-              </a:buClr>
-              <a:buSzPts val="1100"/>
-              <a:buFont typeface="Arial"/>
-              <a:buNone/>
-            </a:pPr>
-            <a:r>
-              <a:rPr lang="zh-TW"/>
-              <a:t>程式碼 第二版 主控台</a:t>
-            </a:r>
-            <a:endParaRPr/>
-          </a:p>
-        </p:txBody>
-      </p:sp>
-      <p:sp>
-        <p:nvSpPr>
-          <p:cNvPr id="216" name="Google Shape;216;p32"/>
-          <p:cNvSpPr txBox="1"/>
-          <p:nvPr>
-            <p:ph idx="12" type="sldNum"/>
-          </p:nvPr>
-        </p:nvSpPr>
-        <p:spPr>
-          <a:xfrm>
-            <a:off x="7425344" y="4844839"/>
-            <a:ext cx="984000" cy="273900"/>
-          </a:xfrm>
-          <a:prstGeom prst="rect">
-            <a:avLst/>
-          </a:prstGeom>
-        </p:spPr>
-        <p:txBody>
-          <a:bodyPr anchorCtr="0" anchor="ctr" bIns="34275" lIns="68575" spcFirstLastPara="1" rIns="68575" wrap="square" tIns="34275">
-            <a:noAutofit/>
-          </a:bodyPr>
-          <a:lstStyle/>
-          <a:p>
-            <a:pPr indent="0" lvl="0" marL="0" rtl="0" algn="r">
-              <a:spcBef>
-                <a:spcPts val="0"/>
-              </a:spcBef>
-              <a:spcAft>
-                <a:spcPts val="0"/>
-              </a:spcAft>
-              <a:buClr>
-                <a:srgbClr val="000000"/>
-              </a:buClr>
-              <a:buFont typeface="Arial"/>
-              <a:buNone/>
-            </a:pPr>
-            <a:fld id="{00000000-1234-1234-1234-123412341234}" type="slidenum">
-              <a:rPr lang="zh-TW"/>
-              <a:t>‹#›</a:t>
-            </a:fld>
-            <a:endParaRPr/>
-          </a:p>
-        </p:txBody>
-      </p:sp>
-      <p:pic>
-        <p:nvPicPr>
-          <p:cNvPr id="217" name="Google Shape;217;p32"/>
-          <p:cNvPicPr preferRelativeResize="0"/>
-          <p:nvPr/>
-        </p:nvPicPr>
-        <p:blipFill>
-          <a:blip r:embed="rId3">
-            <a:alphaModFix/>
-          </a:blip>
-          <a:stretch>
-            <a:fillRect/>
-          </a:stretch>
-        </p:blipFill>
-        <p:spPr>
-          <a:xfrm>
-            <a:off x="822950" y="1838314"/>
-            <a:ext cx="2400300" cy="1466850"/>
-          </a:xfrm>
-          <a:prstGeom prst="rect">
-            <a:avLst/>
-          </a:prstGeom>
-          <a:noFill/>
-          <a:ln>
-            <a:noFill/>
-          </a:ln>
-        </p:spPr>
-      </p:pic>
-      <p:sp>
-        <p:nvSpPr>
-          <p:cNvPr id="218" name="Google Shape;218;p32"/>
-          <p:cNvSpPr/>
-          <p:nvPr/>
-        </p:nvSpPr>
-        <p:spPr>
-          <a:xfrm>
-            <a:off x="3358388" y="2464350"/>
-            <a:ext cx="732300" cy="214800"/>
-          </a:xfrm>
-          <a:prstGeom prst="rightArrow">
-            <a:avLst>
-              <a:gd fmla="val 50000" name="adj1"/>
-              <a:gd fmla="val 50000" name="adj2"/>
-            </a:avLst>
-          </a:prstGeom>
-          <a:solidFill>
-            <a:schemeClr val="lt2"/>
-          </a:solidFill>
-          <a:ln cap="flat" cmpd="sng" w="9525">
-            <a:solidFill>
-              <a:schemeClr val="dk2"/>
-            </a:solidFill>
-            <a:prstDash val="solid"/>
-            <a:round/>
-            <a:headEnd len="sm" w="sm" type="none"/>
-            <a:tailEnd len="sm" w="sm" type="none"/>
-          </a:ln>
-        </p:spPr>
-        <p:txBody>
-          <a:bodyPr anchorCtr="0" anchor="ctr" bIns="91425" lIns="91425" spcFirstLastPara="1" rIns="91425" wrap="square" tIns="91425">
-            <a:noAutofit/>
-          </a:bodyPr>
-          <a:lstStyle/>
-          <a:p>
-            <a:pPr indent="0" lvl="0" marL="0" rtl="0" algn="l">
-              <a:spcBef>
-                <a:spcPts val="0"/>
-              </a:spcBef>
-              <a:spcAft>
-                <a:spcPts val="0"/>
-              </a:spcAft>
-              <a:buNone/>
-            </a:pPr>
-            <a:r>
-              <a:t/>
-            </a:r>
-            <a:endParaRPr/>
-          </a:p>
-        </p:txBody>
-      </p:sp>
-      <p:pic>
-        <p:nvPicPr>
-          <p:cNvPr id="219" name="Google Shape;219;p32"/>
-          <p:cNvPicPr preferRelativeResize="0"/>
-          <p:nvPr/>
-        </p:nvPicPr>
-        <p:blipFill>
-          <a:blip r:embed="rId4">
-            <a:alphaModFix/>
-          </a:blip>
-          <a:stretch>
-            <a:fillRect/>
-          </a:stretch>
-        </p:blipFill>
-        <p:spPr>
-          <a:xfrm>
-            <a:off x="4225825" y="947125"/>
-            <a:ext cx="3806625" cy="3778076"/>
-          </a:xfrm>
-          <a:prstGeom prst="rect">
-            <a:avLst/>
-          </a:prstGeom>
-          <a:noFill/>
-          <a:ln>
-            <a:noFill/>
-          </a:ln>
-        </p:spPr>
-      </p:pic>
-    </p:spTree>
-  </p:cSld>
-  <p:clrMapOvr>
-    <a:masterClrMapping/>
-  </p:clrMapOvr>
-</p:sld>
-</file>
-
-<file path=ppt/slides/slide14.xml><?xml version="1.0" encoding="utf-8"?>
 <p:sld xmlns:a="http://schemas.openxmlformats.org/drawingml/2006/main" xmlns:r="http://schemas.openxmlformats.org/officeDocument/2006/relationships" xmlns:mc="http://schemas.openxmlformats.org/markup-compatibility/2006" xmlns:mv="urn:schemas-microsoft-com:mac:vml" xmlns:p="http://schemas.openxmlformats.org/presentationml/2006/main" xmlns:c="http://schemas.openxmlformats.org/drawingml/2006/chart" xmlns:dgm="http://schemas.openxmlformats.org/drawingml/2006/diagram" xmlns:o="urn:schemas-microsoft-com:office:office" xmlns:v="urn:schemas-microsoft-com:vml" xmlns:pvml="urn:schemas-microsoft-com:office:powerpoint" xmlns:com="http://schemas.openxmlformats.org/drawingml/2006/compatibility" xmlns:p14="http://schemas.microsoft.com/office/powerpoint/2010/main" xmlns:p15="http://schemas.microsoft.com/office/powerpoint/2012/main" xmlns:ahyp="http://schemas.microsoft.com/office/drawing/2018/hyperlinkcolor">
   <p:cSld>
     <p:spTree>
@@ -16013,7 +15938,7 @@
       </p:grpSpPr>
       <p:sp>
         <p:nvSpPr>
-          <p:cNvPr id="224" name="Google Shape;224;p33"/>
+          <p:cNvPr id="224" name="Google Shape;224;p32"/>
           <p:cNvSpPr txBox="1"/>
           <p:nvPr>
             <p:ph type="title"/>
@@ -16041,11 +15966,16 @@
               <a:spcAft>
                 <a:spcPts val="0"/>
               </a:spcAft>
+              <a:buClr>
+                <a:schemeClr val="dk1"/>
+              </a:buClr>
+              <a:buSzPts val="1100"/>
+              <a:buFont typeface="Arial"/>
               <a:buNone/>
             </a:pPr>
             <a:r>
               <a:rPr lang="zh-TW"/>
-              <a:t>循序圖 第三版(支援使用者客製化)</a:t>
+              <a:t>程式碼 第二版 主控台</a:t>
             </a:r>
             <a:endParaRPr/>
           </a:p>
@@ -16053,47 +15983,51 @@
       </p:sp>
       <p:sp>
         <p:nvSpPr>
-          <p:cNvPr id="225" name="Google Shape;225;p33"/>
+          <p:cNvPr id="225" name="Google Shape;225;p32"/>
           <p:cNvSpPr txBox="1"/>
           <p:nvPr>
-            <p:ph idx="1" type="body"/>
+            <p:ph idx="12" type="sldNum"/>
           </p:nvPr>
         </p:nvSpPr>
         <p:spPr>
           <a:xfrm>
-            <a:off x="822960" y="927520"/>
-            <a:ext cx="7543800" cy="3474300"/>
+            <a:off x="7425344" y="4844839"/>
+            <a:ext cx="984000" cy="273900"/>
           </a:xfrm>
           <a:prstGeom prst="rect">
             <a:avLst/>
           </a:prstGeom>
         </p:spPr>
         <p:txBody>
-          <a:bodyPr anchorCtr="0" anchor="t" bIns="34275" lIns="0" spcFirstLastPara="1" rIns="0" wrap="square" tIns="34275">
-            <a:normAutofit/>
+          <a:bodyPr anchorCtr="0" anchor="ctr" bIns="34275" lIns="68575" spcFirstLastPara="1" rIns="68575" wrap="square" tIns="34275">
+            <a:noAutofit/>
           </a:bodyPr>
           <a:lstStyle/>
           <a:p>
-            <a:pPr indent="0" lvl="0" marL="0" rtl="0" algn="l">
-              <a:spcBef>
-                <a:spcPts val="900"/>
-              </a:spcBef>
-              <a:spcAft>
-                <a:spcPts val="200"/>
-              </a:spcAft>
+            <a:pPr indent="0" lvl="0" marL="0" rtl="0" algn="r">
+              <a:spcBef>
+                <a:spcPts val="0"/>
+              </a:spcBef>
+              <a:spcAft>
+                <a:spcPts val="0"/>
+              </a:spcAft>
+              <a:buClr>
+                <a:srgbClr val="000000"/>
+              </a:buClr>
+              <a:buFont typeface="Arial"/>
               <a:buNone/>
             </a:pPr>
-            <a:r>
+            <a:fld id="{00000000-1234-1234-1234-123412341234}" type="slidenum">
               <a:rPr lang="zh-TW"/>
-              <a:t>各模組加上了調整參數的API，使用者可以調整各像顯示參數</a:t>
-            </a:r>
+              <a:t>‹#›</a:t>
+            </a:fld>
             <a:endParaRPr/>
           </a:p>
         </p:txBody>
       </p:sp>
       <p:pic>
         <p:nvPicPr>
-          <p:cNvPr id="226" name="Google Shape;226;p33"/>
+          <p:cNvPr id="226" name="Google Shape;226;p32"/>
           <p:cNvPicPr preferRelativeResize="0"/>
           <p:nvPr/>
         </p:nvPicPr>
@@ -16107,8 +16041,8 @@
         </p:blipFill>
         <p:spPr>
           <a:xfrm>
-            <a:off x="1564450" y="1266975"/>
-            <a:ext cx="6802299" cy="3474300"/>
+            <a:off x="822950" y="1838314"/>
+            <a:ext cx="2400300" cy="1466850"/>
           </a:xfrm>
           <a:prstGeom prst="rect">
             <a:avLst/>
@@ -16121,58 +16055,14 @@
       </p:pic>
       <p:sp>
         <p:nvSpPr>
-          <p:cNvPr id="227" name="Google Shape;227;p33"/>
-          <p:cNvSpPr txBox="1"/>
-          <p:nvPr>
-            <p:ph idx="12" type="sldNum"/>
-          </p:nvPr>
-        </p:nvSpPr>
-        <p:spPr>
-          <a:xfrm>
-            <a:off x="7425344" y="4844839"/>
-            <a:ext cx="984000" cy="273900"/>
-          </a:xfrm>
-          <a:prstGeom prst="rect">
-            <a:avLst/>
-          </a:prstGeom>
-        </p:spPr>
-        <p:txBody>
-          <a:bodyPr anchorCtr="0" anchor="ctr" bIns="34275" lIns="68575" spcFirstLastPara="1" rIns="68575" wrap="square" tIns="34275">
-            <a:noAutofit/>
-          </a:bodyPr>
-          <a:lstStyle/>
-          <a:p>
-            <a:pPr indent="0" lvl="0" marL="0" rtl="0" algn="r">
-              <a:spcBef>
-                <a:spcPts val="0"/>
-              </a:spcBef>
-              <a:spcAft>
-                <a:spcPts val="0"/>
-              </a:spcAft>
-              <a:buClr>
-                <a:srgbClr val="000000"/>
-              </a:buClr>
-              <a:buFont typeface="Arial"/>
-              <a:buNone/>
-            </a:pPr>
-            <a:fld id="{00000000-1234-1234-1234-123412341234}" type="slidenum">
-              <a:rPr lang="zh-TW"/>
-              <a:t>‹#›</a:t>
-            </a:fld>
-            <a:endParaRPr/>
-          </a:p>
-        </p:txBody>
-      </p:sp>
-      <p:sp>
-        <p:nvSpPr>
-          <p:cNvPr id="228" name="Google Shape;228;p33"/>
+          <p:cNvPr id="227" name="Google Shape;227;p32"/>
           <p:cNvSpPr/>
           <p:nvPr/>
         </p:nvSpPr>
         <p:spPr>
           <a:xfrm>
-            <a:off x="946750" y="1472850"/>
-            <a:ext cx="617700" cy="214800"/>
+            <a:off x="3358388" y="2464350"/>
+            <a:ext cx="732300" cy="214800"/>
           </a:xfrm>
           <a:prstGeom prst="rightArrow">
             <a:avLst>
@@ -16215,37 +16105,53 @@
           </a:p>
         </p:txBody>
       </p:sp>
-      <p:sp>
-        <p:nvSpPr>
-          <p:cNvPr id="229" name="Google Shape;229;p33"/>
-          <p:cNvSpPr/>
+      <p:pic>
+        <p:nvPicPr>
+          <p:cNvPr id="228" name="Google Shape;228;p32"/>
+          <p:cNvPicPr preferRelativeResize="0"/>
           <p:nvPr/>
-        </p:nvSpPr>
-        <p:spPr>
-          <a:xfrm>
-            <a:off x="481950" y="1728000"/>
-            <a:ext cx="984000" cy="609000"/>
-          </a:xfrm>
-          <a:prstGeom prst="roundRect">
-            <a:avLst>
-              <a:gd fmla="val 16667" name="adj"/>
-            </a:avLst>
-          </a:prstGeom>
-          <a:solidFill>
-            <a:schemeClr val="lt2"/>
-          </a:solidFill>
-          <a:ln cap="flat" cmpd="sng" w="9525">
-            <a:solidFill>
-              <a:schemeClr val="dk2"/>
-            </a:solidFill>
-            <a:prstDash val="solid"/>
-            <a:round/>
-            <a:headEnd len="sm" w="sm" type="none"/>
-            <a:tailEnd len="sm" w="sm" type="none"/>
+        </p:nvPicPr>
+        <p:blipFill>
+          <a:blip r:embed="rId4">
+            <a:alphaModFix/>
+          </a:blip>
+          <a:stretch>
+            <a:fillRect/>
+          </a:stretch>
+        </p:blipFill>
+        <p:spPr>
+          <a:xfrm>
+            <a:off x="4225825" y="947125"/>
+            <a:ext cx="3806625" cy="3778076"/>
+          </a:xfrm>
+          <a:prstGeom prst="rect">
+            <a:avLst/>
+          </a:prstGeom>
+          <a:noFill/>
+          <a:ln>
+            <a:noFill/>
           </a:ln>
         </p:spPr>
+      </p:pic>
+      <p:sp>
+        <p:nvSpPr>
+          <p:cNvPr id="229" name="Google Shape;229;p32"/>
+          <p:cNvSpPr txBox="1"/>
+          <p:nvPr>
+            <p:ph idx="12" type="sldNum"/>
+          </p:nvPr>
+        </p:nvSpPr>
+        <p:spPr>
+          <a:xfrm>
+            <a:off x="139701" y="4844850"/>
+            <a:ext cx="984000" cy="273900"/>
+          </a:xfrm>
+          <a:prstGeom prst="rect">
+            <a:avLst/>
+          </a:prstGeom>
+        </p:spPr>
         <p:txBody>
-          <a:bodyPr anchorCtr="0" anchor="ctr" bIns="91425" lIns="91425" spcFirstLastPara="1" rIns="91425" wrap="square" tIns="91425">
+          <a:bodyPr anchorCtr="0" anchor="ctr" bIns="34275" lIns="68575" spcFirstLastPara="1" rIns="68575" wrap="square" tIns="34275">
             <a:noAutofit/>
           </a:bodyPr>
           <a:lstStyle/>
@@ -16257,11 +16163,20 @@
               <a:spcAft>
                 <a:spcPts val="0"/>
               </a:spcAft>
+              <a:buClr>
+                <a:schemeClr val="dk1"/>
+              </a:buClr>
+              <a:buSzPts val="275"/>
+              <a:buFont typeface="Arial"/>
               <a:buNone/>
             </a:pPr>
             <a:r>
-              <a:rPr lang="zh-TW"/>
-              <a:t>使用者開始酒精消毒</a:t>
+              <a:rPr lang="zh-TW" sz="1200">
+                <a:solidFill>
+                  <a:schemeClr val="lt1"/>
+                </a:solidFill>
+              </a:rPr>
+              <a:t>葉冠昊</a:t>
             </a:r>
             <a:endParaRPr/>
           </a:p>
@@ -16275,7 +16190,7 @@
 </p:sld>
 </file>
 
-<file path=ppt/slides/slide15.xml><?xml version="1.0" encoding="utf-8"?>
+<file path=ppt/slides/slide14.xml><?xml version="1.0" encoding="utf-8"?>
 <p:sld xmlns:a="http://schemas.openxmlformats.org/drawingml/2006/main" xmlns:r="http://schemas.openxmlformats.org/officeDocument/2006/relationships" xmlns:mc="http://schemas.openxmlformats.org/markup-compatibility/2006" xmlns:mv="urn:schemas-microsoft-com:mac:vml" xmlns:p="http://schemas.openxmlformats.org/presentationml/2006/main" xmlns:c="http://schemas.openxmlformats.org/drawingml/2006/chart" xmlns:dgm="http://schemas.openxmlformats.org/drawingml/2006/diagram" xmlns:o="urn:schemas-microsoft-com:office:office" xmlns:v="urn:schemas-microsoft-com:vml" xmlns:pvml="urn:schemas-microsoft-com:office:powerpoint" xmlns:com="http://schemas.openxmlformats.org/drawingml/2006/compatibility" xmlns:p14="http://schemas.microsoft.com/office/powerpoint/2010/main" xmlns:p15="http://schemas.microsoft.com/office/powerpoint/2012/main" xmlns:ahyp="http://schemas.microsoft.com/office/drawing/2018/hyperlinkcolor">
   <p:cSld>
     <p:spTree>
@@ -16294,7 +16209,7 @@
       </p:grpSpPr>
       <p:sp>
         <p:nvSpPr>
-          <p:cNvPr id="234" name="Google Shape;234;p34"/>
+          <p:cNvPr id="234" name="Google Shape;234;p33"/>
           <p:cNvSpPr txBox="1"/>
           <p:nvPr>
             <p:ph type="title"/>
@@ -16326,7 +16241,7 @@
             </a:pPr>
             <a:r>
               <a:rPr lang="zh-TW"/>
-              <a:t>類別圖 第三版</a:t>
+              <a:t>循序圖 第三版(支援使用者客製化)</a:t>
             </a:r>
             <a:endParaRPr/>
           </a:p>
@@ -16334,51 +16249,47 @@
       </p:sp>
       <p:sp>
         <p:nvSpPr>
-          <p:cNvPr id="235" name="Google Shape;235;p34"/>
+          <p:cNvPr id="235" name="Google Shape;235;p33"/>
           <p:cNvSpPr txBox="1"/>
           <p:nvPr>
-            <p:ph idx="12" type="sldNum"/>
+            <p:ph idx="1" type="body"/>
           </p:nvPr>
         </p:nvSpPr>
         <p:spPr>
           <a:xfrm>
-            <a:off x="7425344" y="4844839"/>
-            <a:ext cx="984000" cy="273900"/>
+            <a:off x="822960" y="927520"/>
+            <a:ext cx="7543800" cy="3474300"/>
           </a:xfrm>
           <a:prstGeom prst="rect">
             <a:avLst/>
           </a:prstGeom>
         </p:spPr>
         <p:txBody>
-          <a:bodyPr anchorCtr="0" anchor="ctr" bIns="34275" lIns="68575" spcFirstLastPara="1" rIns="68575" wrap="square" tIns="34275">
-            <a:noAutofit/>
+          <a:bodyPr anchorCtr="0" anchor="t" bIns="34275" lIns="0" spcFirstLastPara="1" rIns="0" wrap="square" tIns="34275">
+            <a:normAutofit/>
           </a:bodyPr>
           <a:lstStyle/>
           <a:p>
-            <a:pPr indent="0" lvl="0" marL="0" rtl="0" algn="r">
-              <a:spcBef>
-                <a:spcPts val="0"/>
-              </a:spcBef>
-              <a:spcAft>
-                <a:spcPts val="0"/>
-              </a:spcAft>
-              <a:buClr>
-                <a:srgbClr val="000000"/>
-              </a:buClr>
-              <a:buFont typeface="Arial"/>
+            <a:pPr indent="0" lvl="0" marL="0" rtl="0" algn="l">
+              <a:spcBef>
+                <a:spcPts val="900"/>
+              </a:spcBef>
+              <a:spcAft>
+                <a:spcPts val="200"/>
+              </a:spcAft>
               <a:buNone/>
             </a:pPr>
-            <a:fld id="{00000000-1234-1234-1234-123412341234}" type="slidenum">
+            <a:r>
               <a:rPr lang="zh-TW"/>
-              <a:t>‹#›</a:t>
-            </a:fld>
+              <a:t>各模組加上了調整參數的API，使用者可以調整各像顯示參數</a:t>
+            </a:r>
             <a:endParaRPr/>
           </a:p>
         </p:txBody>
       </p:sp>
       <p:pic>
         <p:nvPicPr>
-          <p:cNvPr id="236" name="Google Shape;236;p34"/>
+          <p:cNvPr id="236" name="Google Shape;236;p33"/>
           <p:cNvPicPr preferRelativeResize="0"/>
           <p:nvPr/>
         </p:nvPicPr>
@@ -16392,8 +16303,8 @@
         </p:blipFill>
         <p:spPr>
           <a:xfrm>
-            <a:off x="1394854" y="875475"/>
-            <a:ext cx="6826797" cy="3883126"/>
+            <a:off x="1564450" y="1266975"/>
+            <a:ext cx="6802299" cy="3474300"/>
           </a:xfrm>
           <a:prstGeom prst="rect">
             <a:avLst/>
@@ -16404,6 +16315,385 @@
           </a:ln>
         </p:spPr>
       </p:pic>
+      <p:sp>
+        <p:nvSpPr>
+          <p:cNvPr id="237" name="Google Shape;237;p33"/>
+          <p:cNvSpPr txBox="1"/>
+          <p:nvPr>
+            <p:ph idx="12" type="sldNum"/>
+          </p:nvPr>
+        </p:nvSpPr>
+        <p:spPr>
+          <a:xfrm>
+            <a:off x="7425344" y="4844839"/>
+            <a:ext cx="984000" cy="273900"/>
+          </a:xfrm>
+          <a:prstGeom prst="rect">
+            <a:avLst/>
+          </a:prstGeom>
+        </p:spPr>
+        <p:txBody>
+          <a:bodyPr anchorCtr="0" anchor="ctr" bIns="34275" lIns="68575" spcFirstLastPara="1" rIns="68575" wrap="square" tIns="34275">
+            <a:noAutofit/>
+          </a:bodyPr>
+          <a:lstStyle/>
+          <a:p>
+            <a:pPr indent="0" lvl="0" marL="0" rtl="0" algn="r">
+              <a:spcBef>
+                <a:spcPts val="0"/>
+              </a:spcBef>
+              <a:spcAft>
+                <a:spcPts val="0"/>
+              </a:spcAft>
+              <a:buClr>
+                <a:srgbClr val="000000"/>
+              </a:buClr>
+              <a:buFont typeface="Arial"/>
+              <a:buNone/>
+            </a:pPr>
+            <a:fld id="{00000000-1234-1234-1234-123412341234}" type="slidenum">
+              <a:rPr lang="zh-TW"/>
+              <a:t>‹#›</a:t>
+            </a:fld>
+            <a:endParaRPr/>
+          </a:p>
+        </p:txBody>
+      </p:sp>
+      <p:sp>
+        <p:nvSpPr>
+          <p:cNvPr id="238" name="Google Shape;238;p33"/>
+          <p:cNvSpPr/>
+          <p:nvPr/>
+        </p:nvSpPr>
+        <p:spPr>
+          <a:xfrm>
+            <a:off x="946750" y="1472850"/>
+            <a:ext cx="617700" cy="214800"/>
+          </a:xfrm>
+          <a:prstGeom prst="rightArrow">
+            <a:avLst>
+              <a:gd fmla="val 50000" name="adj1"/>
+              <a:gd fmla="val 50000" name="adj2"/>
+            </a:avLst>
+          </a:prstGeom>
+          <a:solidFill>
+            <a:schemeClr val="lt2"/>
+          </a:solidFill>
+          <a:ln cap="flat" cmpd="sng" w="9525">
+            <a:solidFill>
+              <a:schemeClr val="dk2"/>
+            </a:solidFill>
+            <a:prstDash val="solid"/>
+            <a:round/>
+            <a:headEnd len="sm" w="sm" type="none"/>
+            <a:tailEnd len="sm" w="sm" type="none"/>
+          </a:ln>
+        </p:spPr>
+        <p:txBody>
+          <a:bodyPr anchorCtr="0" anchor="ctr" bIns="91425" lIns="91425" spcFirstLastPara="1" rIns="91425" wrap="square" tIns="91425">
+            <a:noAutofit/>
+          </a:bodyPr>
+          <a:lstStyle/>
+          <a:p>
+            <a:pPr indent="0" lvl="0" marL="0" rtl="0" algn="l">
+              <a:spcBef>
+                <a:spcPts val="0"/>
+              </a:spcBef>
+              <a:spcAft>
+                <a:spcPts val="0"/>
+              </a:spcAft>
+              <a:buNone/>
+            </a:pPr>
+            <a:r>
+              <a:t/>
+            </a:r>
+            <a:endParaRPr/>
+          </a:p>
+        </p:txBody>
+      </p:sp>
+      <p:sp>
+        <p:nvSpPr>
+          <p:cNvPr id="239" name="Google Shape;239;p33"/>
+          <p:cNvSpPr/>
+          <p:nvPr/>
+        </p:nvSpPr>
+        <p:spPr>
+          <a:xfrm>
+            <a:off x="481950" y="1728000"/>
+            <a:ext cx="984000" cy="609000"/>
+          </a:xfrm>
+          <a:prstGeom prst="roundRect">
+            <a:avLst>
+              <a:gd fmla="val 16667" name="adj"/>
+            </a:avLst>
+          </a:prstGeom>
+          <a:solidFill>
+            <a:schemeClr val="lt2"/>
+          </a:solidFill>
+          <a:ln cap="flat" cmpd="sng" w="9525">
+            <a:solidFill>
+              <a:schemeClr val="dk2"/>
+            </a:solidFill>
+            <a:prstDash val="solid"/>
+            <a:round/>
+            <a:headEnd len="sm" w="sm" type="none"/>
+            <a:tailEnd len="sm" w="sm" type="none"/>
+          </a:ln>
+        </p:spPr>
+        <p:txBody>
+          <a:bodyPr anchorCtr="0" anchor="ctr" bIns="91425" lIns="91425" spcFirstLastPara="1" rIns="91425" wrap="square" tIns="91425">
+            <a:noAutofit/>
+          </a:bodyPr>
+          <a:lstStyle/>
+          <a:p>
+            <a:pPr indent="0" lvl="0" marL="0" rtl="0" algn="l">
+              <a:spcBef>
+                <a:spcPts val="0"/>
+              </a:spcBef>
+              <a:spcAft>
+                <a:spcPts val="0"/>
+              </a:spcAft>
+              <a:buNone/>
+            </a:pPr>
+            <a:r>
+              <a:rPr lang="zh-TW"/>
+              <a:t>使用者開始酒精消毒</a:t>
+            </a:r>
+            <a:endParaRPr/>
+          </a:p>
+        </p:txBody>
+      </p:sp>
+      <p:sp>
+        <p:nvSpPr>
+          <p:cNvPr id="240" name="Google Shape;240;p33"/>
+          <p:cNvSpPr txBox="1"/>
+          <p:nvPr>
+            <p:ph idx="12" type="sldNum"/>
+          </p:nvPr>
+        </p:nvSpPr>
+        <p:spPr>
+          <a:xfrm>
+            <a:off x="139701" y="4844850"/>
+            <a:ext cx="984000" cy="273900"/>
+          </a:xfrm>
+          <a:prstGeom prst="rect">
+            <a:avLst/>
+          </a:prstGeom>
+        </p:spPr>
+        <p:txBody>
+          <a:bodyPr anchorCtr="0" anchor="ctr" bIns="34275" lIns="68575" spcFirstLastPara="1" rIns="68575" wrap="square" tIns="34275">
+            <a:noAutofit/>
+          </a:bodyPr>
+          <a:lstStyle/>
+          <a:p>
+            <a:pPr indent="0" lvl="0" marL="0" rtl="0" algn="l">
+              <a:spcBef>
+                <a:spcPts val="0"/>
+              </a:spcBef>
+              <a:spcAft>
+                <a:spcPts val="0"/>
+              </a:spcAft>
+              <a:buClr>
+                <a:srgbClr val="000000"/>
+              </a:buClr>
+              <a:buSzPts val="275"/>
+              <a:buFont typeface="Arial"/>
+              <a:buNone/>
+            </a:pPr>
+            <a:r>
+              <a:rPr lang="zh-TW" sz="1200"/>
+              <a:t>呂宗祐</a:t>
+            </a:r>
+            <a:endParaRPr/>
+          </a:p>
+        </p:txBody>
+      </p:sp>
+    </p:spTree>
+  </p:cSld>
+  <p:clrMapOvr>
+    <a:masterClrMapping/>
+  </p:clrMapOvr>
+</p:sld>
+</file>
+
+<file path=ppt/slides/slide15.xml><?xml version="1.0" encoding="utf-8"?>
+<p:sld xmlns:a="http://schemas.openxmlformats.org/drawingml/2006/main" xmlns:r="http://schemas.openxmlformats.org/officeDocument/2006/relationships" xmlns:mc="http://schemas.openxmlformats.org/markup-compatibility/2006" xmlns:mv="urn:schemas-microsoft-com:mac:vml" xmlns:p="http://schemas.openxmlformats.org/presentationml/2006/main" xmlns:c="http://schemas.openxmlformats.org/drawingml/2006/chart" xmlns:dgm="http://schemas.openxmlformats.org/drawingml/2006/diagram" xmlns:o="urn:schemas-microsoft-com:office:office" xmlns:v="urn:schemas-microsoft-com:vml" xmlns:pvml="urn:schemas-microsoft-com:office:powerpoint" xmlns:com="http://schemas.openxmlformats.org/drawingml/2006/compatibility" xmlns:p14="http://schemas.microsoft.com/office/powerpoint/2010/main" xmlns:p15="http://schemas.microsoft.com/office/powerpoint/2012/main" xmlns:ahyp="http://schemas.microsoft.com/office/drawing/2018/hyperlinkcolor">
+  <p:cSld>
+    <p:spTree>
+      <p:nvGrpSpPr>
+        <p:cNvPr id="244" name="Shape 244"/>
+        <p:cNvGrpSpPr/>
+        <p:nvPr/>
+      </p:nvGrpSpPr>
+      <p:grpSpPr>
+        <a:xfrm>
+          <a:off x="0" y="0"/>
+          <a:ext cx="0" cy="0"/>
+          <a:chOff x="0" y="0"/>
+          <a:chExt cx="0" cy="0"/>
+        </a:xfrm>
+      </p:grpSpPr>
+      <p:sp>
+        <p:nvSpPr>
+          <p:cNvPr id="245" name="Google Shape;245;p34"/>
+          <p:cNvSpPr txBox="1"/>
+          <p:nvPr>
+            <p:ph type="title"/>
+          </p:nvPr>
+        </p:nvSpPr>
+        <p:spPr>
+          <a:xfrm>
+            <a:off x="822960" y="118814"/>
+            <a:ext cx="7543800" cy="675900"/>
+          </a:xfrm>
+          <a:prstGeom prst="rect">
+            <a:avLst/>
+          </a:prstGeom>
+        </p:spPr>
+        <p:txBody>
+          <a:bodyPr anchorCtr="0" anchor="b" bIns="34275" lIns="68575" spcFirstLastPara="1" rIns="68575" wrap="square" tIns="34275">
+            <a:normAutofit/>
+          </a:bodyPr>
+          <a:lstStyle/>
+          <a:p>
+            <a:pPr indent="0" lvl="0" marL="0" rtl="0" algn="l">
+              <a:spcBef>
+                <a:spcPts val="0"/>
+              </a:spcBef>
+              <a:spcAft>
+                <a:spcPts val="0"/>
+              </a:spcAft>
+              <a:buNone/>
+            </a:pPr>
+            <a:r>
+              <a:rPr lang="zh-TW"/>
+              <a:t>類別圖 第三版</a:t>
+            </a:r>
+            <a:endParaRPr/>
+          </a:p>
+        </p:txBody>
+      </p:sp>
+      <p:sp>
+        <p:nvSpPr>
+          <p:cNvPr id="246" name="Google Shape;246;p34"/>
+          <p:cNvSpPr txBox="1"/>
+          <p:nvPr>
+            <p:ph idx="12" type="sldNum"/>
+          </p:nvPr>
+        </p:nvSpPr>
+        <p:spPr>
+          <a:xfrm>
+            <a:off x="7425344" y="4844839"/>
+            <a:ext cx="984000" cy="273900"/>
+          </a:xfrm>
+          <a:prstGeom prst="rect">
+            <a:avLst/>
+          </a:prstGeom>
+        </p:spPr>
+        <p:txBody>
+          <a:bodyPr anchorCtr="0" anchor="ctr" bIns="34275" lIns="68575" spcFirstLastPara="1" rIns="68575" wrap="square" tIns="34275">
+            <a:noAutofit/>
+          </a:bodyPr>
+          <a:lstStyle/>
+          <a:p>
+            <a:pPr indent="0" lvl="0" marL="0" rtl="0" algn="r">
+              <a:spcBef>
+                <a:spcPts val="0"/>
+              </a:spcBef>
+              <a:spcAft>
+                <a:spcPts val="0"/>
+              </a:spcAft>
+              <a:buClr>
+                <a:srgbClr val="000000"/>
+              </a:buClr>
+              <a:buFont typeface="Arial"/>
+              <a:buNone/>
+            </a:pPr>
+            <a:fld id="{00000000-1234-1234-1234-123412341234}" type="slidenum">
+              <a:rPr lang="zh-TW"/>
+              <a:t>‹#›</a:t>
+            </a:fld>
+            <a:endParaRPr/>
+          </a:p>
+        </p:txBody>
+      </p:sp>
+      <p:pic>
+        <p:nvPicPr>
+          <p:cNvPr id="247" name="Google Shape;247;p34"/>
+          <p:cNvPicPr preferRelativeResize="0"/>
+          <p:nvPr/>
+        </p:nvPicPr>
+        <p:blipFill>
+          <a:blip r:embed="rId3">
+            <a:alphaModFix/>
+          </a:blip>
+          <a:stretch>
+            <a:fillRect/>
+          </a:stretch>
+        </p:blipFill>
+        <p:spPr>
+          <a:xfrm>
+            <a:off x="1394854" y="875475"/>
+            <a:ext cx="6826797" cy="3883126"/>
+          </a:xfrm>
+          <a:prstGeom prst="rect">
+            <a:avLst/>
+          </a:prstGeom>
+          <a:noFill/>
+          <a:ln>
+            <a:noFill/>
+          </a:ln>
+        </p:spPr>
+      </p:pic>
+      <p:sp>
+        <p:nvSpPr>
+          <p:cNvPr id="248" name="Google Shape;248;p34"/>
+          <p:cNvSpPr txBox="1"/>
+          <p:nvPr>
+            <p:ph idx="12" type="sldNum"/>
+          </p:nvPr>
+        </p:nvSpPr>
+        <p:spPr>
+          <a:xfrm>
+            <a:off x="139701" y="4844850"/>
+            <a:ext cx="984000" cy="273900"/>
+          </a:xfrm>
+          <a:prstGeom prst="rect">
+            <a:avLst/>
+          </a:prstGeom>
+        </p:spPr>
+        <p:txBody>
+          <a:bodyPr anchorCtr="0" anchor="ctr" bIns="34275" lIns="68575" spcFirstLastPara="1" rIns="68575" wrap="square" tIns="34275">
+            <a:noAutofit/>
+          </a:bodyPr>
+          <a:lstStyle/>
+          <a:p>
+            <a:pPr indent="0" lvl="0" marL="0" rtl="0" algn="l">
+              <a:spcBef>
+                <a:spcPts val="0"/>
+              </a:spcBef>
+              <a:spcAft>
+                <a:spcPts val="0"/>
+              </a:spcAft>
+              <a:buClr>
+                <a:schemeClr val="dk1"/>
+              </a:buClr>
+              <a:buSzPts val="275"/>
+              <a:buFont typeface="Arial"/>
+              <a:buNone/>
+            </a:pPr>
+            <a:r>
+              <a:rPr lang="zh-TW" sz="1200">
+                <a:solidFill>
+                  <a:schemeClr val="lt1"/>
+                </a:solidFill>
+              </a:rPr>
+              <a:t>葉冠昊</a:t>
+            </a:r>
+            <a:endParaRPr/>
+          </a:p>
+        </p:txBody>
+      </p:sp>
     </p:spTree>
   </p:cSld>
   <p:clrMapOvr>
@@ -16417,7 +16707,7 @@
   <p:cSld>
     <p:spTree>
       <p:nvGrpSpPr>
-        <p:cNvPr id="240" name="Shape 240"/>
+        <p:cNvPr id="252" name="Shape 252"/>
         <p:cNvGrpSpPr/>
         <p:nvPr/>
       </p:nvGrpSpPr>
@@ -16431,7 +16721,7 @@
       </p:grpSpPr>
       <p:sp>
         <p:nvSpPr>
-          <p:cNvPr id="241" name="Google Shape;241;p35"/>
+          <p:cNvPr id="253" name="Google Shape;253;p35"/>
           <p:cNvSpPr txBox="1"/>
           <p:nvPr>
             <p:ph type="title"/>
@@ -16471,7 +16761,7 @@
       </p:sp>
       <p:sp>
         <p:nvSpPr>
-          <p:cNvPr id="242" name="Google Shape;242;p35"/>
+          <p:cNvPr id="254" name="Google Shape;254;p35"/>
           <p:cNvSpPr txBox="1"/>
           <p:nvPr>
             <p:ph idx="12" type="sldNum"/>
@@ -16515,7 +16805,7 @@
       </p:sp>
       <p:pic>
         <p:nvPicPr>
-          <p:cNvPr id="243" name="Google Shape;243;p35"/>
+          <p:cNvPr id="255" name="Google Shape;255;p35"/>
           <p:cNvPicPr preferRelativeResize="0"/>
           <p:nvPr/>
         </p:nvPicPr>
@@ -16543,7 +16833,7 @@
       </p:pic>
       <p:pic>
         <p:nvPicPr>
-          <p:cNvPr id="244" name="Google Shape;244;p35"/>
+          <p:cNvPr id="256" name="Google Shape;256;p35"/>
           <p:cNvPicPr preferRelativeResize="0"/>
           <p:nvPr/>
         </p:nvPicPr>
@@ -16571,7 +16861,7 @@
       </p:pic>
       <p:pic>
         <p:nvPicPr>
-          <p:cNvPr id="245" name="Google Shape;245;p35"/>
+          <p:cNvPr id="257" name="Google Shape;257;p35"/>
           <p:cNvPicPr preferRelativeResize="0"/>
           <p:nvPr/>
         </p:nvPicPr>
@@ -16599,7 +16889,7 @@
       </p:pic>
       <p:sp>
         <p:nvSpPr>
-          <p:cNvPr id="246" name="Google Shape;246;p35"/>
+          <p:cNvPr id="258" name="Google Shape;258;p35"/>
           <p:cNvSpPr/>
           <p:nvPr/>
         </p:nvSpPr>
@@ -16651,7 +16941,7 @@
       </p:sp>
       <p:sp>
         <p:nvSpPr>
-          <p:cNvPr id="247" name="Google Shape;247;p35"/>
+          <p:cNvPr id="259" name="Google Shape;259;p35"/>
           <p:cNvSpPr/>
           <p:nvPr/>
         </p:nvSpPr>
@@ -16703,7 +16993,7 @@
       </p:sp>
       <p:sp>
         <p:nvSpPr>
-          <p:cNvPr id="248" name="Google Shape;248;p35"/>
+          <p:cNvPr id="260" name="Google Shape;260;p35"/>
           <p:cNvSpPr/>
           <p:nvPr/>
         </p:nvSpPr>
@@ -16755,7 +17045,7 @@
       </p:sp>
       <p:pic>
         <p:nvPicPr>
-          <p:cNvPr id="249" name="Google Shape;249;p35"/>
+          <p:cNvPr id="261" name="Google Shape;261;p35"/>
           <p:cNvPicPr preferRelativeResize="0"/>
           <p:nvPr/>
         </p:nvPicPr>
@@ -16783,7 +17073,7 @@
       </p:pic>
       <p:pic>
         <p:nvPicPr>
-          <p:cNvPr id="250" name="Google Shape;250;p35"/>
+          <p:cNvPr id="262" name="Google Shape;262;p35"/>
           <p:cNvPicPr preferRelativeResize="0"/>
           <p:nvPr/>
         </p:nvPicPr>
@@ -16811,7 +17101,7 @@
       </p:pic>
       <p:pic>
         <p:nvPicPr>
-          <p:cNvPr id="251" name="Google Shape;251;p35"/>
+          <p:cNvPr id="263" name="Google Shape;263;p35"/>
           <p:cNvPicPr preferRelativeResize="0"/>
           <p:nvPr/>
         </p:nvPicPr>
@@ -16837,6 +17127,51 @@
           </a:ln>
         </p:spPr>
       </p:pic>
+      <p:sp>
+        <p:nvSpPr>
+          <p:cNvPr id="264" name="Google Shape;264;p35"/>
+          <p:cNvSpPr txBox="1"/>
+          <p:nvPr>
+            <p:ph idx="12" type="sldNum"/>
+          </p:nvPr>
+        </p:nvSpPr>
+        <p:spPr>
+          <a:xfrm>
+            <a:off x="139701" y="4844850"/>
+            <a:ext cx="984000" cy="273900"/>
+          </a:xfrm>
+          <a:prstGeom prst="rect">
+            <a:avLst/>
+          </a:prstGeom>
+        </p:spPr>
+        <p:txBody>
+          <a:bodyPr anchorCtr="0" anchor="ctr" bIns="34275" lIns="68575" spcFirstLastPara="1" rIns="68575" wrap="square" tIns="34275">
+            <a:noAutofit/>
+          </a:bodyPr>
+          <a:lstStyle/>
+          <a:p>
+            <a:pPr indent="0" lvl="0" marL="0" rtl="0" algn="l">
+              <a:spcBef>
+                <a:spcPts val="0"/>
+              </a:spcBef>
+              <a:spcAft>
+                <a:spcPts val="0"/>
+              </a:spcAft>
+              <a:buClr>
+                <a:srgbClr val="000000"/>
+              </a:buClr>
+              <a:buSzPts val="275"/>
+              <a:buFont typeface="Arial"/>
+              <a:buNone/>
+            </a:pPr>
+            <a:r>
+              <a:rPr lang="zh-TW" sz="1200"/>
+              <a:t>葉冠昊</a:t>
+            </a:r>
+            <a:endParaRPr/>
+          </a:p>
+        </p:txBody>
+      </p:sp>
     </p:spTree>
   </p:cSld>
   <p:clrMapOvr>
@@ -16850,7 +17185,7 @@
   <p:cSld>
     <p:spTree>
       <p:nvGrpSpPr>
-        <p:cNvPr id="255" name="Shape 255"/>
+        <p:cNvPr id="268" name="Shape 268"/>
         <p:cNvGrpSpPr/>
         <p:nvPr/>
       </p:nvGrpSpPr>
@@ -16864,7 +17199,7 @@
       </p:grpSpPr>
       <p:sp>
         <p:nvSpPr>
-          <p:cNvPr id="256" name="Google Shape;256;p36"/>
+          <p:cNvPr id="269" name="Google Shape;269;p36"/>
           <p:cNvSpPr txBox="1"/>
           <p:nvPr>
             <p:ph type="title"/>
@@ -16909,7 +17244,7 @@
       </p:sp>
       <p:sp>
         <p:nvSpPr>
-          <p:cNvPr id="257" name="Google Shape;257;p36"/>
+          <p:cNvPr id="270" name="Google Shape;270;p36"/>
           <p:cNvSpPr txBox="1"/>
           <p:nvPr>
             <p:ph idx="12" type="sldNum"/>
@@ -16953,7 +17288,7 @@
       </p:sp>
       <p:pic>
         <p:nvPicPr>
-          <p:cNvPr id="258" name="Google Shape;258;p36"/>
+          <p:cNvPr id="271" name="Google Shape;271;p36"/>
           <p:cNvPicPr preferRelativeResize="0"/>
           <p:nvPr/>
         </p:nvPicPr>
@@ -16981,7 +17316,7 @@
       </p:pic>
       <p:sp>
         <p:nvSpPr>
-          <p:cNvPr id="259" name="Google Shape;259;p36"/>
+          <p:cNvPr id="272" name="Google Shape;272;p36"/>
           <p:cNvSpPr/>
           <p:nvPr/>
         </p:nvSpPr>
@@ -17033,7 +17368,7 @@
       </p:sp>
       <p:pic>
         <p:nvPicPr>
-          <p:cNvPr id="260" name="Google Shape;260;p36"/>
+          <p:cNvPr id="273" name="Google Shape;273;p36"/>
           <p:cNvPicPr preferRelativeResize="0"/>
           <p:nvPr/>
         </p:nvPicPr>
@@ -17059,6 +17394,51 @@
           </a:ln>
         </p:spPr>
       </p:pic>
+      <p:sp>
+        <p:nvSpPr>
+          <p:cNvPr id="274" name="Google Shape;274;p36"/>
+          <p:cNvSpPr txBox="1"/>
+          <p:nvPr>
+            <p:ph idx="12" type="sldNum"/>
+          </p:nvPr>
+        </p:nvSpPr>
+        <p:spPr>
+          <a:xfrm>
+            <a:off x="139701" y="4844850"/>
+            <a:ext cx="984000" cy="273900"/>
+          </a:xfrm>
+          <a:prstGeom prst="rect">
+            <a:avLst/>
+          </a:prstGeom>
+        </p:spPr>
+        <p:txBody>
+          <a:bodyPr anchorCtr="0" anchor="ctr" bIns="34275" lIns="68575" spcFirstLastPara="1" rIns="68575" wrap="square" tIns="34275">
+            <a:noAutofit/>
+          </a:bodyPr>
+          <a:lstStyle/>
+          <a:p>
+            <a:pPr indent="0" lvl="0" marL="0" rtl="0" algn="l">
+              <a:spcBef>
+                <a:spcPts val="0"/>
+              </a:spcBef>
+              <a:spcAft>
+                <a:spcPts val="0"/>
+              </a:spcAft>
+              <a:buClr>
+                <a:srgbClr val="000000"/>
+              </a:buClr>
+              <a:buSzPts val="275"/>
+              <a:buFont typeface="Arial"/>
+              <a:buNone/>
+            </a:pPr>
+            <a:r>
+              <a:rPr lang="zh-TW" sz="1200"/>
+              <a:t>葉冠昊</a:t>
+            </a:r>
+            <a:endParaRPr/>
+          </a:p>
+        </p:txBody>
+      </p:sp>
     </p:spTree>
   </p:cSld>
   <p:clrMapOvr>
@@ -17072,7 +17452,7 @@
   <p:cSld>
     <p:spTree>
       <p:nvGrpSpPr>
-        <p:cNvPr id="264" name="Shape 264"/>
+        <p:cNvPr id="278" name="Shape 278"/>
         <p:cNvGrpSpPr/>
         <p:nvPr/>
       </p:nvGrpSpPr>
@@ -17086,7 +17466,7 @@
       </p:grpSpPr>
       <p:sp>
         <p:nvSpPr>
-          <p:cNvPr id="265" name="Google Shape;265;p37"/>
+          <p:cNvPr id="279" name="Google Shape;279;p37"/>
           <p:cNvSpPr txBox="1"/>
           <p:nvPr>
             <p:ph type="title"/>
@@ -17131,7 +17511,7 @@
       </p:sp>
       <p:sp>
         <p:nvSpPr>
-          <p:cNvPr id="266" name="Google Shape;266;p37"/>
+          <p:cNvPr id="280" name="Google Shape;280;p37"/>
           <p:cNvSpPr txBox="1"/>
           <p:nvPr>
             <p:ph idx="12" type="sldNum"/>
@@ -17175,7 +17555,7 @@
       </p:sp>
       <p:pic>
         <p:nvPicPr>
-          <p:cNvPr id="267" name="Google Shape;267;p37"/>
+          <p:cNvPr id="281" name="Google Shape;281;p37"/>
           <p:cNvPicPr preferRelativeResize="0"/>
           <p:nvPr/>
         </p:nvPicPr>
@@ -17203,7 +17583,7 @@
       </p:pic>
       <p:pic>
         <p:nvPicPr>
-          <p:cNvPr id="268" name="Google Shape;268;p37"/>
+          <p:cNvPr id="282" name="Google Shape;282;p37"/>
           <p:cNvPicPr preferRelativeResize="0"/>
           <p:nvPr/>
         </p:nvPicPr>
@@ -17231,7 +17611,7 @@
       </p:pic>
       <p:pic>
         <p:nvPicPr>
-          <p:cNvPr id="269" name="Google Shape;269;p37"/>
+          <p:cNvPr id="283" name="Google Shape;283;p37"/>
           <p:cNvPicPr preferRelativeResize="0"/>
           <p:nvPr/>
         </p:nvPicPr>
@@ -17259,7 +17639,7 @@
       </p:pic>
       <p:sp>
         <p:nvSpPr>
-          <p:cNvPr id="270" name="Google Shape;270;p37"/>
+          <p:cNvPr id="284" name="Google Shape;284;p37"/>
           <p:cNvSpPr/>
           <p:nvPr/>
         </p:nvSpPr>
@@ -17301,6 +17681,51 @@
             </a:pPr>
             <a:r>
               <a:t/>
+            </a:r>
+            <a:endParaRPr/>
+          </a:p>
+        </p:txBody>
+      </p:sp>
+      <p:sp>
+        <p:nvSpPr>
+          <p:cNvPr id="285" name="Google Shape;285;p37"/>
+          <p:cNvSpPr txBox="1"/>
+          <p:nvPr>
+            <p:ph idx="12" type="sldNum"/>
+          </p:nvPr>
+        </p:nvSpPr>
+        <p:spPr>
+          <a:xfrm>
+            <a:off x="139701" y="4844850"/>
+            <a:ext cx="984000" cy="273900"/>
+          </a:xfrm>
+          <a:prstGeom prst="rect">
+            <a:avLst/>
+          </a:prstGeom>
+        </p:spPr>
+        <p:txBody>
+          <a:bodyPr anchorCtr="0" anchor="ctr" bIns="34275" lIns="68575" spcFirstLastPara="1" rIns="68575" wrap="square" tIns="34275">
+            <a:noAutofit/>
+          </a:bodyPr>
+          <a:lstStyle/>
+          <a:p>
+            <a:pPr indent="0" lvl="0" marL="0" rtl="0" algn="l">
+              <a:spcBef>
+                <a:spcPts val="0"/>
+              </a:spcBef>
+              <a:spcAft>
+                <a:spcPts val="0"/>
+              </a:spcAft>
+              <a:buClr>
+                <a:srgbClr val="000000"/>
+              </a:buClr>
+              <a:buSzPts val="275"/>
+              <a:buFont typeface="Arial"/>
+              <a:buNone/>
+            </a:pPr>
+            <a:r>
+              <a:rPr lang="zh-TW" sz="1200"/>
+              <a:t>葉冠昊</a:t>
             </a:r>
             <a:endParaRPr/>
           </a:p>
@@ -17319,7 +17744,7 @@
   <p:cSld>
     <p:spTree>
       <p:nvGrpSpPr>
-        <p:cNvPr id="274" name="Shape 274"/>
+        <p:cNvPr id="289" name="Shape 289"/>
         <p:cNvGrpSpPr/>
         <p:nvPr/>
       </p:nvGrpSpPr>
@@ -17333,7 +17758,7 @@
       </p:grpSpPr>
       <p:sp>
         <p:nvSpPr>
-          <p:cNvPr id="275" name="Google Shape;275;p38"/>
+          <p:cNvPr id="290" name="Google Shape;290;p38"/>
           <p:cNvSpPr txBox="1"/>
           <p:nvPr>
             <p:ph idx="12" type="sldNum"/>
@@ -17377,7 +17802,7 @@
       </p:sp>
       <p:sp>
         <p:nvSpPr>
-          <p:cNvPr id="276" name="Google Shape;276;p38"/>
+          <p:cNvPr id="291" name="Google Shape;291;p38"/>
           <p:cNvSpPr txBox="1"/>
           <p:nvPr>
             <p:ph type="title"/>
@@ -17421,7 +17846,7 @@
       </p:sp>
       <p:pic>
         <p:nvPicPr>
-          <p:cNvPr id="277" name="Google Shape;277;p38"/>
+          <p:cNvPr id="292" name="Google Shape;292;p38"/>
           <p:cNvPicPr preferRelativeResize="0"/>
           <p:nvPr/>
         </p:nvPicPr>
@@ -17449,7 +17874,7 @@
       </p:pic>
       <p:pic>
         <p:nvPicPr>
-          <p:cNvPr id="278" name="Google Shape;278;p38"/>
+          <p:cNvPr id="293" name="Google Shape;293;p38"/>
           <p:cNvPicPr preferRelativeResize="0"/>
           <p:nvPr/>
         </p:nvPicPr>
@@ -17477,7 +17902,7 @@
       </p:pic>
       <p:sp>
         <p:nvSpPr>
-          <p:cNvPr id="279" name="Google Shape;279;p38"/>
+          <p:cNvPr id="294" name="Google Shape;294;p38"/>
           <p:cNvSpPr/>
           <p:nvPr/>
         </p:nvSpPr>
@@ -17522,6 +17947,51 @@
             </a:pPr>
             <a:r>
               <a:t/>
+            </a:r>
+            <a:endParaRPr/>
+          </a:p>
+        </p:txBody>
+      </p:sp>
+      <p:sp>
+        <p:nvSpPr>
+          <p:cNvPr id="295" name="Google Shape;295;p38"/>
+          <p:cNvSpPr txBox="1"/>
+          <p:nvPr>
+            <p:ph idx="12" type="sldNum"/>
+          </p:nvPr>
+        </p:nvSpPr>
+        <p:spPr>
+          <a:xfrm>
+            <a:off x="139701" y="4844850"/>
+            <a:ext cx="984000" cy="273900"/>
+          </a:xfrm>
+          <a:prstGeom prst="rect">
+            <a:avLst/>
+          </a:prstGeom>
+        </p:spPr>
+        <p:txBody>
+          <a:bodyPr anchorCtr="0" anchor="ctr" bIns="34275" lIns="68575" spcFirstLastPara="1" rIns="68575" wrap="square" tIns="34275">
+            <a:noAutofit/>
+          </a:bodyPr>
+          <a:lstStyle/>
+          <a:p>
+            <a:pPr indent="0" lvl="0" marL="0" rtl="0" algn="l">
+              <a:spcBef>
+                <a:spcPts val="0"/>
+              </a:spcBef>
+              <a:spcAft>
+                <a:spcPts val="0"/>
+              </a:spcAft>
+              <a:buClr>
+                <a:srgbClr val="000000"/>
+              </a:buClr>
+              <a:buSzPts val="275"/>
+              <a:buFont typeface="Arial"/>
+              <a:buNone/>
+            </a:pPr>
+            <a:r>
+              <a:rPr lang="zh-TW" sz="1200"/>
+              <a:t>葉冠昊</a:t>
             </a:r>
             <a:endParaRPr/>
           </a:p>
@@ -18101,7 +18571,7 @@
   <p:cSld>
     <p:spTree>
       <p:nvGrpSpPr>
-        <p:cNvPr id="283" name="Shape 283"/>
+        <p:cNvPr id="299" name="Shape 299"/>
         <p:cNvGrpSpPr/>
         <p:nvPr/>
       </p:nvGrpSpPr>
@@ -18115,7 +18585,7 @@
       </p:grpSpPr>
       <p:sp>
         <p:nvSpPr>
-          <p:cNvPr id="284" name="Google Shape;284;p39"/>
+          <p:cNvPr id="300" name="Google Shape;300;p39"/>
           <p:cNvSpPr txBox="1"/>
           <p:nvPr>
             <p:ph type="title"/>
@@ -18189,7 +18659,7 @@
       </p:sp>
       <p:sp>
         <p:nvSpPr>
-          <p:cNvPr id="285" name="Google Shape;285;p39"/>
+          <p:cNvPr id="301" name="Google Shape;301;p39"/>
           <p:cNvSpPr txBox="1"/>
           <p:nvPr>
             <p:ph idx="11" type="ftr"/>
@@ -18233,7 +18703,7 @@
       </p:sp>
       <p:sp>
         <p:nvSpPr>
-          <p:cNvPr id="286" name="Google Shape;286;p39"/>
+          <p:cNvPr id="302" name="Google Shape;302;p39"/>
           <p:cNvSpPr txBox="1"/>
           <p:nvPr>
             <p:ph idx="12" type="sldNum"/>
@@ -18295,7 +18765,7 @@
   <p:cSld>
     <p:spTree>
       <p:nvGrpSpPr>
-        <p:cNvPr id="290" name="Shape 290"/>
+        <p:cNvPr id="306" name="Shape 306"/>
         <p:cNvGrpSpPr/>
         <p:nvPr/>
       </p:nvGrpSpPr>
@@ -18309,7 +18779,7 @@
       </p:grpSpPr>
       <p:sp>
         <p:nvSpPr>
-          <p:cNvPr id="291" name="Google Shape;291;p40"/>
+          <p:cNvPr id="307" name="Google Shape;307;p40"/>
           <p:cNvSpPr txBox="1"/>
           <p:nvPr>
             <p:ph idx="1" type="body"/>
@@ -18554,7 +19024,7 @@
       </p:sp>
       <p:sp>
         <p:nvSpPr>
-          <p:cNvPr id="292" name="Google Shape;292;p40"/>
+          <p:cNvPr id="308" name="Google Shape;308;p40"/>
           <p:cNvSpPr txBox="1"/>
           <p:nvPr/>
         </p:nvSpPr>
@@ -18606,7 +19076,7 @@
       </p:sp>
       <p:sp>
         <p:nvSpPr>
-          <p:cNvPr id="293" name="Google Shape;293;p40"/>
+          <p:cNvPr id="309" name="Google Shape;309;p40"/>
           <p:cNvSpPr txBox="1"/>
           <p:nvPr>
             <p:ph idx="12" type="sldNum"/>
@@ -18644,6 +19114,51 @@
               <a:rPr lang="zh-TW"/>
               <a:t>‹#›</a:t>
             </a:fld>
+            <a:endParaRPr/>
+          </a:p>
+        </p:txBody>
+      </p:sp>
+      <p:sp>
+        <p:nvSpPr>
+          <p:cNvPr id="310" name="Google Shape;310;p40"/>
+          <p:cNvSpPr txBox="1"/>
+          <p:nvPr>
+            <p:ph idx="12" type="sldNum"/>
+          </p:nvPr>
+        </p:nvSpPr>
+        <p:spPr>
+          <a:xfrm>
+            <a:off x="139701" y="4844850"/>
+            <a:ext cx="984000" cy="273900"/>
+          </a:xfrm>
+          <a:prstGeom prst="rect">
+            <a:avLst/>
+          </a:prstGeom>
+        </p:spPr>
+        <p:txBody>
+          <a:bodyPr anchorCtr="0" anchor="ctr" bIns="34275" lIns="68575" spcFirstLastPara="1" rIns="68575" wrap="square" tIns="34275">
+            <a:noAutofit/>
+          </a:bodyPr>
+          <a:lstStyle/>
+          <a:p>
+            <a:pPr indent="0" lvl="0" marL="0" rtl="0" algn="l">
+              <a:spcBef>
+                <a:spcPts val="0"/>
+              </a:spcBef>
+              <a:spcAft>
+                <a:spcPts val="0"/>
+              </a:spcAft>
+              <a:buClr>
+                <a:srgbClr val="000000"/>
+              </a:buClr>
+              <a:buSzPts val="275"/>
+              <a:buFont typeface="Arial"/>
+              <a:buNone/>
+            </a:pPr>
+            <a:r>
+              <a:rPr lang="zh-TW" sz="1200"/>
+              <a:t>洪偉倫</a:t>
+            </a:r>
             <a:endParaRPr/>
           </a:p>
         </p:txBody>
@@ -18661,7 +19176,7 @@
   <p:cSld>
     <p:spTree>
       <p:nvGrpSpPr>
-        <p:cNvPr id="297" name="Shape 297"/>
+        <p:cNvPr id="314" name="Shape 314"/>
         <p:cNvGrpSpPr/>
         <p:nvPr/>
       </p:nvGrpSpPr>
@@ -18675,7 +19190,7 @@
       </p:grpSpPr>
       <p:sp>
         <p:nvSpPr>
-          <p:cNvPr id="298" name="Google Shape;298;p41"/>
+          <p:cNvPr id="315" name="Google Shape;315;p41"/>
           <p:cNvSpPr txBox="1"/>
           <p:nvPr>
             <p:ph type="title"/>
@@ -18715,7 +19230,7 @@
       </p:sp>
       <p:sp>
         <p:nvSpPr>
-          <p:cNvPr id="299" name="Google Shape;299;p41"/>
+          <p:cNvPr id="316" name="Google Shape;316;p41"/>
           <p:cNvSpPr txBox="1"/>
           <p:nvPr>
             <p:ph idx="1" type="body"/>
@@ -18776,7 +19291,7 @@
       </p:sp>
       <p:sp>
         <p:nvSpPr>
-          <p:cNvPr id="300" name="Google Shape;300;p41"/>
+          <p:cNvPr id="317" name="Google Shape;317;p41"/>
           <p:cNvSpPr/>
           <p:nvPr/>
         </p:nvSpPr>
@@ -18854,7 +19369,7 @@
       </p:sp>
       <p:sp>
         <p:nvSpPr>
-          <p:cNvPr id="301" name="Google Shape;301;p41"/>
+          <p:cNvPr id="318" name="Google Shape;318;p41"/>
           <p:cNvSpPr txBox="1"/>
           <p:nvPr/>
         </p:nvSpPr>
@@ -18915,7 +19430,7 @@
       </p:sp>
       <p:sp>
         <p:nvSpPr>
-          <p:cNvPr id="302" name="Google Shape;302;p41"/>
+          <p:cNvPr id="319" name="Google Shape;319;p41"/>
           <p:cNvSpPr/>
           <p:nvPr/>
         </p:nvSpPr>
@@ -18981,7 +19496,7 @@
       </p:sp>
       <p:sp>
         <p:nvSpPr>
-          <p:cNvPr id="303" name="Google Shape;303;p41"/>
+          <p:cNvPr id="320" name="Google Shape;320;p41"/>
           <p:cNvSpPr/>
           <p:nvPr/>
         </p:nvSpPr>
@@ -19059,7 +19574,7 @@
       </p:sp>
       <p:sp>
         <p:nvSpPr>
-          <p:cNvPr id="304" name="Google Shape;304;p41"/>
+          <p:cNvPr id="321" name="Google Shape;321;p41"/>
           <p:cNvSpPr txBox="1"/>
           <p:nvPr/>
         </p:nvSpPr>
@@ -19111,10 +19626,10 @@
       </p:sp>
       <p:cxnSp>
         <p:nvCxnSpPr>
-          <p:cNvPr id="305" name="Google Shape;305;p41"/>
+          <p:cNvPr id="322" name="Google Shape;322;p41"/>
           <p:cNvCxnSpPr>
-            <a:stCxn id="302" idx="2"/>
-            <a:endCxn id="300" idx="0"/>
+            <a:stCxn id="319" idx="2"/>
+            <a:endCxn id="317" idx="0"/>
           </p:cNvCxnSpPr>
           <p:nvPr/>
         </p:nvCxnSpPr>
@@ -19140,10 +19655,10 @@
       </p:cxnSp>
       <p:cxnSp>
         <p:nvCxnSpPr>
-          <p:cNvPr id="306" name="Google Shape;306;p41"/>
+          <p:cNvPr id="323" name="Google Shape;323;p41"/>
           <p:cNvCxnSpPr>
-            <a:stCxn id="302" idx="2"/>
-            <a:endCxn id="303" idx="0"/>
+            <a:stCxn id="319" idx="2"/>
+            <a:endCxn id="320" idx="0"/>
           </p:cNvCxnSpPr>
           <p:nvPr/>
         </p:nvCxnSpPr>
@@ -19169,7 +19684,7 @@
       </p:cxnSp>
       <p:sp>
         <p:nvSpPr>
-          <p:cNvPr id="307" name="Google Shape;307;p41"/>
+          <p:cNvPr id="324" name="Google Shape;324;p41"/>
           <p:cNvSpPr txBox="1"/>
           <p:nvPr>
             <p:ph idx="12" type="sldNum"/>
@@ -19207,6 +19722,51 @@
               <a:rPr lang="zh-TW"/>
               <a:t>‹#›</a:t>
             </a:fld>
+            <a:endParaRPr/>
+          </a:p>
+        </p:txBody>
+      </p:sp>
+      <p:sp>
+        <p:nvSpPr>
+          <p:cNvPr id="325" name="Google Shape;325;p41"/>
+          <p:cNvSpPr txBox="1"/>
+          <p:nvPr>
+            <p:ph idx="12" type="sldNum"/>
+          </p:nvPr>
+        </p:nvSpPr>
+        <p:spPr>
+          <a:xfrm>
+            <a:off x="139701" y="4844850"/>
+            <a:ext cx="984000" cy="273900"/>
+          </a:xfrm>
+          <a:prstGeom prst="rect">
+            <a:avLst/>
+          </a:prstGeom>
+        </p:spPr>
+        <p:txBody>
+          <a:bodyPr anchorCtr="0" anchor="ctr" bIns="34275" lIns="68575" spcFirstLastPara="1" rIns="68575" wrap="square" tIns="34275">
+            <a:noAutofit/>
+          </a:bodyPr>
+          <a:lstStyle/>
+          <a:p>
+            <a:pPr indent="0" lvl="0" marL="0" rtl="0" algn="l">
+              <a:spcBef>
+                <a:spcPts val="0"/>
+              </a:spcBef>
+              <a:spcAft>
+                <a:spcPts val="0"/>
+              </a:spcAft>
+              <a:buClr>
+                <a:srgbClr val="000000"/>
+              </a:buClr>
+              <a:buSzPts val="275"/>
+              <a:buFont typeface="Arial"/>
+              <a:buNone/>
+            </a:pPr>
+            <a:r>
+              <a:rPr lang="zh-TW" sz="1200"/>
+              <a:t>陳以晢</a:t>
+            </a:r>
             <a:endParaRPr/>
           </a:p>
         </p:txBody>
@@ -19224,7 +19784,7 @@
   <p:cSld>
     <p:spTree>
       <p:nvGrpSpPr>
-        <p:cNvPr id="311" name="Shape 311"/>
+        <p:cNvPr id="329" name="Shape 329"/>
         <p:cNvGrpSpPr/>
         <p:nvPr/>
       </p:nvGrpSpPr>
@@ -19238,7 +19798,7 @@
       </p:grpSpPr>
       <p:sp>
         <p:nvSpPr>
-          <p:cNvPr id="312" name="Google Shape;312;p42"/>
+          <p:cNvPr id="330" name="Google Shape;330;p42"/>
           <p:cNvSpPr txBox="1"/>
           <p:nvPr>
             <p:ph type="title"/>
@@ -19278,7 +19838,7 @@
       </p:sp>
       <p:sp>
         <p:nvSpPr>
-          <p:cNvPr id="313" name="Google Shape;313;p42"/>
+          <p:cNvPr id="331" name="Google Shape;331;p42"/>
           <p:cNvSpPr txBox="1"/>
           <p:nvPr>
             <p:ph idx="1" type="body"/>
@@ -19408,7 +19968,7 @@
       </p:sp>
       <p:pic>
         <p:nvPicPr>
-          <p:cNvPr id="314" name="Google Shape;314;p42"/>
+          <p:cNvPr id="332" name="Google Shape;332;p42"/>
           <p:cNvPicPr preferRelativeResize="0"/>
           <p:nvPr/>
         </p:nvPicPr>
@@ -19436,7 +19996,7 @@
       </p:pic>
       <p:sp>
         <p:nvSpPr>
-          <p:cNvPr id="315" name="Google Shape;315;p42"/>
+          <p:cNvPr id="333" name="Google Shape;333;p42"/>
           <p:cNvSpPr txBox="1"/>
           <p:nvPr>
             <p:ph idx="12" type="sldNum"/>
@@ -19474,6 +20034,51 @@
               <a:rPr lang="zh-TW"/>
               <a:t>‹#›</a:t>
             </a:fld>
+            <a:endParaRPr/>
+          </a:p>
+        </p:txBody>
+      </p:sp>
+      <p:sp>
+        <p:nvSpPr>
+          <p:cNvPr id="334" name="Google Shape;334;p42"/>
+          <p:cNvSpPr txBox="1"/>
+          <p:nvPr>
+            <p:ph idx="12" type="sldNum"/>
+          </p:nvPr>
+        </p:nvSpPr>
+        <p:spPr>
+          <a:xfrm>
+            <a:off x="139701" y="4844850"/>
+            <a:ext cx="984000" cy="273900"/>
+          </a:xfrm>
+          <a:prstGeom prst="rect">
+            <a:avLst/>
+          </a:prstGeom>
+        </p:spPr>
+        <p:txBody>
+          <a:bodyPr anchorCtr="0" anchor="ctr" bIns="34275" lIns="68575" spcFirstLastPara="1" rIns="68575" wrap="square" tIns="34275">
+            <a:noAutofit/>
+          </a:bodyPr>
+          <a:lstStyle/>
+          <a:p>
+            <a:pPr indent="0" lvl="0" marL="0" rtl="0" algn="l">
+              <a:spcBef>
+                <a:spcPts val="0"/>
+              </a:spcBef>
+              <a:spcAft>
+                <a:spcPts val="0"/>
+              </a:spcAft>
+              <a:buClr>
+                <a:srgbClr val="000000"/>
+              </a:buClr>
+              <a:buSzPts val="275"/>
+              <a:buFont typeface="Arial"/>
+              <a:buNone/>
+            </a:pPr>
+            <a:r>
+              <a:rPr lang="zh-TW" sz="1200"/>
+              <a:t>何培魁</a:t>
+            </a:r>
             <a:endParaRPr/>
           </a:p>
         </p:txBody>
@@ -19491,7 +20096,7 @@
   <p:cSld>
     <p:spTree>
       <p:nvGrpSpPr>
-        <p:cNvPr id="319" name="Shape 319"/>
+        <p:cNvPr id="338" name="Shape 338"/>
         <p:cNvGrpSpPr/>
         <p:nvPr/>
       </p:nvGrpSpPr>
@@ -19505,7 +20110,7 @@
       </p:grpSpPr>
       <p:sp>
         <p:nvSpPr>
-          <p:cNvPr id="320" name="Google Shape;320;p43"/>
+          <p:cNvPr id="339" name="Google Shape;339;p43"/>
           <p:cNvSpPr txBox="1"/>
           <p:nvPr>
             <p:ph type="title"/>
@@ -19545,7 +20150,7 @@
       </p:sp>
       <p:sp>
         <p:nvSpPr>
-          <p:cNvPr id="321" name="Google Shape;321;p43"/>
+          <p:cNvPr id="340" name="Google Shape;340;p43"/>
           <p:cNvSpPr txBox="1"/>
           <p:nvPr>
             <p:ph idx="1" type="body"/>
@@ -19625,7 +20230,7 @@
       </p:sp>
       <p:pic>
         <p:nvPicPr>
-          <p:cNvPr id="322" name="Google Shape;322;p43"/>
+          <p:cNvPr id="341" name="Google Shape;341;p43"/>
           <p:cNvPicPr preferRelativeResize="0"/>
           <p:nvPr/>
         </p:nvPicPr>
@@ -19653,7 +20258,7 @@
       </p:pic>
       <p:sp>
         <p:nvSpPr>
-          <p:cNvPr id="323" name="Google Shape;323;p43"/>
+          <p:cNvPr id="342" name="Google Shape;342;p43"/>
           <p:cNvSpPr txBox="1"/>
           <p:nvPr>
             <p:ph idx="12" type="sldNum"/>
@@ -19691,6 +20296,51 @@
               <a:rPr lang="zh-TW"/>
               <a:t>‹#›</a:t>
             </a:fld>
+            <a:endParaRPr/>
+          </a:p>
+        </p:txBody>
+      </p:sp>
+      <p:sp>
+        <p:nvSpPr>
+          <p:cNvPr id="343" name="Google Shape;343;p43"/>
+          <p:cNvSpPr txBox="1"/>
+          <p:nvPr>
+            <p:ph idx="12" type="sldNum"/>
+          </p:nvPr>
+        </p:nvSpPr>
+        <p:spPr>
+          <a:xfrm>
+            <a:off x="139701" y="4844850"/>
+            <a:ext cx="984000" cy="273900"/>
+          </a:xfrm>
+          <a:prstGeom prst="rect">
+            <a:avLst/>
+          </a:prstGeom>
+        </p:spPr>
+        <p:txBody>
+          <a:bodyPr anchorCtr="0" anchor="ctr" bIns="34275" lIns="68575" spcFirstLastPara="1" rIns="68575" wrap="square" tIns="34275">
+            <a:noAutofit/>
+          </a:bodyPr>
+          <a:lstStyle/>
+          <a:p>
+            <a:pPr indent="0" lvl="0" marL="0" rtl="0" algn="l">
+              <a:spcBef>
+                <a:spcPts val="0"/>
+              </a:spcBef>
+              <a:spcAft>
+                <a:spcPts val="0"/>
+              </a:spcAft>
+              <a:buClr>
+                <a:srgbClr val="000000"/>
+              </a:buClr>
+              <a:buSzPts val="275"/>
+              <a:buFont typeface="Arial"/>
+              <a:buNone/>
+            </a:pPr>
+            <a:r>
+              <a:rPr lang="zh-TW" sz="1200"/>
+              <a:t>何培魁</a:t>
+            </a:r>
             <a:endParaRPr/>
           </a:p>
         </p:txBody>
@@ -19708,7 +20358,7 @@
   <p:cSld>
     <p:spTree>
       <p:nvGrpSpPr>
-        <p:cNvPr id="327" name="Shape 327"/>
+        <p:cNvPr id="347" name="Shape 347"/>
         <p:cNvGrpSpPr/>
         <p:nvPr/>
       </p:nvGrpSpPr>
@@ -19722,7 +20372,7 @@
       </p:grpSpPr>
       <p:sp>
         <p:nvSpPr>
-          <p:cNvPr id="328" name="Google Shape;328;p44"/>
+          <p:cNvPr id="348" name="Google Shape;348;p44"/>
           <p:cNvSpPr txBox="1"/>
           <p:nvPr>
             <p:ph type="title"/>
@@ -19762,7 +20412,7 @@
       </p:sp>
       <p:sp>
         <p:nvSpPr>
-          <p:cNvPr id="329" name="Google Shape;329;p44"/>
+          <p:cNvPr id="349" name="Google Shape;349;p44"/>
           <p:cNvSpPr txBox="1"/>
           <p:nvPr>
             <p:ph idx="1" type="body"/>
@@ -19810,7 +20460,7 @@
       </p:sp>
       <p:sp>
         <p:nvSpPr>
-          <p:cNvPr id="330" name="Google Shape;330;p44"/>
+          <p:cNvPr id="350" name="Google Shape;350;p44"/>
           <p:cNvSpPr txBox="1"/>
           <p:nvPr>
             <p:ph idx="12" type="sldNum"/>
@@ -19854,7 +20504,7 @@
       </p:sp>
       <p:pic>
         <p:nvPicPr>
-          <p:cNvPr id="331" name="Google Shape;331;p44"/>
+          <p:cNvPr id="351" name="Google Shape;351;p44"/>
           <p:cNvPicPr preferRelativeResize="0"/>
           <p:nvPr/>
         </p:nvPicPr>
@@ -19880,6 +20530,51 @@
           </a:ln>
         </p:spPr>
       </p:pic>
+      <p:sp>
+        <p:nvSpPr>
+          <p:cNvPr id="352" name="Google Shape;352;p44"/>
+          <p:cNvSpPr txBox="1"/>
+          <p:nvPr>
+            <p:ph idx="12" type="sldNum"/>
+          </p:nvPr>
+        </p:nvSpPr>
+        <p:spPr>
+          <a:xfrm>
+            <a:off x="139701" y="4844850"/>
+            <a:ext cx="984000" cy="273900"/>
+          </a:xfrm>
+          <a:prstGeom prst="rect">
+            <a:avLst/>
+          </a:prstGeom>
+        </p:spPr>
+        <p:txBody>
+          <a:bodyPr anchorCtr="0" anchor="ctr" bIns="34275" lIns="68575" spcFirstLastPara="1" rIns="68575" wrap="square" tIns="34275">
+            <a:noAutofit/>
+          </a:bodyPr>
+          <a:lstStyle/>
+          <a:p>
+            <a:pPr indent="0" lvl="0" marL="0" rtl="0" algn="l">
+              <a:spcBef>
+                <a:spcPts val="0"/>
+              </a:spcBef>
+              <a:spcAft>
+                <a:spcPts val="0"/>
+              </a:spcAft>
+              <a:buClr>
+                <a:srgbClr val="000000"/>
+              </a:buClr>
+              <a:buSzPts val="275"/>
+              <a:buFont typeface="Arial"/>
+              <a:buNone/>
+            </a:pPr>
+            <a:r>
+              <a:rPr lang="zh-TW" sz="1200"/>
+              <a:t>何培魁</a:t>
+            </a:r>
+            <a:endParaRPr/>
+          </a:p>
+        </p:txBody>
+      </p:sp>
     </p:spTree>
   </p:cSld>
   <p:clrMapOvr>
@@ -19893,7 +20588,7 @@
   <p:cSld>
     <p:spTree>
       <p:nvGrpSpPr>
-        <p:cNvPr id="335" name="Shape 335"/>
+        <p:cNvPr id="356" name="Shape 356"/>
         <p:cNvGrpSpPr/>
         <p:nvPr/>
       </p:nvGrpSpPr>
@@ -19907,7 +20602,7 @@
       </p:grpSpPr>
       <p:sp>
         <p:nvSpPr>
-          <p:cNvPr id="336" name="Google Shape;336;p45"/>
+          <p:cNvPr id="357" name="Google Shape;357;p45"/>
           <p:cNvSpPr txBox="1"/>
           <p:nvPr>
             <p:ph type="title"/>
@@ -19947,7 +20642,7 @@
       </p:sp>
       <p:sp>
         <p:nvSpPr>
-          <p:cNvPr id="337" name="Google Shape;337;p45"/>
+          <p:cNvPr id="358" name="Google Shape;358;p45"/>
           <p:cNvSpPr txBox="1"/>
           <p:nvPr>
             <p:ph idx="1" type="body"/>
@@ -20268,7 +20963,7 @@
       </p:sp>
       <p:sp>
         <p:nvSpPr>
-          <p:cNvPr id="338" name="Google Shape;338;p45"/>
+          <p:cNvPr id="359" name="Google Shape;359;p45"/>
           <p:cNvSpPr txBox="1"/>
           <p:nvPr>
             <p:ph idx="12" type="sldNum"/>
@@ -20323,7 +21018,7 @@
   <p:cSld>
     <p:spTree>
       <p:nvGrpSpPr>
-        <p:cNvPr id="342" name="Shape 342"/>
+        <p:cNvPr id="363" name="Shape 363"/>
         <p:cNvGrpSpPr/>
         <p:nvPr/>
       </p:nvGrpSpPr>
@@ -20337,7 +21032,7 @@
       </p:grpSpPr>
       <p:sp>
         <p:nvSpPr>
-          <p:cNvPr id="343" name="Google Shape;343;p46"/>
+          <p:cNvPr id="364" name="Google Shape;364;p46"/>
           <p:cNvSpPr txBox="1"/>
           <p:nvPr>
             <p:ph type="title"/>
@@ -20389,7 +21084,7 @@
       </p:sp>
       <p:sp>
         <p:nvSpPr>
-          <p:cNvPr id="344" name="Google Shape;344;p46"/>
+          <p:cNvPr id="365" name="Google Shape;365;p46"/>
           <p:cNvSpPr txBox="1"/>
           <p:nvPr>
             <p:ph idx="11" type="ftr"/>
@@ -20433,7 +21128,7 @@
       </p:sp>
       <p:sp>
         <p:nvSpPr>
-          <p:cNvPr id="345" name="Google Shape;345;p46"/>
+          <p:cNvPr id="366" name="Google Shape;366;p46"/>
           <p:cNvSpPr txBox="1"/>
           <p:nvPr>
             <p:ph idx="12" type="sldNum"/>
@@ -20857,6 +21552,51 @@
           </a:p>
         </p:txBody>
       </p:sp>
+      <p:sp>
+        <p:nvSpPr>
+          <p:cNvPr id="132" name="Google Shape;132;p23"/>
+          <p:cNvSpPr txBox="1"/>
+          <p:nvPr>
+            <p:ph idx="12" type="sldNum"/>
+          </p:nvPr>
+        </p:nvSpPr>
+        <p:spPr>
+          <a:xfrm>
+            <a:off x="139701" y="4844850"/>
+            <a:ext cx="984000" cy="273900"/>
+          </a:xfrm>
+          <a:prstGeom prst="rect">
+            <a:avLst/>
+          </a:prstGeom>
+        </p:spPr>
+        <p:txBody>
+          <a:bodyPr anchorCtr="0" anchor="ctr" bIns="34275" lIns="68575" spcFirstLastPara="1" rIns="68575" wrap="square" tIns="34275">
+            <a:noAutofit/>
+          </a:bodyPr>
+          <a:lstStyle/>
+          <a:p>
+            <a:pPr indent="0" lvl="0" marL="0" rtl="0" algn="l">
+              <a:spcBef>
+                <a:spcPts val="0"/>
+              </a:spcBef>
+              <a:spcAft>
+                <a:spcPts val="0"/>
+              </a:spcAft>
+              <a:buClr>
+                <a:srgbClr val="000000"/>
+              </a:buClr>
+              <a:buSzPts val="275"/>
+              <a:buFont typeface="Arial"/>
+              <a:buNone/>
+            </a:pPr>
+            <a:r>
+              <a:rPr lang="zh-TW" sz="1200"/>
+              <a:t>呂宗祐</a:t>
+            </a:r>
+            <a:endParaRPr/>
+          </a:p>
+        </p:txBody>
+      </p:sp>
     </p:spTree>
   </p:cSld>
   <p:clrMapOvr>
@@ -20870,7 +21610,7 @@
   <p:cSld>
     <p:spTree>
       <p:nvGrpSpPr>
-        <p:cNvPr id="135" name="Shape 135"/>
+        <p:cNvPr id="136" name="Shape 136"/>
         <p:cNvGrpSpPr/>
         <p:nvPr/>
       </p:nvGrpSpPr>
@@ -20884,7 +21624,7 @@
       </p:grpSpPr>
       <p:sp>
         <p:nvSpPr>
-          <p:cNvPr id="136" name="Google Shape;136;p24"/>
+          <p:cNvPr id="137" name="Google Shape;137;p24"/>
           <p:cNvSpPr txBox="1"/>
           <p:nvPr>
             <p:ph type="title"/>
@@ -20901,7 +21641,7 @@
         </p:spPr>
         <p:txBody>
           <a:bodyPr anchorCtr="0" anchor="b" bIns="34275" lIns="68575" spcFirstLastPara="1" rIns="68575" wrap="square" tIns="34275">
-            <a:normAutofit/>
+            <a:normAutofit fontScale="90000"/>
           </a:bodyPr>
           <a:lstStyle/>
           <a:p>
@@ -20916,7 +21656,7 @@
             </a:pPr>
             <a:r>
               <a:rPr lang="zh-TW"/>
-              <a:t>循序圖 第一版(基本配置)</a:t>
+              <a:t>循序圖 第一版(影像模組的最基本配置)</a:t>
             </a:r>
             <a:endParaRPr/>
           </a:p>
@@ -20924,7 +21664,7 @@
       </p:sp>
       <p:sp>
         <p:nvSpPr>
-          <p:cNvPr id="137" name="Google Shape;137;p24"/>
+          <p:cNvPr id="138" name="Google Shape;138;p24"/>
           <p:cNvSpPr txBox="1"/>
           <p:nvPr>
             <p:ph idx="1" type="body"/>
@@ -20964,7 +21704,7 @@
       </p:sp>
       <p:pic>
         <p:nvPicPr>
-          <p:cNvPr id="138" name="Google Shape;138;p24"/>
+          <p:cNvPr id="139" name="Google Shape;139;p24"/>
           <p:cNvPicPr preferRelativeResize="0"/>
           <p:nvPr/>
         </p:nvPicPr>
@@ -20992,7 +21732,7 @@
       </p:pic>
       <p:sp>
         <p:nvSpPr>
-          <p:cNvPr id="139" name="Google Shape;139;p24"/>
+          <p:cNvPr id="140" name="Google Shape;140;p24"/>
           <p:cNvSpPr txBox="1"/>
           <p:nvPr>
             <p:ph idx="12" type="sldNum"/>
@@ -21036,7 +21776,7 @@
       </p:sp>
       <p:sp>
         <p:nvSpPr>
-          <p:cNvPr id="140" name="Google Shape;140;p24"/>
+          <p:cNvPr id="141" name="Google Shape;141;p24"/>
           <p:cNvSpPr/>
           <p:nvPr/>
         </p:nvSpPr>
@@ -21088,7 +21828,7 @@
       </p:sp>
       <p:sp>
         <p:nvSpPr>
-          <p:cNvPr id="141" name="Google Shape;141;p24"/>
+          <p:cNvPr id="142" name="Google Shape;142;p24"/>
           <p:cNvSpPr/>
           <p:nvPr/>
         </p:nvSpPr>
@@ -21133,6 +21873,51 @@
             <a:r>
               <a:rPr lang="zh-TW"/>
               <a:t>使用者輸入圖片</a:t>
+            </a:r>
+            <a:endParaRPr/>
+          </a:p>
+        </p:txBody>
+      </p:sp>
+      <p:sp>
+        <p:nvSpPr>
+          <p:cNvPr id="143" name="Google Shape;143;p24"/>
+          <p:cNvSpPr txBox="1"/>
+          <p:nvPr>
+            <p:ph idx="12" type="sldNum"/>
+          </p:nvPr>
+        </p:nvSpPr>
+        <p:spPr>
+          <a:xfrm>
+            <a:off x="139701" y="4844850"/>
+            <a:ext cx="984000" cy="273900"/>
+          </a:xfrm>
+          <a:prstGeom prst="rect">
+            <a:avLst/>
+          </a:prstGeom>
+        </p:spPr>
+        <p:txBody>
+          <a:bodyPr anchorCtr="0" anchor="ctr" bIns="34275" lIns="68575" spcFirstLastPara="1" rIns="68575" wrap="square" tIns="34275">
+            <a:noAutofit/>
+          </a:bodyPr>
+          <a:lstStyle/>
+          <a:p>
+            <a:pPr indent="0" lvl="0" marL="0" rtl="0" algn="l">
+              <a:spcBef>
+                <a:spcPts val="0"/>
+              </a:spcBef>
+              <a:spcAft>
+                <a:spcPts val="0"/>
+              </a:spcAft>
+              <a:buClr>
+                <a:srgbClr val="000000"/>
+              </a:buClr>
+              <a:buSzPts val="275"/>
+              <a:buFont typeface="Arial"/>
+              <a:buNone/>
+            </a:pPr>
+            <a:r>
+              <a:rPr lang="zh-TW" sz="1200"/>
+              <a:t>呂宗祐</a:t>
             </a:r>
             <a:endParaRPr/>
           </a:p>
@@ -21151,7 +21936,7 @@
   <p:cSld>
     <p:spTree>
       <p:nvGrpSpPr>
-        <p:cNvPr id="145" name="Shape 145"/>
+        <p:cNvPr id="147" name="Shape 147"/>
         <p:cNvGrpSpPr/>
         <p:nvPr/>
       </p:nvGrpSpPr>
@@ -21165,7 +21950,7 @@
       </p:grpSpPr>
       <p:sp>
         <p:nvSpPr>
-          <p:cNvPr id="146" name="Google Shape;146;p25"/>
+          <p:cNvPr id="148" name="Google Shape;148;p25"/>
           <p:cNvSpPr txBox="1"/>
           <p:nvPr>
             <p:ph type="title"/>
@@ -21205,7 +21990,7 @@
       </p:sp>
       <p:sp>
         <p:nvSpPr>
-          <p:cNvPr id="147" name="Google Shape;147;p25"/>
+          <p:cNvPr id="149" name="Google Shape;149;p25"/>
           <p:cNvSpPr txBox="1"/>
           <p:nvPr>
             <p:ph idx="12" type="sldNum"/>
@@ -21249,7 +22034,7 @@
       </p:sp>
       <p:pic>
         <p:nvPicPr>
-          <p:cNvPr id="148" name="Google Shape;148;p25"/>
+          <p:cNvPr id="150" name="Google Shape;150;p25"/>
           <p:cNvPicPr preferRelativeResize="0"/>
           <p:nvPr/>
         </p:nvPicPr>
@@ -21275,6 +22060,51 @@
           </a:ln>
         </p:spPr>
       </p:pic>
+      <p:sp>
+        <p:nvSpPr>
+          <p:cNvPr id="151" name="Google Shape;151;p25"/>
+          <p:cNvSpPr txBox="1"/>
+          <p:nvPr>
+            <p:ph idx="12" type="sldNum"/>
+          </p:nvPr>
+        </p:nvSpPr>
+        <p:spPr>
+          <a:xfrm>
+            <a:off x="139701" y="4844850"/>
+            <a:ext cx="984000" cy="273900"/>
+          </a:xfrm>
+          <a:prstGeom prst="rect">
+            <a:avLst/>
+          </a:prstGeom>
+        </p:spPr>
+        <p:txBody>
+          <a:bodyPr anchorCtr="0" anchor="ctr" bIns="34275" lIns="68575" spcFirstLastPara="1" rIns="68575" wrap="square" tIns="34275">
+            <a:noAutofit/>
+          </a:bodyPr>
+          <a:lstStyle/>
+          <a:p>
+            <a:pPr indent="0" lvl="0" marL="0" rtl="0" algn="l">
+              <a:spcBef>
+                <a:spcPts val="0"/>
+              </a:spcBef>
+              <a:spcAft>
+                <a:spcPts val="0"/>
+              </a:spcAft>
+              <a:buClr>
+                <a:srgbClr val="000000"/>
+              </a:buClr>
+              <a:buSzPts val="275"/>
+              <a:buFont typeface="Arial"/>
+              <a:buNone/>
+            </a:pPr>
+            <a:r>
+              <a:rPr lang="zh-TW" sz="1200"/>
+              <a:t>葉冠昊</a:t>
+            </a:r>
+            <a:endParaRPr/>
+          </a:p>
+        </p:txBody>
+      </p:sp>
     </p:spTree>
   </p:cSld>
   <p:clrMapOvr>
@@ -21288,7 +22118,7 @@
   <p:cSld>
     <p:spTree>
       <p:nvGrpSpPr>
-        <p:cNvPr id="152" name="Shape 152"/>
+        <p:cNvPr id="155" name="Shape 155"/>
         <p:cNvGrpSpPr/>
         <p:nvPr/>
       </p:nvGrpSpPr>
@@ -21302,7 +22132,7 @@
       </p:grpSpPr>
       <p:sp>
         <p:nvSpPr>
-          <p:cNvPr id="153" name="Google Shape;153;p26"/>
+          <p:cNvPr id="156" name="Google Shape;156;p26"/>
           <p:cNvSpPr txBox="1"/>
           <p:nvPr>
             <p:ph type="title"/>
@@ -21342,7 +22172,7 @@
       </p:sp>
       <p:sp>
         <p:nvSpPr>
-          <p:cNvPr id="154" name="Google Shape;154;p26"/>
+          <p:cNvPr id="157" name="Google Shape;157;p26"/>
           <p:cNvSpPr txBox="1"/>
           <p:nvPr>
             <p:ph idx="12" type="sldNum"/>
@@ -21386,7 +22216,7 @@
       </p:sp>
       <p:pic>
         <p:nvPicPr>
-          <p:cNvPr id="155" name="Google Shape;155;p26"/>
+          <p:cNvPr id="158" name="Google Shape;158;p26"/>
           <p:cNvPicPr preferRelativeResize="0"/>
           <p:nvPr/>
         </p:nvPicPr>
@@ -21414,7 +22244,7 @@
       </p:pic>
       <p:sp>
         <p:nvSpPr>
-          <p:cNvPr id="156" name="Google Shape;156;p26"/>
+          <p:cNvPr id="159" name="Google Shape;159;p26"/>
           <p:cNvSpPr/>
           <p:nvPr/>
         </p:nvSpPr>
@@ -21466,7 +22296,7 @@
       </p:sp>
       <p:sp>
         <p:nvSpPr>
-          <p:cNvPr id="157" name="Google Shape;157;p26"/>
+          <p:cNvPr id="160" name="Google Shape;160;p26"/>
           <p:cNvSpPr/>
           <p:nvPr/>
         </p:nvSpPr>
@@ -21518,7 +22348,7 @@
       </p:sp>
       <p:sp>
         <p:nvSpPr>
-          <p:cNvPr id="158" name="Google Shape;158;p26"/>
+          <p:cNvPr id="161" name="Google Shape;161;p26"/>
           <p:cNvSpPr/>
           <p:nvPr/>
         </p:nvSpPr>
@@ -21570,7 +22400,7 @@
       </p:sp>
       <p:pic>
         <p:nvPicPr>
-          <p:cNvPr id="159" name="Google Shape;159;p26"/>
+          <p:cNvPr id="162" name="Google Shape;162;p26"/>
           <p:cNvPicPr preferRelativeResize="0"/>
           <p:nvPr/>
         </p:nvPicPr>
@@ -21598,7 +22428,7 @@
       </p:pic>
       <p:pic>
         <p:nvPicPr>
-          <p:cNvPr id="160" name="Google Shape;160;p26"/>
+          <p:cNvPr id="163" name="Google Shape;163;p26"/>
           <p:cNvPicPr preferRelativeResize="0"/>
           <p:nvPr/>
         </p:nvPicPr>
@@ -21626,7 +22456,7 @@
       </p:pic>
       <p:pic>
         <p:nvPicPr>
-          <p:cNvPr id="161" name="Google Shape;161;p26"/>
+          <p:cNvPr id="164" name="Google Shape;164;p26"/>
           <p:cNvPicPr preferRelativeResize="0"/>
           <p:nvPr/>
         </p:nvPicPr>
@@ -21654,7 +22484,7 @@
       </p:pic>
       <p:pic>
         <p:nvPicPr>
-          <p:cNvPr id="162" name="Google Shape;162;p26"/>
+          <p:cNvPr id="165" name="Google Shape;165;p26"/>
           <p:cNvPicPr preferRelativeResize="0"/>
           <p:nvPr/>
         </p:nvPicPr>
@@ -21682,7 +22512,7 @@
       </p:pic>
       <p:pic>
         <p:nvPicPr>
-          <p:cNvPr id="163" name="Google Shape;163;p26"/>
+          <p:cNvPr id="166" name="Google Shape;166;p26"/>
           <p:cNvPicPr preferRelativeResize="0"/>
           <p:nvPr/>
         </p:nvPicPr>
@@ -21708,6 +22538,55 @@
           </a:ln>
         </p:spPr>
       </p:pic>
+      <p:sp>
+        <p:nvSpPr>
+          <p:cNvPr id="167" name="Google Shape;167;p26"/>
+          <p:cNvSpPr txBox="1"/>
+          <p:nvPr>
+            <p:ph idx="12" type="sldNum"/>
+          </p:nvPr>
+        </p:nvSpPr>
+        <p:spPr>
+          <a:xfrm>
+            <a:off x="139701" y="4844850"/>
+            <a:ext cx="984000" cy="273900"/>
+          </a:xfrm>
+          <a:prstGeom prst="rect">
+            <a:avLst/>
+          </a:prstGeom>
+        </p:spPr>
+        <p:txBody>
+          <a:bodyPr anchorCtr="0" anchor="ctr" bIns="34275" lIns="68575" spcFirstLastPara="1" rIns="68575" wrap="square" tIns="34275">
+            <a:noAutofit/>
+          </a:bodyPr>
+          <a:lstStyle/>
+          <a:p>
+            <a:pPr indent="0" lvl="0" marL="0" rtl="0" algn="l">
+              <a:spcBef>
+                <a:spcPts val="0"/>
+              </a:spcBef>
+              <a:spcAft>
+                <a:spcPts val="0"/>
+              </a:spcAft>
+              <a:buClr>
+                <a:schemeClr val="dk1"/>
+              </a:buClr>
+              <a:buSzPts val="275"/>
+              <a:buFont typeface="Arial"/>
+              <a:buNone/>
+            </a:pPr>
+            <a:r>
+              <a:rPr lang="zh-TW" sz="1200">
+                <a:solidFill>
+                  <a:schemeClr val="lt1"/>
+                </a:solidFill>
+              </a:rPr>
+              <a:t>葉冠昊</a:t>
+            </a:r>
+            <a:endParaRPr/>
+          </a:p>
+        </p:txBody>
+      </p:sp>
     </p:spTree>
   </p:cSld>
   <p:clrMapOvr>
@@ -21721,7 +22600,7 @@
   <p:cSld>
     <p:spTree>
       <p:nvGrpSpPr>
-        <p:cNvPr id="167" name="Shape 167"/>
+        <p:cNvPr id="171" name="Shape 171"/>
         <p:cNvGrpSpPr/>
         <p:nvPr/>
       </p:nvGrpSpPr>
@@ -21735,7 +22614,7 @@
       </p:grpSpPr>
       <p:sp>
         <p:nvSpPr>
-          <p:cNvPr id="168" name="Google Shape;168;p27"/>
+          <p:cNvPr id="172" name="Google Shape;172;p27"/>
           <p:cNvSpPr txBox="1"/>
           <p:nvPr>
             <p:ph type="title"/>
@@ -21775,7 +22654,7 @@
       </p:sp>
       <p:sp>
         <p:nvSpPr>
-          <p:cNvPr id="169" name="Google Shape;169;p27"/>
+          <p:cNvPr id="173" name="Google Shape;173;p27"/>
           <p:cNvSpPr txBox="1"/>
           <p:nvPr>
             <p:ph idx="1" type="body"/>
@@ -21815,7 +22694,7 @@
       </p:sp>
       <p:pic>
         <p:nvPicPr>
-          <p:cNvPr id="170" name="Google Shape;170;p27"/>
+          <p:cNvPr id="174" name="Google Shape;174;p27"/>
           <p:cNvPicPr preferRelativeResize="0"/>
           <p:nvPr/>
         </p:nvPicPr>
@@ -21843,7 +22722,7 @@
       </p:pic>
       <p:sp>
         <p:nvSpPr>
-          <p:cNvPr id="171" name="Google Shape;171;p27"/>
+          <p:cNvPr id="175" name="Google Shape;175;p27"/>
           <p:cNvSpPr/>
           <p:nvPr/>
         </p:nvSpPr>
@@ -21895,7 +22774,7 @@
       </p:sp>
       <p:sp>
         <p:nvSpPr>
-          <p:cNvPr id="172" name="Google Shape;172;p27"/>
+          <p:cNvPr id="176" name="Google Shape;176;p27"/>
           <p:cNvSpPr/>
           <p:nvPr/>
         </p:nvSpPr>
@@ -21947,7 +22826,7 @@
       </p:sp>
       <p:sp>
         <p:nvSpPr>
-          <p:cNvPr id="173" name="Google Shape;173;p27"/>
+          <p:cNvPr id="177" name="Google Shape;177;p27"/>
           <p:cNvSpPr txBox="1"/>
           <p:nvPr>
             <p:ph idx="12" type="sldNum"/>
@@ -21985,6 +22864,51 @@
               <a:rPr lang="zh-TW"/>
               <a:t>‹#›</a:t>
             </a:fld>
+            <a:endParaRPr/>
+          </a:p>
+        </p:txBody>
+      </p:sp>
+      <p:sp>
+        <p:nvSpPr>
+          <p:cNvPr id="178" name="Google Shape;178;p27"/>
+          <p:cNvSpPr txBox="1"/>
+          <p:nvPr>
+            <p:ph idx="12" type="sldNum"/>
+          </p:nvPr>
+        </p:nvSpPr>
+        <p:spPr>
+          <a:xfrm>
+            <a:off x="139701" y="4844850"/>
+            <a:ext cx="984000" cy="273900"/>
+          </a:xfrm>
+          <a:prstGeom prst="rect">
+            <a:avLst/>
+          </a:prstGeom>
+        </p:spPr>
+        <p:txBody>
+          <a:bodyPr anchorCtr="0" anchor="ctr" bIns="34275" lIns="68575" spcFirstLastPara="1" rIns="68575" wrap="square" tIns="34275">
+            <a:noAutofit/>
+          </a:bodyPr>
+          <a:lstStyle/>
+          <a:p>
+            <a:pPr indent="0" lvl="0" marL="0" rtl="0" algn="l">
+              <a:spcBef>
+                <a:spcPts val="0"/>
+              </a:spcBef>
+              <a:spcAft>
+                <a:spcPts val="0"/>
+              </a:spcAft>
+              <a:buClr>
+                <a:srgbClr val="000000"/>
+              </a:buClr>
+              <a:buSzPts val="275"/>
+              <a:buFont typeface="Arial"/>
+              <a:buNone/>
+            </a:pPr>
+            <a:r>
+              <a:rPr lang="zh-TW" sz="1200"/>
+              <a:t>呂宗祐</a:t>
+            </a:r>
             <a:endParaRPr/>
           </a:p>
         </p:txBody>
@@ -22002,7 +22926,7 @@
   <p:cSld>
     <p:spTree>
       <p:nvGrpSpPr>
-        <p:cNvPr id="177" name="Shape 177"/>
+        <p:cNvPr id="182" name="Shape 182"/>
         <p:cNvGrpSpPr/>
         <p:nvPr/>
       </p:nvGrpSpPr>
@@ -22016,7 +22940,7 @@
       </p:grpSpPr>
       <p:sp>
         <p:nvSpPr>
-          <p:cNvPr id="178" name="Google Shape;178;p28"/>
+          <p:cNvPr id="183" name="Google Shape;183;p28"/>
           <p:cNvSpPr txBox="1"/>
           <p:nvPr>
             <p:ph type="title"/>
@@ -22056,7 +22980,7 @@
       </p:sp>
       <p:sp>
         <p:nvSpPr>
-          <p:cNvPr id="179" name="Google Shape;179;p28"/>
+          <p:cNvPr id="184" name="Google Shape;184;p28"/>
           <p:cNvSpPr txBox="1"/>
           <p:nvPr>
             <p:ph idx="12" type="sldNum"/>
@@ -22100,7 +23024,7 @@
       </p:sp>
       <p:pic>
         <p:nvPicPr>
-          <p:cNvPr id="180" name="Google Shape;180;p28"/>
+          <p:cNvPr id="185" name="Google Shape;185;p28"/>
           <p:cNvPicPr preferRelativeResize="0"/>
           <p:nvPr/>
         </p:nvPicPr>
@@ -22126,6 +23050,55 @@
           </a:ln>
         </p:spPr>
       </p:pic>
+      <p:sp>
+        <p:nvSpPr>
+          <p:cNvPr id="186" name="Google Shape;186;p28"/>
+          <p:cNvSpPr txBox="1"/>
+          <p:nvPr>
+            <p:ph idx="12" type="sldNum"/>
+          </p:nvPr>
+        </p:nvSpPr>
+        <p:spPr>
+          <a:xfrm>
+            <a:off x="139701" y="4844850"/>
+            <a:ext cx="984000" cy="273900"/>
+          </a:xfrm>
+          <a:prstGeom prst="rect">
+            <a:avLst/>
+          </a:prstGeom>
+        </p:spPr>
+        <p:txBody>
+          <a:bodyPr anchorCtr="0" anchor="ctr" bIns="34275" lIns="68575" spcFirstLastPara="1" rIns="68575" wrap="square" tIns="34275">
+            <a:noAutofit/>
+          </a:bodyPr>
+          <a:lstStyle/>
+          <a:p>
+            <a:pPr indent="0" lvl="0" marL="0" rtl="0" algn="l">
+              <a:spcBef>
+                <a:spcPts val="0"/>
+              </a:spcBef>
+              <a:spcAft>
+                <a:spcPts val="0"/>
+              </a:spcAft>
+              <a:buClr>
+                <a:schemeClr val="dk1"/>
+              </a:buClr>
+              <a:buSzPts val="275"/>
+              <a:buFont typeface="Arial"/>
+              <a:buNone/>
+            </a:pPr>
+            <a:r>
+              <a:rPr lang="zh-TW" sz="1200">
+                <a:solidFill>
+                  <a:schemeClr val="lt1"/>
+                </a:solidFill>
+              </a:rPr>
+              <a:t>葉冠昊</a:t>
+            </a:r>
+            <a:endParaRPr/>
+          </a:p>
+        </p:txBody>
+      </p:sp>
     </p:spTree>
   </p:cSld>
   <p:clrMapOvr>
@@ -22135,285 +23108,6 @@
 </file>
 
 <file path=ppt/theme/theme1.xml><?xml version="1.0" encoding="utf-8"?>
-<a:theme xmlns:a="http://schemas.openxmlformats.org/drawingml/2006/main" xmlns:r="http://schemas.openxmlformats.org/officeDocument/2006/relationships" name="Simple Light">
-  <a:themeElements>
-    <a:clrScheme name="Simple Light">
-      <a:dk1>
-        <a:srgbClr val="000000"/>
-      </a:dk1>
-      <a:lt1>
-        <a:srgbClr val="FFFFFF"/>
-      </a:lt1>
-      <a:dk2>
-        <a:srgbClr val="595959"/>
-      </a:dk2>
-      <a:lt2>
-        <a:srgbClr val="EEEEEE"/>
-      </a:lt2>
-      <a:accent1>
-        <a:srgbClr val="4285F4"/>
-      </a:accent1>
-      <a:accent2>
-        <a:srgbClr val="212121"/>
-      </a:accent2>
-      <a:accent3>
-        <a:srgbClr val="78909C"/>
-      </a:accent3>
-      <a:accent4>
-        <a:srgbClr val="FFAB40"/>
-      </a:accent4>
-      <a:accent5>
-        <a:srgbClr val="0097A7"/>
-      </a:accent5>
-      <a:accent6>
-        <a:srgbClr val="EEFF41"/>
-      </a:accent6>
-      <a:hlink>
-        <a:srgbClr val="0097A7"/>
-      </a:hlink>
-      <a:folHlink>
-        <a:srgbClr val="0097A7"/>
-      </a:folHlink>
-    </a:clrScheme>
-    <a:fontScheme name="Office">
-      <a:majorFont>
-        <a:latin typeface="Arial"/>
-        <a:ea typeface=""/>
-        <a:cs typeface=""/>
-        <a:font script="Jpan" typeface="ＭＳ Ｐゴシック"/>
-        <a:font script="Hang" typeface="맑은 고딕"/>
-        <a:font script="Hans" typeface="宋体"/>
-        <a:font script="Hant" typeface="新細明體"/>
-        <a:font script="Arab" typeface="Times New Roman"/>
-        <a:font script="Hebr" typeface="Times New Roman"/>
-        <a:font script="Thai" typeface="Angsana New"/>
-        <a:font script="Ethi" typeface="Nyala"/>
-        <a:font script="Beng" typeface="Vrinda"/>
-        <a:font script="Gujr" typeface="Shruti"/>
-        <a:font script="Khmr" typeface="MoolBoran"/>
-        <a:font script="Knda" typeface="Tunga"/>
-        <a:font script="Guru" typeface="Raavi"/>
-        <a:font script="Cans" typeface="Euphemia"/>
-        <a:font script="Cher" typeface="Plantagenet Cherokee"/>
-        <a:font script="Yiii" typeface="Microsoft Yi Baiti"/>
-        <a:font script="Tibt" typeface="Microsoft Himalaya"/>
-        <a:font script="Thaa" typeface="MV Boli"/>
-        <a:font script="Deva" typeface="Mangal"/>
-        <a:font script="Telu" typeface="Gautami"/>
-        <a:font script="Taml" typeface="Latha"/>
-        <a:font script="Syrc" typeface="Estrangelo Edessa"/>
-        <a:font script="Orya" typeface="Kalinga"/>
-        <a:font script="Mlym" typeface="Kartika"/>
-        <a:font script="Laoo" typeface="DokChampa"/>
-        <a:font script="Sinh" typeface="Iskoola Pota"/>
-        <a:font script="Mong" typeface="Mongolian Baiti"/>
-        <a:font script="Viet" typeface="Times New Roman"/>
-        <a:font script="Uigh" typeface="Microsoft Uighur"/>
-        <a:font script="Geor" typeface="Sylfaen"/>
-      </a:majorFont>
-      <a:minorFont>
-        <a:latin typeface="Arial"/>
-        <a:ea typeface=""/>
-        <a:cs typeface=""/>
-        <a:font script="Jpan" typeface="ＭＳ Ｐゴシック"/>
-        <a:font script="Hang" typeface="맑은 고딕"/>
-        <a:font script="Hans" typeface="宋体"/>
-        <a:font script="Hant" typeface="新細明體"/>
-        <a:font script="Arab" typeface="Arial"/>
-        <a:font script="Hebr" typeface="Arial"/>
-        <a:font script="Thai" typeface="Cordia New"/>
-        <a:font script="Ethi" typeface="Nyala"/>
-        <a:font script="Beng" typeface="Vrinda"/>
-        <a:font script="Gujr" typeface="Shruti"/>
-        <a:font script="Khmr" typeface="DaunPenh"/>
-        <a:font script="Knda" typeface="Tunga"/>
-        <a:font script="Guru" typeface="Raavi"/>
-        <a:font script="Cans" typeface="Euphemia"/>
-        <a:font script="Cher" typeface="Plantagenet Cherokee"/>
-        <a:font script="Yiii" typeface="Microsoft Yi Baiti"/>
-        <a:font script="Tibt" typeface="Microsoft Himalaya"/>
-        <a:font script="Thaa" typeface="MV Boli"/>
-        <a:font script="Deva" typeface="Mangal"/>
-        <a:font script="Telu" typeface="Gautami"/>
-        <a:font script="Taml" typeface="Latha"/>
-        <a:font script="Syrc" typeface="Estrangelo Edessa"/>
-        <a:font script="Orya" typeface="Kalinga"/>
-        <a:font script="Mlym" typeface="Kartika"/>
-        <a:font script="Laoo" typeface="DokChampa"/>
-        <a:font script="Sinh" typeface="Iskoola Pota"/>
-        <a:font script="Mong" typeface="Mongolian Baiti"/>
-        <a:font script="Viet" typeface="Arial"/>
-        <a:font script="Uigh" typeface="Microsoft Uighur"/>
-        <a:font script="Geor" typeface="Sylfaen"/>
-      </a:minorFont>
-    </a:fontScheme>
-    <a:fmtScheme name="Office">
-      <a:fillStyleLst>
-        <a:solidFill>
-          <a:schemeClr val="phClr"/>
-        </a:solidFill>
-        <a:gradFill rotWithShape="1">
-          <a:gsLst>
-            <a:gs pos="0">
-              <a:schemeClr val="phClr">
-                <a:tint val="50000"/>
-                <a:satMod val="300000"/>
-              </a:schemeClr>
-            </a:gs>
-            <a:gs pos="35000">
-              <a:schemeClr val="phClr">
-                <a:tint val="37000"/>
-                <a:satMod val="300000"/>
-              </a:schemeClr>
-            </a:gs>
-            <a:gs pos="100000">
-              <a:schemeClr val="phClr">
-                <a:tint val="15000"/>
-                <a:satMod val="350000"/>
-              </a:schemeClr>
-            </a:gs>
-          </a:gsLst>
-          <a:lin ang="16200000" scaled="1"/>
-        </a:gradFill>
-        <a:gradFill rotWithShape="1">
-          <a:gsLst>
-            <a:gs pos="0">
-              <a:schemeClr val="phClr">
-                <a:tint val="100000"/>
-                <a:shade val="100000"/>
-                <a:satMod val="130000"/>
-              </a:schemeClr>
-            </a:gs>
-            <a:gs pos="100000">
-              <a:schemeClr val="phClr">
-                <a:tint val="50000"/>
-                <a:shade val="100000"/>
-                <a:satMod val="350000"/>
-              </a:schemeClr>
-            </a:gs>
-          </a:gsLst>
-          <a:lin ang="16200000" scaled="0"/>
-        </a:gradFill>
-      </a:fillStyleLst>
-      <a:lnStyleLst>
-        <a:ln w="9525" cap="flat" cmpd="sng" algn="ctr">
-          <a:solidFill>
-            <a:schemeClr val="phClr">
-              <a:shade val="95000"/>
-              <a:satMod val="105000"/>
-            </a:schemeClr>
-          </a:solidFill>
-          <a:prstDash val="solid"/>
-        </a:ln>
-        <a:ln w="25400" cap="flat" cmpd="sng" algn="ctr">
-          <a:solidFill>
-            <a:schemeClr val="phClr"/>
-          </a:solidFill>
-          <a:prstDash val="solid"/>
-        </a:ln>
-        <a:ln w="38100" cap="flat" cmpd="sng" algn="ctr">
-          <a:solidFill>
-            <a:schemeClr val="phClr"/>
-          </a:solidFill>
-          <a:prstDash val="solid"/>
-        </a:ln>
-      </a:lnStyleLst>
-      <a:effectStyleLst>
-        <a:effectStyle>
-          <a:effectLst>
-            <a:outerShdw blurRad="40000" dist="20000" dir="5400000" rotWithShape="0">
-              <a:srgbClr val="000000">
-                <a:alpha val="38000"/>
-              </a:srgbClr>
-            </a:outerShdw>
-          </a:effectLst>
-        </a:effectStyle>
-        <a:effectStyle>
-          <a:effectLst>
-            <a:outerShdw blurRad="40000" dist="23000" dir="5400000" rotWithShape="0">
-              <a:srgbClr val="000000">
-                <a:alpha val="35000"/>
-              </a:srgbClr>
-            </a:outerShdw>
-          </a:effectLst>
-        </a:effectStyle>
-        <a:effectStyle>
-          <a:effectLst>
-            <a:outerShdw blurRad="40000" dist="23000" dir="5400000" rotWithShape="0">
-              <a:srgbClr val="000000">
-                <a:alpha val="35000"/>
-              </a:srgbClr>
-            </a:outerShdw>
-          </a:effectLst>
-          <a:scene3d>
-            <a:camera prst="orthographicFront">
-              <a:rot lat="0" lon="0" rev="0"/>
-            </a:camera>
-            <a:lightRig rig="threePt" dir="t">
-              <a:rot lat="0" lon="0" rev="1200000"/>
-            </a:lightRig>
-          </a:scene3d>
-          <a:sp3d>
-            <a:bevelT w="63500" h="25400"/>
-          </a:sp3d>
-        </a:effectStyle>
-      </a:effectStyleLst>
-      <a:bgFillStyleLst>
-        <a:solidFill>
-          <a:schemeClr val="phClr"/>
-        </a:solidFill>
-        <a:gradFill rotWithShape="1">
-          <a:gsLst>
-            <a:gs pos="0">
-              <a:schemeClr val="phClr">
-                <a:tint val="40000"/>
-                <a:satMod val="350000"/>
-              </a:schemeClr>
-            </a:gs>
-            <a:gs pos="40000">
-              <a:schemeClr val="phClr">
-                <a:tint val="45000"/>
-                <a:shade val="99000"/>
-                <a:satMod val="350000"/>
-              </a:schemeClr>
-            </a:gs>
-            <a:gs pos="100000">
-              <a:schemeClr val="phClr">
-                <a:shade val="20000"/>
-                <a:satMod val="255000"/>
-              </a:schemeClr>
-            </a:gs>
-          </a:gsLst>
-          <a:path path="circle">
-            <a:fillToRect l="50000" t="-80000" r="50000" b="180000"/>
-          </a:path>
-        </a:gradFill>
-        <a:gradFill rotWithShape="1">
-          <a:gsLst>
-            <a:gs pos="0">
-              <a:schemeClr val="phClr">
-                <a:tint val="80000"/>
-                <a:satMod val="300000"/>
-              </a:schemeClr>
-            </a:gs>
-            <a:gs pos="100000">
-              <a:schemeClr val="phClr">
-                <a:shade val="30000"/>
-                <a:satMod val="200000"/>
-              </a:schemeClr>
-            </a:gs>
-          </a:gsLst>
-          <a:path path="circle">
-            <a:fillToRect l="50000" t="50000" r="50000" b="50000"/>
-          </a:path>
-        </a:gradFill>
-      </a:bgFillStyleLst>
-    </a:fmtScheme>
-  </a:themeElements>
-</a:theme>
-</file>
-
-<file path=ppt/theme/theme2.xml><?xml version="1.0" encoding="utf-8"?>
 <a:theme xmlns:a="http://schemas.openxmlformats.org/drawingml/2006/main" xmlns:r="http://schemas.openxmlformats.org/officeDocument/2006/relationships">
   <a:themeElements>
     <a:clrScheme name="Default">
@@ -22692,7 +23386,7 @@
 </a:theme>
 </file>
 
-<file path=ppt/theme/theme3.xml><?xml version="1.0" encoding="utf-8"?>
+<file path=ppt/theme/theme2.xml><?xml version="1.0" encoding="utf-8"?>
 <a:theme xmlns:a="http://schemas.openxmlformats.org/drawingml/2006/main" xmlns:r="http://schemas.openxmlformats.org/officeDocument/2006/relationships" name="回顧">
   <a:themeElements>
     <a:clrScheme name="回顧">
@@ -22969,4 +23663,283 @@
     </a:fmtScheme>
   </a:themeElements>
 </a:theme>
+</file>
+
+<file path=ppt/theme/theme3.xml><?xml version="1.0" encoding="utf-8"?>
+<a:theme xmlns:a="http://schemas.openxmlformats.org/drawingml/2006/main" xmlns:r="http://schemas.openxmlformats.org/officeDocument/2006/relationships" name="Simple Light">
+  <a:themeElements>
+    <a:clrScheme name="Simple Light">
+      <a:dk1>
+        <a:srgbClr val="000000"/>
+      </a:dk1>
+      <a:lt1>
+        <a:srgbClr val="FFFFFF"/>
+      </a:lt1>
+      <a:dk2>
+        <a:srgbClr val="595959"/>
+      </a:dk2>
+      <a:lt2>
+        <a:srgbClr val="EEEEEE"/>
+      </a:lt2>
+      <a:accent1>
+        <a:srgbClr val="4285F4"/>
+      </a:accent1>
+      <a:accent2>
+        <a:srgbClr val="212121"/>
+      </a:accent2>
+      <a:accent3>
+        <a:srgbClr val="78909C"/>
+      </a:accent3>
+      <a:accent4>
+        <a:srgbClr val="FFAB40"/>
+      </a:accent4>
+      <a:accent5>
+        <a:srgbClr val="0097A7"/>
+      </a:accent5>
+      <a:accent6>
+        <a:srgbClr val="EEFF41"/>
+      </a:accent6>
+      <a:hlink>
+        <a:srgbClr val="0097A7"/>
+      </a:hlink>
+      <a:folHlink>
+        <a:srgbClr val="0097A7"/>
+      </a:folHlink>
+    </a:clrScheme>
+    <a:fontScheme name="Office">
+      <a:majorFont>
+        <a:latin typeface="Arial"/>
+        <a:ea typeface=""/>
+        <a:cs typeface=""/>
+        <a:font script="Jpan" typeface="ＭＳ Ｐゴシック"/>
+        <a:font script="Hang" typeface="맑은 고딕"/>
+        <a:font script="Hans" typeface="宋体"/>
+        <a:font script="Hant" typeface="新細明體"/>
+        <a:font script="Arab" typeface="Times New Roman"/>
+        <a:font script="Hebr" typeface="Times New Roman"/>
+        <a:font script="Thai" typeface="Angsana New"/>
+        <a:font script="Ethi" typeface="Nyala"/>
+        <a:font script="Beng" typeface="Vrinda"/>
+        <a:font script="Gujr" typeface="Shruti"/>
+        <a:font script="Khmr" typeface="MoolBoran"/>
+        <a:font script="Knda" typeface="Tunga"/>
+        <a:font script="Guru" typeface="Raavi"/>
+        <a:font script="Cans" typeface="Euphemia"/>
+        <a:font script="Cher" typeface="Plantagenet Cherokee"/>
+        <a:font script="Yiii" typeface="Microsoft Yi Baiti"/>
+        <a:font script="Tibt" typeface="Microsoft Himalaya"/>
+        <a:font script="Thaa" typeface="MV Boli"/>
+        <a:font script="Deva" typeface="Mangal"/>
+        <a:font script="Telu" typeface="Gautami"/>
+        <a:font script="Taml" typeface="Latha"/>
+        <a:font script="Syrc" typeface="Estrangelo Edessa"/>
+        <a:font script="Orya" typeface="Kalinga"/>
+        <a:font script="Mlym" typeface="Kartika"/>
+        <a:font script="Laoo" typeface="DokChampa"/>
+        <a:font script="Sinh" typeface="Iskoola Pota"/>
+        <a:font script="Mong" typeface="Mongolian Baiti"/>
+        <a:font script="Viet" typeface="Times New Roman"/>
+        <a:font script="Uigh" typeface="Microsoft Uighur"/>
+        <a:font script="Geor" typeface="Sylfaen"/>
+      </a:majorFont>
+      <a:minorFont>
+        <a:latin typeface="Arial"/>
+        <a:ea typeface=""/>
+        <a:cs typeface=""/>
+        <a:font script="Jpan" typeface="ＭＳ Ｐゴシック"/>
+        <a:font script="Hang" typeface="맑은 고딕"/>
+        <a:font script="Hans" typeface="宋体"/>
+        <a:font script="Hant" typeface="新細明體"/>
+        <a:font script="Arab" typeface="Arial"/>
+        <a:font script="Hebr" typeface="Arial"/>
+        <a:font script="Thai" typeface="Cordia New"/>
+        <a:font script="Ethi" typeface="Nyala"/>
+        <a:font script="Beng" typeface="Vrinda"/>
+        <a:font script="Gujr" typeface="Shruti"/>
+        <a:font script="Khmr" typeface="DaunPenh"/>
+        <a:font script="Knda" typeface="Tunga"/>
+        <a:font script="Guru" typeface="Raavi"/>
+        <a:font script="Cans" typeface="Euphemia"/>
+        <a:font script="Cher" typeface="Plantagenet Cherokee"/>
+        <a:font script="Yiii" typeface="Microsoft Yi Baiti"/>
+        <a:font script="Tibt" typeface="Microsoft Himalaya"/>
+        <a:font script="Thaa" typeface="MV Boli"/>
+        <a:font script="Deva" typeface="Mangal"/>
+        <a:font script="Telu" typeface="Gautami"/>
+        <a:font script="Taml" typeface="Latha"/>
+        <a:font script="Syrc" typeface="Estrangelo Edessa"/>
+        <a:font script="Orya" typeface="Kalinga"/>
+        <a:font script="Mlym" typeface="Kartika"/>
+        <a:font script="Laoo" typeface="DokChampa"/>
+        <a:font script="Sinh" typeface="Iskoola Pota"/>
+        <a:font script="Mong" typeface="Mongolian Baiti"/>
+        <a:font script="Viet" typeface="Arial"/>
+        <a:font script="Uigh" typeface="Microsoft Uighur"/>
+        <a:font script="Geor" typeface="Sylfaen"/>
+      </a:minorFont>
+    </a:fontScheme>
+    <a:fmtScheme name="Office">
+      <a:fillStyleLst>
+        <a:solidFill>
+          <a:schemeClr val="phClr"/>
+        </a:solidFill>
+        <a:gradFill rotWithShape="1">
+          <a:gsLst>
+            <a:gs pos="0">
+              <a:schemeClr val="phClr">
+                <a:tint val="50000"/>
+                <a:satMod val="300000"/>
+              </a:schemeClr>
+            </a:gs>
+            <a:gs pos="35000">
+              <a:schemeClr val="phClr">
+                <a:tint val="37000"/>
+                <a:satMod val="300000"/>
+              </a:schemeClr>
+            </a:gs>
+            <a:gs pos="100000">
+              <a:schemeClr val="phClr">
+                <a:tint val="15000"/>
+                <a:satMod val="350000"/>
+              </a:schemeClr>
+            </a:gs>
+          </a:gsLst>
+          <a:lin ang="16200000" scaled="1"/>
+        </a:gradFill>
+        <a:gradFill rotWithShape="1">
+          <a:gsLst>
+            <a:gs pos="0">
+              <a:schemeClr val="phClr">
+                <a:tint val="100000"/>
+                <a:shade val="100000"/>
+                <a:satMod val="130000"/>
+              </a:schemeClr>
+            </a:gs>
+            <a:gs pos="100000">
+              <a:schemeClr val="phClr">
+                <a:tint val="50000"/>
+                <a:shade val="100000"/>
+                <a:satMod val="350000"/>
+              </a:schemeClr>
+            </a:gs>
+          </a:gsLst>
+          <a:lin ang="16200000" scaled="0"/>
+        </a:gradFill>
+      </a:fillStyleLst>
+      <a:lnStyleLst>
+        <a:ln w="9525" cap="flat" cmpd="sng" algn="ctr">
+          <a:solidFill>
+            <a:schemeClr val="phClr">
+              <a:shade val="95000"/>
+              <a:satMod val="105000"/>
+            </a:schemeClr>
+          </a:solidFill>
+          <a:prstDash val="solid"/>
+        </a:ln>
+        <a:ln w="25400" cap="flat" cmpd="sng" algn="ctr">
+          <a:solidFill>
+            <a:schemeClr val="phClr"/>
+          </a:solidFill>
+          <a:prstDash val="solid"/>
+        </a:ln>
+        <a:ln w="38100" cap="flat" cmpd="sng" algn="ctr">
+          <a:solidFill>
+            <a:schemeClr val="phClr"/>
+          </a:solidFill>
+          <a:prstDash val="solid"/>
+        </a:ln>
+      </a:lnStyleLst>
+      <a:effectStyleLst>
+        <a:effectStyle>
+          <a:effectLst>
+            <a:outerShdw blurRad="40000" dist="20000" dir="5400000" rotWithShape="0">
+              <a:srgbClr val="000000">
+                <a:alpha val="38000"/>
+              </a:srgbClr>
+            </a:outerShdw>
+          </a:effectLst>
+        </a:effectStyle>
+        <a:effectStyle>
+          <a:effectLst>
+            <a:outerShdw blurRad="40000" dist="23000" dir="5400000" rotWithShape="0">
+              <a:srgbClr val="000000">
+                <a:alpha val="35000"/>
+              </a:srgbClr>
+            </a:outerShdw>
+          </a:effectLst>
+        </a:effectStyle>
+        <a:effectStyle>
+          <a:effectLst>
+            <a:outerShdw blurRad="40000" dist="23000" dir="5400000" rotWithShape="0">
+              <a:srgbClr val="000000">
+                <a:alpha val="35000"/>
+              </a:srgbClr>
+            </a:outerShdw>
+          </a:effectLst>
+          <a:scene3d>
+            <a:camera prst="orthographicFront">
+              <a:rot lat="0" lon="0" rev="0"/>
+            </a:camera>
+            <a:lightRig rig="threePt" dir="t">
+              <a:rot lat="0" lon="0" rev="1200000"/>
+            </a:lightRig>
+          </a:scene3d>
+          <a:sp3d>
+            <a:bevelT w="63500" h="25400"/>
+          </a:sp3d>
+        </a:effectStyle>
+      </a:effectStyleLst>
+      <a:bgFillStyleLst>
+        <a:solidFill>
+          <a:schemeClr val="phClr"/>
+        </a:solidFill>
+        <a:gradFill rotWithShape="1">
+          <a:gsLst>
+            <a:gs pos="0">
+              <a:schemeClr val="phClr">
+                <a:tint val="40000"/>
+                <a:satMod val="350000"/>
+              </a:schemeClr>
+            </a:gs>
+            <a:gs pos="40000">
+              <a:schemeClr val="phClr">
+                <a:tint val="45000"/>
+                <a:shade val="99000"/>
+                <a:satMod val="350000"/>
+              </a:schemeClr>
+            </a:gs>
+            <a:gs pos="100000">
+              <a:schemeClr val="phClr">
+                <a:shade val="20000"/>
+                <a:satMod val="255000"/>
+              </a:schemeClr>
+            </a:gs>
+          </a:gsLst>
+          <a:path path="circle">
+            <a:fillToRect l="50000" t="-80000" r="50000" b="180000"/>
+          </a:path>
+        </a:gradFill>
+        <a:gradFill rotWithShape="1">
+          <a:gsLst>
+            <a:gs pos="0">
+              <a:schemeClr val="phClr">
+                <a:tint val="80000"/>
+                <a:satMod val="300000"/>
+              </a:schemeClr>
+            </a:gs>
+            <a:gs pos="100000">
+              <a:schemeClr val="phClr">
+                <a:shade val="30000"/>
+                <a:satMod val="200000"/>
+              </a:schemeClr>
+            </a:gs>
+          </a:gsLst>
+          <a:path path="circle">
+            <a:fillToRect l="50000" t="50000" r="50000" b="50000"/>
+          </a:path>
+        </a:gradFill>
+      </a:bgFillStyleLst>
+    </a:fmtScheme>
+  </a:themeElements>
+</a:theme>
 </file>
--- a/軟工報告/軟體工程第三四章報告ch3&4_v0.pptx
+++ b/軟工報告/軟體工程第三四章報告ch3&4_v0.pptx
@@ -817,7 +817,7 @@
   <p:cSld>
     <p:spTree>
       <p:nvGrpSpPr>
-        <p:cNvPr id="187" name="Shape 187"/>
+        <p:cNvPr id="189" name="Shape 189"/>
         <p:cNvGrpSpPr/>
         <p:nvPr/>
       </p:nvGrpSpPr>
@@ -831,7 +831,7 @@
       </p:grpSpPr>
       <p:sp>
         <p:nvSpPr>
-          <p:cNvPr id="188" name="Google Shape;188;g12e9065bde7_1_8:notes"/>
+          <p:cNvPr id="190" name="Google Shape;190;g12e9065bde7_1_8:notes"/>
           <p:cNvSpPr/>
           <p:nvPr>
             <p:ph idx="2" type="sldImg"/>
@@ -866,7 +866,7 @@
       </p:sp>
       <p:sp>
         <p:nvSpPr>
-          <p:cNvPr id="189" name="Google Shape;189;g12e9065bde7_1_8:notes"/>
+          <p:cNvPr id="191" name="Google Shape;191;g12e9065bde7_1_8:notes"/>
           <p:cNvSpPr txBox="1"/>
           <p:nvPr>
             <p:ph idx="1" type="body"/>
@@ -916,7 +916,7 @@
   <p:cSld>
     <p:spTree>
       <p:nvGrpSpPr>
-        <p:cNvPr id="200" name="Shape 200"/>
+        <p:cNvPr id="202" name="Shape 202"/>
         <p:cNvGrpSpPr/>
         <p:nvPr/>
       </p:nvGrpSpPr>
@@ -930,7 +930,7 @@
       </p:grpSpPr>
       <p:sp>
         <p:nvSpPr>
-          <p:cNvPr id="201" name="Google Shape;201;g12eeb354692_0_21:notes"/>
+          <p:cNvPr id="203" name="Google Shape;203;g12eeb354692_0_21:notes"/>
           <p:cNvSpPr/>
           <p:nvPr>
             <p:ph idx="2" type="sldImg"/>
@@ -965,7 +965,7 @@
       </p:sp>
       <p:sp>
         <p:nvSpPr>
-          <p:cNvPr id="202" name="Google Shape;202;g12eeb354692_0_21:notes"/>
+          <p:cNvPr id="204" name="Google Shape;204;g12eeb354692_0_21:notes"/>
           <p:cNvSpPr txBox="1"/>
           <p:nvPr>
             <p:ph idx="1" type="body"/>
@@ -1015,7 +1015,7 @@
   <p:cSld>
     <p:spTree>
       <p:nvGrpSpPr>
-        <p:cNvPr id="210" name="Shape 210"/>
+        <p:cNvPr id="212" name="Shape 212"/>
         <p:cNvGrpSpPr/>
         <p:nvPr/>
       </p:nvGrpSpPr>
@@ -1029,7 +1029,7 @@
       </p:grpSpPr>
       <p:sp>
         <p:nvSpPr>
-          <p:cNvPr id="211" name="Google Shape;211;g12eeb354692_0_71:notes"/>
+          <p:cNvPr id="213" name="Google Shape;213;g12eeb354692_0_71:notes"/>
           <p:cNvSpPr/>
           <p:nvPr>
             <p:ph idx="2" type="sldImg"/>
@@ -1064,7 +1064,7 @@
       </p:sp>
       <p:sp>
         <p:nvSpPr>
-          <p:cNvPr id="212" name="Google Shape;212;g12eeb354692_0_71:notes"/>
+          <p:cNvPr id="214" name="Google Shape;214;g12eeb354692_0_71:notes"/>
           <p:cNvSpPr txBox="1"/>
           <p:nvPr>
             <p:ph idx="1" type="body"/>
@@ -1114,7 +1114,7 @@
   <p:cSld>
     <p:spTree>
       <p:nvGrpSpPr>
-        <p:cNvPr id="220" name="Shape 220"/>
+        <p:cNvPr id="222" name="Shape 222"/>
         <p:cNvGrpSpPr/>
         <p:nvPr/>
       </p:nvGrpSpPr>
@@ -1128,7 +1128,7 @@
       </p:grpSpPr>
       <p:sp>
         <p:nvSpPr>
-          <p:cNvPr id="221" name="Google Shape;221;g12eeb354692_0_32:notes"/>
+          <p:cNvPr id="223" name="Google Shape;223;g12eeb354692_0_32:notes"/>
           <p:cNvSpPr/>
           <p:nvPr>
             <p:ph idx="2" type="sldImg"/>
@@ -1163,7 +1163,7 @@
       </p:sp>
       <p:sp>
         <p:nvSpPr>
-          <p:cNvPr id="222" name="Google Shape;222;g12eeb354692_0_32:notes"/>
+          <p:cNvPr id="224" name="Google Shape;224;g12eeb354692_0_32:notes"/>
           <p:cNvSpPr txBox="1"/>
           <p:nvPr>
             <p:ph idx="1" type="body"/>
@@ -1213,7 +1213,7 @@
   <p:cSld>
     <p:spTree>
       <p:nvGrpSpPr>
-        <p:cNvPr id="230" name="Shape 230"/>
+        <p:cNvPr id="232" name="Shape 232"/>
         <p:cNvGrpSpPr/>
         <p:nvPr/>
       </p:nvGrpSpPr>
@@ -1227,7 +1227,7 @@
       </p:grpSpPr>
       <p:sp>
         <p:nvSpPr>
-          <p:cNvPr id="231" name="Google Shape;231;g12e4c1fbdd8_0_364:notes"/>
+          <p:cNvPr id="233" name="Google Shape;233;g12e4c1fbdd8_0_364:notes"/>
           <p:cNvSpPr/>
           <p:nvPr>
             <p:ph idx="2" type="sldImg"/>
@@ -1262,7 +1262,7 @@
       </p:sp>
       <p:sp>
         <p:nvSpPr>
-          <p:cNvPr id="232" name="Google Shape;232;g12e4c1fbdd8_0_364:notes"/>
+          <p:cNvPr id="234" name="Google Shape;234;g12e4c1fbdd8_0_364:notes"/>
           <p:cNvSpPr txBox="1"/>
           <p:nvPr>
             <p:ph idx="1" type="body"/>
@@ -1312,7 +1312,7 @@
   <p:cSld>
     <p:spTree>
       <p:nvGrpSpPr>
-        <p:cNvPr id="241" name="Shape 241"/>
+        <p:cNvPr id="243" name="Shape 243"/>
         <p:cNvGrpSpPr/>
         <p:nvPr/>
       </p:nvGrpSpPr>
@@ -1326,7 +1326,7 @@
       </p:grpSpPr>
       <p:sp>
         <p:nvSpPr>
-          <p:cNvPr id="242" name="Google Shape;242;g12e4c1fbdd8_0_359:notes"/>
+          <p:cNvPr id="244" name="Google Shape;244;g12e4c1fbdd8_0_359:notes"/>
           <p:cNvSpPr/>
           <p:nvPr>
             <p:ph idx="2" type="sldImg"/>
@@ -1361,7 +1361,7 @@
       </p:sp>
       <p:sp>
         <p:nvSpPr>
-          <p:cNvPr id="243" name="Google Shape;243;g12e4c1fbdd8_0_359:notes"/>
+          <p:cNvPr id="245" name="Google Shape;245;g12e4c1fbdd8_0_359:notes"/>
           <p:cNvSpPr txBox="1"/>
           <p:nvPr>
             <p:ph idx="1" type="body"/>
@@ -1411,7 +1411,7 @@
   <p:cSld>
     <p:spTree>
       <p:nvGrpSpPr>
-        <p:cNvPr id="249" name="Shape 249"/>
+        <p:cNvPr id="251" name="Shape 251"/>
         <p:cNvGrpSpPr/>
         <p:nvPr/>
       </p:nvGrpSpPr>
@@ -1425,7 +1425,7 @@
       </p:grpSpPr>
       <p:sp>
         <p:nvSpPr>
-          <p:cNvPr id="250" name="Google Shape;250;g12e9065bde7_1_13:notes"/>
+          <p:cNvPr id="252" name="Google Shape;252;g12e9065bde7_1_13:notes"/>
           <p:cNvSpPr/>
           <p:nvPr>
             <p:ph idx="2" type="sldImg"/>
@@ -1460,7 +1460,7 @@
       </p:sp>
       <p:sp>
         <p:nvSpPr>
-          <p:cNvPr id="251" name="Google Shape;251;g12e9065bde7_1_13:notes"/>
+          <p:cNvPr id="253" name="Google Shape;253;g12e9065bde7_1_13:notes"/>
           <p:cNvSpPr txBox="1"/>
           <p:nvPr>
             <p:ph idx="1" type="body"/>
@@ -1510,7 +1510,7 @@
   <p:cSld>
     <p:spTree>
       <p:nvGrpSpPr>
-        <p:cNvPr id="265" name="Shape 265"/>
+        <p:cNvPr id="267" name="Shape 267"/>
         <p:cNvGrpSpPr/>
         <p:nvPr/>
       </p:nvGrpSpPr>
@@ -1524,7 +1524,7 @@
       </p:grpSpPr>
       <p:sp>
         <p:nvSpPr>
-          <p:cNvPr id="266" name="Google Shape;266;g12eeb354692_0_38:notes"/>
+          <p:cNvPr id="268" name="Google Shape;268;g12eeb354692_0_38:notes"/>
           <p:cNvSpPr/>
           <p:nvPr>
             <p:ph idx="2" type="sldImg"/>
@@ -1559,7 +1559,7 @@
       </p:sp>
       <p:sp>
         <p:nvSpPr>
-          <p:cNvPr id="267" name="Google Shape;267;g12eeb354692_0_38:notes"/>
+          <p:cNvPr id="269" name="Google Shape;269;g12eeb354692_0_38:notes"/>
           <p:cNvSpPr txBox="1"/>
           <p:nvPr>
             <p:ph idx="1" type="body"/>
@@ -1609,7 +1609,7 @@
   <p:cSld>
     <p:spTree>
       <p:nvGrpSpPr>
-        <p:cNvPr id="275" name="Shape 275"/>
+        <p:cNvPr id="277" name="Shape 277"/>
         <p:cNvGrpSpPr/>
         <p:nvPr/>
       </p:nvGrpSpPr>
@@ -1623,7 +1623,7 @@
       </p:grpSpPr>
       <p:sp>
         <p:nvSpPr>
-          <p:cNvPr id="276" name="Google Shape;276;g12eeb354692_0_44:notes"/>
+          <p:cNvPr id="278" name="Google Shape;278;g12eeb354692_0_44:notes"/>
           <p:cNvSpPr/>
           <p:nvPr>
             <p:ph idx="2" type="sldImg"/>
@@ -1658,7 +1658,7 @@
       </p:sp>
       <p:sp>
         <p:nvSpPr>
-          <p:cNvPr id="277" name="Google Shape;277;g12eeb354692_0_44:notes"/>
+          <p:cNvPr id="279" name="Google Shape;279;g12eeb354692_0_44:notes"/>
           <p:cNvSpPr txBox="1"/>
           <p:nvPr>
             <p:ph idx="1" type="body"/>
@@ -1708,7 +1708,7 @@
   <p:cSld>
     <p:spTree>
       <p:nvGrpSpPr>
-        <p:cNvPr id="286" name="Shape 286"/>
+        <p:cNvPr id="288" name="Shape 288"/>
         <p:cNvGrpSpPr/>
         <p:nvPr/>
       </p:nvGrpSpPr>
@@ -1722,7 +1722,7 @@
       </p:grpSpPr>
       <p:sp>
         <p:nvSpPr>
-          <p:cNvPr id="287" name="Google Shape;287;g12eeb354692_0_96:notes"/>
+          <p:cNvPr id="289" name="Google Shape;289;g12eeb354692_0_96:notes"/>
           <p:cNvSpPr/>
           <p:nvPr>
             <p:ph idx="2" type="sldImg"/>
@@ -1757,7 +1757,7 @@
       </p:sp>
       <p:sp>
         <p:nvSpPr>
-          <p:cNvPr id="288" name="Google Shape;288;g12eeb354692_0_96:notes"/>
+          <p:cNvPr id="290" name="Google Shape;290;g12eeb354692_0_96:notes"/>
           <p:cNvSpPr txBox="1"/>
           <p:nvPr>
             <p:ph idx="1" type="body"/>
@@ -1906,7 +1906,7 @@
   <p:cSld>
     <p:spTree>
       <p:nvGrpSpPr>
-        <p:cNvPr id="296" name="Shape 296"/>
+        <p:cNvPr id="298" name="Shape 298"/>
         <p:cNvGrpSpPr/>
         <p:nvPr/>
       </p:nvGrpSpPr>
@@ -1920,7 +1920,7 @@
       </p:grpSpPr>
       <p:sp>
         <p:nvSpPr>
-          <p:cNvPr id="297" name="Google Shape;297;g12e9065bde7_4_6:notes"/>
+          <p:cNvPr id="299" name="Google Shape;299;g12e9065bde7_4_6:notes"/>
           <p:cNvSpPr txBox="1"/>
           <p:nvPr>
             <p:ph idx="1" type="body"/>
@@ -1959,7 +1959,7 @@
       </p:sp>
       <p:sp>
         <p:nvSpPr>
-          <p:cNvPr id="298" name="Google Shape;298;g12e9065bde7_4_6:notes"/>
+          <p:cNvPr id="300" name="Google Shape;300;g12e9065bde7_4_6:notes"/>
           <p:cNvSpPr/>
           <p:nvPr>
             <p:ph idx="2" type="sldImg"/>
@@ -2005,7 +2005,7 @@
   <p:cSld>
     <p:spTree>
       <p:nvGrpSpPr>
-        <p:cNvPr id="303" name="Shape 303"/>
+        <p:cNvPr id="305" name="Shape 305"/>
         <p:cNvGrpSpPr/>
         <p:nvPr/>
       </p:nvGrpSpPr>
@@ -2019,7 +2019,7 @@
       </p:grpSpPr>
       <p:sp>
         <p:nvSpPr>
-          <p:cNvPr id="304" name="Google Shape;304;g12e4c1fbdd8_9_9:notes"/>
+          <p:cNvPr id="306" name="Google Shape;306;g12e4c1fbdd8_9_9:notes"/>
           <p:cNvSpPr/>
           <p:nvPr>
             <p:ph idx="2" type="sldImg"/>
@@ -2054,7 +2054,7 @@
       </p:sp>
       <p:sp>
         <p:nvSpPr>
-          <p:cNvPr id="305" name="Google Shape;305;g12e4c1fbdd8_9_9:notes"/>
+          <p:cNvPr id="307" name="Google Shape;307;g12e4c1fbdd8_9_9:notes"/>
           <p:cNvSpPr txBox="1"/>
           <p:nvPr>
             <p:ph idx="1" type="body"/>
@@ -2104,7 +2104,7 @@
   <p:cSld>
     <p:spTree>
       <p:nvGrpSpPr>
-        <p:cNvPr id="311" name="Shape 311"/>
+        <p:cNvPr id="313" name="Shape 313"/>
         <p:cNvGrpSpPr/>
         <p:nvPr/>
       </p:nvGrpSpPr>
@@ -2118,7 +2118,7 @@
       </p:grpSpPr>
       <p:sp>
         <p:nvSpPr>
-          <p:cNvPr id="312" name="Google Shape;312;g12e4c1fbdd8_1_0:notes"/>
+          <p:cNvPr id="314" name="Google Shape;314;g12e4c1fbdd8_1_0:notes"/>
           <p:cNvSpPr/>
           <p:nvPr>
             <p:ph idx="2" type="sldImg"/>
@@ -2153,7 +2153,7 @@
       </p:sp>
       <p:sp>
         <p:nvSpPr>
-          <p:cNvPr id="313" name="Google Shape;313;g12e4c1fbdd8_1_0:notes"/>
+          <p:cNvPr id="315" name="Google Shape;315;g12e4c1fbdd8_1_0:notes"/>
           <p:cNvSpPr txBox="1"/>
           <p:nvPr>
             <p:ph idx="1" type="body"/>
@@ -2203,7 +2203,7 @@
   <p:cSld>
     <p:spTree>
       <p:nvGrpSpPr>
-        <p:cNvPr id="326" name="Shape 326"/>
+        <p:cNvPr id="328" name="Shape 328"/>
         <p:cNvGrpSpPr/>
         <p:nvPr/>
       </p:nvGrpSpPr>
@@ -2217,7 +2217,7 @@
       </p:grpSpPr>
       <p:sp>
         <p:nvSpPr>
-          <p:cNvPr id="327" name="Google Shape;327;g12e4c1fbdd8_0_342:notes"/>
+          <p:cNvPr id="329" name="Google Shape;329;g12e4c1fbdd8_0_342:notes"/>
           <p:cNvSpPr/>
           <p:nvPr>
             <p:ph idx="2" type="sldImg"/>
@@ -2252,7 +2252,7 @@
       </p:sp>
       <p:sp>
         <p:nvSpPr>
-          <p:cNvPr id="328" name="Google Shape;328;g12e4c1fbdd8_0_342:notes"/>
+          <p:cNvPr id="330" name="Google Shape;330;g12e4c1fbdd8_0_342:notes"/>
           <p:cNvSpPr txBox="1"/>
           <p:nvPr>
             <p:ph idx="1" type="body"/>
@@ -2302,7 +2302,7 @@
   <p:cSld>
     <p:spTree>
       <p:nvGrpSpPr>
-        <p:cNvPr id="335" name="Shape 335"/>
+        <p:cNvPr id="337" name="Shape 337"/>
         <p:cNvGrpSpPr/>
         <p:nvPr/>
       </p:nvGrpSpPr>
@@ -2316,7 +2316,7 @@
       </p:grpSpPr>
       <p:sp>
         <p:nvSpPr>
-          <p:cNvPr id="336" name="Google Shape;336;g12e4c1fbdd8_0_335:notes"/>
+          <p:cNvPr id="338" name="Google Shape;338;g12e4c1fbdd8_0_335:notes"/>
           <p:cNvSpPr/>
           <p:nvPr>
             <p:ph idx="2" type="sldImg"/>
@@ -2351,7 +2351,7 @@
       </p:sp>
       <p:sp>
         <p:nvSpPr>
-          <p:cNvPr id="337" name="Google Shape;337;g12e4c1fbdd8_0_335:notes"/>
+          <p:cNvPr id="339" name="Google Shape;339;g12e4c1fbdd8_0_335:notes"/>
           <p:cNvSpPr txBox="1"/>
           <p:nvPr>
             <p:ph idx="1" type="body"/>
@@ -2401,7 +2401,7 @@
   <p:cSld>
     <p:spTree>
       <p:nvGrpSpPr>
-        <p:cNvPr id="344" name="Shape 344"/>
+        <p:cNvPr id="346" name="Shape 346"/>
         <p:cNvGrpSpPr/>
         <p:nvPr/>
       </p:nvGrpSpPr>
@@ -2415,7 +2415,7 @@
       </p:grpSpPr>
       <p:sp>
         <p:nvSpPr>
-          <p:cNvPr id="345" name="Google Shape;345;g12e9065bde7_1_23:notes"/>
+          <p:cNvPr id="347" name="Google Shape;347;g12e9065bde7_1_23:notes"/>
           <p:cNvSpPr/>
           <p:nvPr>
             <p:ph idx="2" type="sldImg"/>
@@ -2450,7 +2450,7 @@
       </p:sp>
       <p:sp>
         <p:nvSpPr>
-          <p:cNvPr id="346" name="Google Shape;346;g12e9065bde7_1_23:notes"/>
+          <p:cNvPr id="348" name="Google Shape;348;g12e9065bde7_1_23:notes"/>
           <p:cNvSpPr txBox="1"/>
           <p:nvPr>
             <p:ph idx="1" type="body"/>
@@ -2500,7 +2500,7 @@
   <p:cSld>
     <p:spTree>
       <p:nvGrpSpPr>
-        <p:cNvPr id="353" name="Shape 353"/>
+        <p:cNvPr id="355" name="Shape 355"/>
         <p:cNvGrpSpPr/>
         <p:nvPr/>
       </p:nvGrpSpPr>
@@ -2514,7 +2514,7 @@
       </p:grpSpPr>
       <p:sp>
         <p:nvSpPr>
-          <p:cNvPr id="354" name="Google Shape;354;g12e9065bde7_4_1:notes"/>
+          <p:cNvPr id="356" name="Google Shape;356;g12e9065bde7_4_1:notes"/>
           <p:cNvSpPr/>
           <p:nvPr>
             <p:ph idx="2" type="sldImg"/>
@@ -2549,7 +2549,7 @@
       </p:sp>
       <p:sp>
         <p:nvSpPr>
-          <p:cNvPr id="355" name="Google Shape;355;g12e9065bde7_4_1:notes"/>
+          <p:cNvPr id="357" name="Google Shape;357;g12e9065bde7_4_1:notes"/>
           <p:cNvSpPr txBox="1"/>
           <p:nvPr>
             <p:ph idx="1" type="body"/>
@@ -2599,7 +2599,7 @@
   <p:cSld>
     <p:spTree>
       <p:nvGrpSpPr>
-        <p:cNvPr id="360" name="Shape 360"/>
+        <p:cNvPr id="362" name="Shape 362"/>
         <p:cNvGrpSpPr/>
         <p:nvPr/>
       </p:nvGrpSpPr>
@@ -2613,7 +2613,7 @@
       </p:grpSpPr>
       <p:sp>
         <p:nvSpPr>
-          <p:cNvPr id="361" name="Google Shape;361;g12e9065bde7_4_31:notes"/>
+          <p:cNvPr id="363" name="Google Shape;363;g12e9065bde7_4_31:notes"/>
           <p:cNvSpPr txBox="1"/>
           <p:nvPr>
             <p:ph idx="1" type="body"/>
@@ -2652,7 +2652,7 @@
       </p:sp>
       <p:sp>
         <p:nvSpPr>
-          <p:cNvPr id="362" name="Google Shape;362;g12e9065bde7_4_31:notes"/>
+          <p:cNvPr id="364" name="Google Shape;364;g12e9065bde7_4_31:notes"/>
           <p:cNvSpPr/>
           <p:nvPr>
             <p:ph idx="2" type="sldImg"/>
@@ -3094,7 +3094,7 @@
   <p:cSld>
     <p:spTree>
       <p:nvGrpSpPr>
-        <p:cNvPr id="152" name="Shape 152"/>
+        <p:cNvPr id="153" name="Shape 153"/>
         <p:cNvGrpSpPr/>
         <p:nvPr/>
       </p:nvGrpSpPr>
@@ -3108,7 +3108,7 @@
       </p:grpSpPr>
       <p:sp>
         <p:nvSpPr>
-          <p:cNvPr id="153" name="Google Shape;153;g12e9065bde7_10_2:notes"/>
+          <p:cNvPr id="154" name="Google Shape;154;g12e9065bde7_10_2:notes"/>
           <p:cNvSpPr/>
           <p:nvPr>
             <p:ph idx="2" type="sldImg"/>
@@ -3143,7 +3143,7 @@
       </p:sp>
       <p:sp>
         <p:nvSpPr>
-          <p:cNvPr id="154" name="Google Shape;154;g12e9065bde7_10_2:notes"/>
+          <p:cNvPr id="155" name="Google Shape;155;g12e9065bde7_10_2:notes"/>
           <p:cNvSpPr txBox="1"/>
           <p:nvPr>
             <p:ph idx="1" type="body"/>
@@ -3193,7 +3193,7 @@
   <p:cSld>
     <p:spTree>
       <p:nvGrpSpPr>
-        <p:cNvPr id="168" name="Shape 168"/>
+        <p:cNvPr id="170" name="Shape 170"/>
         <p:cNvGrpSpPr/>
         <p:nvPr/>
       </p:nvGrpSpPr>
@@ -3207,7 +3207,7 @@
       </p:grpSpPr>
       <p:sp>
         <p:nvSpPr>
-          <p:cNvPr id="169" name="Google Shape;169;g12e4c1fbdd8_0_369:notes"/>
+          <p:cNvPr id="171" name="Google Shape;171;g12e4c1fbdd8_0_369:notes"/>
           <p:cNvSpPr/>
           <p:nvPr>
             <p:ph idx="2" type="sldImg"/>
@@ -3242,7 +3242,7 @@
       </p:sp>
       <p:sp>
         <p:nvSpPr>
-          <p:cNvPr id="170" name="Google Shape;170;g12e4c1fbdd8_0_369:notes"/>
+          <p:cNvPr id="172" name="Google Shape;172;g12e4c1fbdd8_0_369:notes"/>
           <p:cNvSpPr txBox="1"/>
           <p:nvPr>
             <p:ph idx="1" type="body"/>
@@ -3292,7 +3292,7 @@
   <p:cSld>
     <p:spTree>
       <p:nvGrpSpPr>
-        <p:cNvPr id="179" name="Shape 179"/>
+        <p:cNvPr id="181" name="Shape 181"/>
         <p:cNvGrpSpPr/>
         <p:nvPr/>
       </p:nvGrpSpPr>
@@ -3306,7 +3306,7 @@
       </p:grpSpPr>
       <p:sp>
         <p:nvSpPr>
-          <p:cNvPr id="180" name="Google Shape;180;g12e4c1fbdd8_0_374:notes"/>
+          <p:cNvPr id="182" name="Google Shape;182;g12e4c1fbdd8_0_374:notes"/>
           <p:cNvSpPr/>
           <p:nvPr>
             <p:ph idx="2" type="sldImg"/>
@@ -3341,7 +3341,7 @@
       </p:sp>
       <p:sp>
         <p:nvSpPr>
-          <p:cNvPr id="181" name="Google Shape;181;g12e4c1fbdd8_0_374:notes"/>
+          <p:cNvPr id="183" name="Google Shape;183;g12e4c1fbdd8_0_374:notes"/>
           <p:cNvSpPr txBox="1"/>
           <p:nvPr>
             <p:ph idx="1" type="body"/>
@@ -15005,7 +15005,7 @@
   <p:cSld>
     <p:spTree>
       <p:nvGrpSpPr>
-        <p:cNvPr id="190" name="Shape 190"/>
+        <p:cNvPr id="192" name="Shape 192"/>
         <p:cNvGrpSpPr/>
         <p:nvPr/>
       </p:nvGrpSpPr>
@@ -15019,7 +15019,7 @@
       </p:grpSpPr>
       <p:sp>
         <p:nvSpPr>
-          <p:cNvPr id="191" name="Google Shape;191;p29"/>
+          <p:cNvPr id="193" name="Google Shape;193;p29"/>
           <p:cNvSpPr txBox="1"/>
           <p:nvPr>
             <p:ph type="title"/>
@@ -15059,7 +15059,7 @@
       </p:sp>
       <p:sp>
         <p:nvSpPr>
-          <p:cNvPr id="192" name="Google Shape;192;p29"/>
+          <p:cNvPr id="194" name="Google Shape;194;p29"/>
           <p:cNvSpPr txBox="1"/>
           <p:nvPr>
             <p:ph idx="12" type="sldNum"/>
@@ -15103,7 +15103,7 @@
       </p:sp>
       <p:pic>
         <p:nvPicPr>
-          <p:cNvPr id="193" name="Google Shape;193;p29"/>
+          <p:cNvPr id="195" name="Google Shape;195;p29"/>
           <p:cNvPicPr preferRelativeResize="0"/>
           <p:nvPr/>
         </p:nvPicPr>
@@ -15131,7 +15131,7 @@
       </p:pic>
       <p:pic>
         <p:nvPicPr>
-          <p:cNvPr id="194" name="Google Shape;194;p29"/>
+          <p:cNvPr id="196" name="Google Shape;196;p29"/>
           <p:cNvPicPr preferRelativeResize="0"/>
           <p:nvPr/>
         </p:nvPicPr>
@@ -15159,7 +15159,7 @@
       </p:pic>
       <p:pic>
         <p:nvPicPr>
-          <p:cNvPr id="195" name="Google Shape;195;p29"/>
+          <p:cNvPr id="197" name="Google Shape;197;p29"/>
           <p:cNvPicPr preferRelativeResize="0"/>
           <p:nvPr/>
         </p:nvPicPr>
@@ -15187,7 +15187,7 @@
       </p:pic>
       <p:sp>
         <p:nvSpPr>
-          <p:cNvPr id="196" name="Google Shape;196;p29"/>
+          <p:cNvPr id="198" name="Google Shape;198;p29"/>
           <p:cNvSpPr/>
           <p:nvPr/>
         </p:nvSpPr>
@@ -15242,7 +15242,7 @@
       </p:sp>
       <p:sp>
         <p:nvSpPr>
-          <p:cNvPr id="197" name="Google Shape;197;p29"/>
+          <p:cNvPr id="199" name="Google Shape;199;p29"/>
           <p:cNvSpPr/>
           <p:nvPr/>
         </p:nvSpPr>
@@ -15294,7 +15294,7 @@
       </p:sp>
       <p:pic>
         <p:nvPicPr>
-          <p:cNvPr id="198" name="Google Shape;198;p29"/>
+          <p:cNvPr id="200" name="Google Shape;200;p29"/>
           <p:cNvPicPr preferRelativeResize="0"/>
           <p:nvPr/>
         </p:nvPicPr>
@@ -15322,7 +15322,7 @@
       </p:pic>
       <p:sp>
         <p:nvSpPr>
-          <p:cNvPr id="199" name="Google Shape;199;p29"/>
+          <p:cNvPr id="201" name="Google Shape;201;p29"/>
           <p:cNvSpPr txBox="1"/>
           <p:nvPr>
             <p:ph idx="12" type="sldNum"/>
@@ -15382,7 +15382,7 @@
   <p:cSld>
     <p:spTree>
       <p:nvGrpSpPr>
-        <p:cNvPr id="203" name="Shape 203"/>
+        <p:cNvPr id="205" name="Shape 205"/>
         <p:cNvGrpSpPr/>
         <p:nvPr/>
       </p:nvGrpSpPr>
@@ -15396,7 +15396,7 @@
       </p:grpSpPr>
       <p:sp>
         <p:nvSpPr>
-          <p:cNvPr id="204" name="Google Shape;204;p30"/>
+          <p:cNvPr id="206" name="Google Shape;206;p30"/>
           <p:cNvSpPr txBox="1"/>
           <p:nvPr>
             <p:ph type="title"/>
@@ -15441,7 +15441,7 @@
       </p:sp>
       <p:sp>
         <p:nvSpPr>
-          <p:cNvPr id="205" name="Google Shape;205;p30"/>
+          <p:cNvPr id="207" name="Google Shape;207;p30"/>
           <p:cNvSpPr txBox="1"/>
           <p:nvPr>
             <p:ph idx="12" type="sldNum"/>
@@ -15485,7 +15485,7 @@
       </p:sp>
       <p:pic>
         <p:nvPicPr>
-          <p:cNvPr id="206" name="Google Shape;206;p30"/>
+          <p:cNvPr id="208" name="Google Shape;208;p30"/>
           <p:cNvPicPr preferRelativeResize="0"/>
           <p:nvPr/>
         </p:nvPicPr>
@@ -15513,7 +15513,7 @@
       </p:pic>
       <p:pic>
         <p:nvPicPr>
-          <p:cNvPr id="207" name="Google Shape;207;p30"/>
+          <p:cNvPr id="209" name="Google Shape;209;p30"/>
           <p:cNvPicPr preferRelativeResize="0"/>
           <p:nvPr/>
         </p:nvPicPr>
@@ -15541,7 +15541,7 @@
       </p:pic>
       <p:sp>
         <p:nvSpPr>
-          <p:cNvPr id="208" name="Google Shape;208;p30"/>
+          <p:cNvPr id="210" name="Google Shape;210;p30"/>
           <p:cNvSpPr/>
           <p:nvPr/>
         </p:nvSpPr>
@@ -15593,7 +15593,7 @@
       </p:sp>
       <p:sp>
         <p:nvSpPr>
-          <p:cNvPr id="209" name="Google Shape;209;p30"/>
+          <p:cNvPr id="211" name="Google Shape;211;p30"/>
           <p:cNvSpPr txBox="1"/>
           <p:nvPr>
             <p:ph idx="12" type="sldNum"/>
@@ -15653,7 +15653,7 @@
   <p:cSld>
     <p:spTree>
       <p:nvGrpSpPr>
-        <p:cNvPr id="213" name="Shape 213"/>
+        <p:cNvPr id="215" name="Shape 215"/>
         <p:cNvGrpSpPr/>
         <p:nvPr/>
       </p:nvGrpSpPr>
@@ -15667,7 +15667,7 @@
       </p:grpSpPr>
       <p:sp>
         <p:nvSpPr>
-          <p:cNvPr id="214" name="Google Shape;214;p31"/>
+          <p:cNvPr id="216" name="Google Shape;216;p31"/>
           <p:cNvSpPr txBox="1"/>
           <p:nvPr>
             <p:ph type="title"/>
@@ -15712,7 +15712,7 @@
       </p:sp>
       <p:sp>
         <p:nvSpPr>
-          <p:cNvPr id="215" name="Google Shape;215;p31"/>
+          <p:cNvPr id="217" name="Google Shape;217;p31"/>
           <p:cNvSpPr txBox="1"/>
           <p:nvPr>
             <p:ph idx="12" type="sldNum"/>
@@ -15756,7 +15756,7 @@
       </p:sp>
       <p:pic>
         <p:nvPicPr>
-          <p:cNvPr id="216" name="Google Shape;216;p31"/>
+          <p:cNvPr id="218" name="Google Shape;218;p31"/>
           <p:cNvPicPr preferRelativeResize="0"/>
           <p:nvPr/>
         </p:nvPicPr>
@@ -15784,7 +15784,7 @@
       </p:pic>
       <p:sp>
         <p:nvSpPr>
-          <p:cNvPr id="217" name="Google Shape;217;p31"/>
+          <p:cNvPr id="219" name="Google Shape;219;p31"/>
           <p:cNvSpPr/>
           <p:nvPr/>
         </p:nvSpPr>
@@ -15836,7 +15836,7 @@
       </p:sp>
       <p:pic>
         <p:nvPicPr>
-          <p:cNvPr id="218" name="Google Shape;218;p31"/>
+          <p:cNvPr id="220" name="Google Shape;220;p31"/>
           <p:cNvPicPr preferRelativeResize="0"/>
           <p:nvPr/>
         </p:nvPicPr>
@@ -15864,7 +15864,7 @@
       </p:pic>
       <p:sp>
         <p:nvSpPr>
-          <p:cNvPr id="219" name="Google Shape;219;p31"/>
+          <p:cNvPr id="221" name="Google Shape;221;p31"/>
           <p:cNvSpPr txBox="1"/>
           <p:nvPr>
             <p:ph idx="12" type="sldNum"/>
@@ -15924,7 +15924,7 @@
   <p:cSld>
     <p:spTree>
       <p:nvGrpSpPr>
-        <p:cNvPr id="223" name="Shape 223"/>
+        <p:cNvPr id="225" name="Shape 225"/>
         <p:cNvGrpSpPr/>
         <p:nvPr/>
       </p:nvGrpSpPr>
@@ -15938,7 +15938,7 @@
       </p:grpSpPr>
       <p:sp>
         <p:nvSpPr>
-          <p:cNvPr id="224" name="Google Shape;224;p32"/>
+          <p:cNvPr id="226" name="Google Shape;226;p32"/>
           <p:cNvSpPr txBox="1"/>
           <p:nvPr>
             <p:ph type="title"/>
@@ -15983,7 +15983,7 @@
       </p:sp>
       <p:sp>
         <p:nvSpPr>
-          <p:cNvPr id="225" name="Google Shape;225;p32"/>
+          <p:cNvPr id="227" name="Google Shape;227;p32"/>
           <p:cNvSpPr txBox="1"/>
           <p:nvPr>
             <p:ph idx="12" type="sldNum"/>
@@ -16027,7 +16027,7 @@
       </p:sp>
       <p:pic>
         <p:nvPicPr>
-          <p:cNvPr id="226" name="Google Shape;226;p32"/>
+          <p:cNvPr id="228" name="Google Shape;228;p32"/>
           <p:cNvPicPr preferRelativeResize="0"/>
           <p:nvPr/>
         </p:nvPicPr>
@@ -16055,7 +16055,7 @@
       </p:pic>
       <p:sp>
         <p:nvSpPr>
-          <p:cNvPr id="227" name="Google Shape;227;p32"/>
+          <p:cNvPr id="229" name="Google Shape;229;p32"/>
           <p:cNvSpPr/>
           <p:nvPr/>
         </p:nvSpPr>
@@ -16107,7 +16107,7 @@
       </p:sp>
       <p:pic>
         <p:nvPicPr>
-          <p:cNvPr id="228" name="Google Shape;228;p32"/>
+          <p:cNvPr id="230" name="Google Shape;230;p32"/>
           <p:cNvPicPr preferRelativeResize="0"/>
           <p:nvPr/>
         </p:nvPicPr>
@@ -16135,7 +16135,7 @@
       </p:pic>
       <p:sp>
         <p:nvSpPr>
-          <p:cNvPr id="229" name="Google Shape;229;p32"/>
+          <p:cNvPr id="231" name="Google Shape;231;p32"/>
           <p:cNvSpPr txBox="1"/>
           <p:nvPr>
             <p:ph idx="12" type="sldNum"/>
@@ -16195,7 +16195,7 @@
   <p:cSld>
     <p:spTree>
       <p:nvGrpSpPr>
-        <p:cNvPr id="233" name="Shape 233"/>
+        <p:cNvPr id="235" name="Shape 235"/>
         <p:cNvGrpSpPr/>
         <p:nvPr/>
       </p:nvGrpSpPr>
@@ -16209,7 +16209,7 @@
       </p:grpSpPr>
       <p:sp>
         <p:nvSpPr>
-          <p:cNvPr id="234" name="Google Shape;234;p33"/>
+          <p:cNvPr id="236" name="Google Shape;236;p33"/>
           <p:cNvSpPr txBox="1"/>
           <p:nvPr>
             <p:ph type="title"/>
@@ -16249,7 +16249,7 @@
       </p:sp>
       <p:sp>
         <p:nvSpPr>
-          <p:cNvPr id="235" name="Google Shape;235;p33"/>
+          <p:cNvPr id="237" name="Google Shape;237;p33"/>
           <p:cNvSpPr txBox="1"/>
           <p:nvPr>
             <p:ph idx="1" type="body"/>
@@ -16289,7 +16289,7 @@
       </p:sp>
       <p:pic>
         <p:nvPicPr>
-          <p:cNvPr id="236" name="Google Shape;236;p33"/>
+          <p:cNvPr id="238" name="Google Shape;238;p33"/>
           <p:cNvPicPr preferRelativeResize="0"/>
           <p:nvPr/>
         </p:nvPicPr>
@@ -16317,7 +16317,7 @@
       </p:pic>
       <p:sp>
         <p:nvSpPr>
-          <p:cNvPr id="237" name="Google Shape;237;p33"/>
+          <p:cNvPr id="239" name="Google Shape;239;p33"/>
           <p:cNvSpPr txBox="1"/>
           <p:nvPr>
             <p:ph idx="12" type="sldNum"/>
@@ -16361,7 +16361,7 @@
       </p:sp>
       <p:sp>
         <p:nvSpPr>
-          <p:cNvPr id="238" name="Google Shape;238;p33"/>
+          <p:cNvPr id="240" name="Google Shape;240;p33"/>
           <p:cNvSpPr/>
           <p:nvPr/>
         </p:nvSpPr>
@@ -16413,7 +16413,7 @@
       </p:sp>
       <p:sp>
         <p:nvSpPr>
-          <p:cNvPr id="239" name="Google Shape;239;p33"/>
+          <p:cNvPr id="241" name="Google Shape;241;p33"/>
           <p:cNvSpPr/>
           <p:nvPr/>
         </p:nvSpPr>
@@ -16465,7 +16465,7 @@
       </p:sp>
       <p:sp>
         <p:nvSpPr>
-          <p:cNvPr id="240" name="Google Shape;240;p33"/>
+          <p:cNvPr id="242" name="Google Shape;242;p33"/>
           <p:cNvSpPr txBox="1"/>
           <p:nvPr>
             <p:ph idx="12" type="sldNum"/>
@@ -16521,7 +16521,7 @@
   <p:cSld>
     <p:spTree>
       <p:nvGrpSpPr>
-        <p:cNvPr id="244" name="Shape 244"/>
+        <p:cNvPr id="246" name="Shape 246"/>
         <p:cNvGrpSpPr/>
         <p:nvPr/>
       </p:nvGrpSpPr>
@@ -16535,7 +16535,7 @@
       </p:grpSpPr>
       <p:sp>
         <p:nvSpPr>
-          <p:cNvPr id="245" name="Google Shape;245;p34"/>
+          <p:cNvPr id="247" name="Google Shape;247;p34"/>
           <p:cNvSpPr txBox="1"/>
           <p:nvPr>
             <p:ph type="title"/>
@@ -16575,7 +16575,7 @@
       </p:sp>
       <p:sp>
         <p:nvSpPr>
-          <p:cNvPr id="246" name="Google Shape;246;p34"/>
+          <p:cNvPr id="248" name="Google Shape;248;p34"/>
           <p:cNvSpPr txBox="1"/>
           <p:nvPr>
             <p:ph idx="12" type="sldNum"/>
@@ -16619,7 +16619,7 @@
       </p:sp>
       <p:pic>
         <p:nvPicPr>
-          <p:cNvPr id="247" name="Google Shape;247;p34"/>
+          <p:cNvPr id="249" name="Google Shape;249;p34"/>
           <p:cNvPicPr preferRelativeResize="0"/>
           <p:nvPr/>
         </p:nvPicPr>
@@ -16647,7 +16647,7 @@
       </p:pic>
       <p:sp>
         <p:nvSpPr>
-          <p:cNvPr id="248" name="Google Shape;248;p34"/>
+          <p:cNvPr id="250" name="Google Shape;250;p34"/>
           <p:cNvSpPr txBox="1"/>
           <p:nvPr>
             <p:ph idx="12" type="sldNum"/>
@@ -16707,7 +16707,7 @@
   <p:cSld>
     <p:spTree>
       <p:nvGrpSpPr>
-        <p:cNvPr id="252" name="Shape 252"/>
+        <p:cNvPr id="254" name="Shape 254"/>
         <p:cNvGrpSpPr/>
         <p:nvPr/>
       </p:nvGrpSpPr>
@@ -16721,7 +16721,7 @@
       </p:grpSpPr>
       <p:sp>
         <p:nvSpPr>
-          <p:cNvPr id="253" name="Google Shape;253;p35"/>
+          <p:cNvPr id="255" name="Google Shape;255;p35"/>
           <p:cNvSpPr txBox="1"/>
           <p:nvPr>
             <p:ph type="title"/>
@@ -16761,7 +16761,7 @@
       </p:sp>
       <p:sp>
         <p:nvSpPr>
-          <p:cNvPr id="254" name="Google Shape;254;p35"/>
+          <p:cNvPr id="256" name="Google Shape;256;p35"/>
           <p:cNvSpPr txBox="1"/>
           <p:nvPr>
             <p:ph idx="12" type="sldNum"/>
@@ -16805,7 +16805,7 @@
       </p:sp>
       <p:pic>
         <p:nvPicPr>
-          <p:cNvPr id="255" name="Google Shape;255;p35"/>
+          <p:cNvPr id="257" name="Google Shape;257;p35"/>
           <p:cNvPicPr preferRelativeResize="0"/>
           <p:nvPr/>
         </p:nvPicPr>
@@ -16833,7 +16833,7 @@
       </p:pic>
       <p:pic>
         <p:nvPicPr>
-          <p:cNvPr id="256" name="Google Shape;256;p35"/>
+          <p:cNvPr id="258" name="Google Shape;258;p35"/>
           <p:cNvPicPr preferRelativeResize="0"/>
           <p:nvPr/>
         </p:nvPicPr>
@@ -16861,7 +16861,7 @@
       </p:pic>
       <p:pic>
         <p:nvPicPr>
-          <p:cNvPr id="257" name="Google Shape;257;p35"/>
+          <p:cNvPr id="259" name="Google Shape;259;p35"/>
           <p:cNvPicPr preferRelativeResize="0"/>
           <p:nvPr/>
         </p:nvPicPr>
@@ -16889,7 +16889,7 @@
       </p:pic>
       <p:sp>
         <p:nvSpPr>
-          <p:cNvPr id="258" name="Google Shape;258;p35"/>
+          <p:cNvPr id="260" name="Google Shape;260;p35"/>
           <p:cNvSpPr/>
           <p:nvPr/>
         </p:nvSpPr>
@@ -16941,7 +16941,7 @@
       </p:sp>
       <p:sp>
         <p:nvSpPr>
-          <p:cNvPr id="259" name="Google Shape;259;p35"/>
+          <p:cNvPr id="261" name="Google Shape;261;p35"/>
           <p:cNvSpPr/>
           <p:nvPr/>
         </p:nvSpPr>
@@ -16993,7 +16993,7 @@
       </p:sp>
       <p:sp>
         <p:nvSpPr>
-          <p:cNvPr id="260" name="Google Shape;260;p35"/>
+          <p:cNvPr id="262" name="Google Shape;262;p35"/>
           <p:cNvSpPr/>
           <p:nvPr/>
         </p:nvSpPr>
@@ -17045,7 +17045,7 @@
       </p:sp>
       <p:pic>
         <p:nvPicPr>
-          <p:cNvPr id="261" name="Google Shape;261;p35"/>
+          <p:cNvPr id="263" name="Google Shape;263;p35"/>
           <p:cNvPicPr preferRelativeResize="0"/>
           <p:nvPr/>
         </p:nvPicPr>
@@ -17073,7 +17073,7 @@
       </p:pic>
       <p:pic>
         <p:nvPicPr>
-          <p:cNvPr id="262" name="Google Shape;262;p35"/>
+          <p:cNvPr id="264" name="Google Shape;264;p35"/>
           <p:cNvPicPr preferRelativeResize="0"/>
           <p:nvPr/>
         </p:nvPicPr>
@@ -17101,7 +17101,7 @@
       </p:pic>
       <p:pic>
         <p:nvPicPr>
-          <p:cNvPr id="263" name="Google Shape;263;p35"/>
+          <p:cNvPr id="265" name="Google Shape;265;p35"/>
           <p:cNvPicPr preferRelativeResize="0"/>
           <p:nvPr/>
         </p:nvPicPr>
@@ -17129,7 +17129,7 @@
       </p:pic>
       <p:sp>
         <p:nvSpPr>
-          <p:cNvPr id="264" name="Google Shape;264;p35"/>
+          <p:cNvPr id="266" name="Google Shape;266;p35"/>
           <p:cNvSpPr txBox="1"/>
           <p:nvPr>
             <p:ph idx="12" type="sldNum"/>
@@ -17185,7 +17185,7 @@
   <p:cSld>
     <p:spTree>
       <p:nvGrpSpPr>
-        <p:cNvPr id="268" name="Shape 268"/>
+        <p:cNvPr id="270" name="Shape 270"/>
         <p:cNvGrpSpPr/>
         <p:nvPr/>
       </p:nvGrpSpPr>
@@ -17199,7 +17199,7 @@
       </p:grpSpPr>
       <p:sp>
         <p:nvSpPr>
-          <p:cNvPr id="269" name="Google Shape;269;p36"/>
+          <p:cNvPr id="271" name="Google Shape;271;p36"/>
           <p:cNvSpPr txBox="1"/>
           <p:nvPr>
             <p:ph type="title"/>
@@ -17244,7 +17244,7 @@
       </p:sp>
       <p:sp>
         <p:nvSpPr>
-          <p:cNvPr id="270" name="Google Shape;270;p36"/>
+          <p:cNvPr id="272" name="Google Shape;272;p36"/>
           <p:cNvSpPr txBox="1"/>
           <p:nvPr>
             <p:ph idx="12" type="sldNum"/>
@@ -17288,7 +17288,7 @@
       </p:sp>
       <p:pic>
         <p:nvPicPr>
-          <p:cNvPr id="271" name="Google Shape;271;p36"/>
+          <p:cNvPr id="273" name="Google Shape;273;p36"/>
           <p:cNvPicPr preferRelativeResize="0"/>
           <p:nvPr/>
         </p:nvPicPr>
@@ -17316,7 +17316,7 @@
       </p:pic>
       <p:sp>
         <p:nvSpPr>
-          <p:cNvPr id="272" name="Google Shape;272;p36"/>
+          <p:cNvPr id="274" name="Google Shape;274;p36"/>
           <p:cNvSpPr/>
           <p:nvPr/>
         </p:nvSpPr>
@@ -17368,7 +17368,7 @@
       </p:sp>
       <p:pic>
         <p:nvPicPr>
-          <p:cNvPr id="273" name="Google Shape;273;p36"/>
+          <p:cNvPr id="275" name="Google Shape;275;p36"/>
           <p:cNvPicPr preferRelativeResize="0"/>
           <p:nvPr/>
         </p:nvPicPr>
@@ -17396,7 +17396,7 @@
       </p:pic>
       <p:sp>
         <p:nvSpPr>
-          <p:cNvPr id="274" name="Google Shape;274;p36"/>
+          <p:cNvPr id="276" name="Google Shape;276;p36"/>
           <p:cNvSpPr txBox="1"/>
           <p:nvPr>
             <p:ph idx="12" type="sldNum"/>
@@ -17452,7 +17452,7 @@
   <p:cSld>
     <p:spTree>
       <p:nvGrpSpPr>
-        <p:cNvPr id="278" name="Shape 278"/>
+        <p:cNvPr id="280" name="Shape 280"/>
         <p:cNvGrpSpPr/>
         <p:nvPr/>
       </p:nvGrpSpPr>
@@ -17466,7 +17466,7 @@
       </p:grpSpPr>
       <p:sp>
         <p:nvSpPr>
-          <p:cNvPr id="279" name="Google Shape;279;p37"/>
+          <p:cNvPr id="281" name="Google Shape;281;p37"/>
           <p:cNvSpPr txBox="1"/>
           <p:nvPr>
             <p:ph type="title"/>
@@ -17511,7 +17511,7 @@
       </p:sp>
       <p:sp>
         <p:nvSpPr>
-          <p:cNvPr id="280" name="Google Shape;280;p37"/>
+          <p:cNvPr id="282" name="Google Shape;282;p37"/>
           <p:cNvSpPr txBox="1"/>
           <p:nvPr>
             <p:ph idx="12" type="sldNum"/>
@@ -17555,7 +17555,7 @@
       </p:sp>
       <p:pic>
         <p:nvPicPr>
-          <p:cNvPr id="281" name="Google Shape;281;p37"/>
+          <p:cNvPr id="283" name="Google Shape;283;p37"/>
           <p:cNvPicPr preferRelativeResize="0"/>
           <p:nvPr/>
         </p:nvPicPr>
@@ -17583,7 +17583,7 @@
       </p:pic>
       <p:pic>
         <p:nvPicPr>
-          <p:cNvPr id="282" name="Google Shape;282;p37"/>
+          <p:cNvPr id="284" name="Google Shape;284;p37"/>
           <p:cNvPicPr preferRelativeResize="0"/>
           <p:nvPr/>
         </p:nvPicPr>
@@ -17611,7 +17611,7 @@
       </p:pic>
       <p:pic>
         <p:nvPicPr>
-          <p:cNvPr id="283" name="Google Shape;283;p37"/>
+          <p:cNvPr id="285" name="Google Shape;285;p37"/>
           <p:cNvPicPr preferRelativeResize="0"/>
           <p:nvPr/>
         </p:nvPicPr>
@@ -17639,7 +17639,7 @@
       </p:pic>
       <p:sp>
         <p:nvSpPr>
-          <p:cNvPr id="284" name="Google Shape;284;p37"/>
+          <p:cNvPr id="286" name="Google Shape;286;p37"/>
           <p:cNvSpPr/>
           <p:nvPr/>
         </p:nvSpPr>
@@ -17688,7 +17688,7 @@
       </p:sp>
       <p:sp>
         <p:nvSpPr>
-          <p:cNvPr id="285" name="Google Shape;285;p37"/>
+          <p:cNvPr id="287" name="Google Shape;287;p37"/>
           <p:cNvSpPr txBox="1"/>
           <p:nvPr>
             <p:ph idx="12" type="sldNum"/>
@@ -17744,7 +17744,7 @@
   <p:cSld>
     <p:spTree>
       <p:nvGrpSpPr>
-        <p:cNvPr id="289" name="Shape 289"/>
+        <p:cNvPr id="291" name="Shape 291"/>
         <p:cNvGrpSpPr/>
         <p:nvPr/>
       </p:nvGrpSpPr>
@@ -17758,7 +17758,7 @@
       </p:grpSpPr>
       <p:sp>
         <p:nvSpPr>
-          <p:cNvPr id="290" name="Google Shape;290;p38"/>
+          <p:cNvPr id="292" name="Google Shape;292;p38"/>
           <p:cNvSpPr txBox="1"/>
           <p:nvPr>
             <p:ph idx="12" type="sldNum"/>
@@ -17802,7 +17802,7 @@
       </p:sp>
       <p:sp>
         <p:nvSpPr>
-          <p:cNvPr id="291" name="Google Shape;291;p38"/>
+          <p:cNvPr id="293" name="Google Shape;293;p38"/>
           <p:cNvSpPr txBox="1"/>
           <p:nvPr>
             <p:ph type="title"/>
@@ -17846,7 +17846,7 @@
       </p:sp>
       <p:pic>
         <p:nvPicPr>
-          <p:cNvPr id="292" name="Google Shape;292;p38"/>
+          <p:cNvPr id="294" name="Google Shape;294;p38"/>
           <p:cNvPicPr preferRelativeResize="0"/>
           <p:nvPr/>
         </p:nvPicPr>
@@ -17874,7 +17874,7 @@
       </p:pic>
       <p:pic>
         <p:nvPicPr>
-          <p:cNvPr id="293" name="Google Shape;293;p38"/>
+          <p:cNvPr id="295" name="Google Shape;295;p38"/>
           <p:cNvPicPr preferRelativeResize="0"/>
           <p:nvPr/>
         </p:nvPicPr>
@@ -17902,7 +17902,7 @@
       </p:pic>
       <p:sp>
         <p:nvSpPr>
-          <p:cNvPr id="294" name="Google Shape;294;p38"/>
+          <p:cNvPr id="296" name="Google Shape;296;p38"/>
           <p:cNvSpPr/>
           <p:nvPr/>
         </p:nvSpPr>
@@ -17954,7 +17954,7 @@
       </p:sp>
       <p:sp>
         <p:nvSpPr>
-          <p:cNvPr id="295" name="Google Shape;295;p38"/>
+          <p:cNvPr id="297" name="Google Shape;297;p38"/>
           <p:cNvSpPr txBox="1"/>
           <p:nvPr>
             <p:ph idx="12" type="sldNum"/>
@@ -18571,7 +18571,7 @@
   <p:cSld>
     <p:spTree>
       <p:nvGrpSpPr>
-        <p:cNvPr id="299" name="Shape 299"/>
+        <p:cNvPr id="301" name="Shape 301"/>
         <p:cNvGrpSpPr/>
         <p:nvPr/>
       </p:nvGrpSpPr>
@@ -18585,7 +18585,7 @@
       </p:grpSpPr>
       <p:sp>
         <p:nvSpPr>
-          <p:cNvPr id="300" name="Google Shape;300;p39"/>
+          <p:cNvPr id="302" name="Google Shape;302;p39"/>
           <p:cNvSpPr txBox="1"/>
           <p:nvPr>
             <p:ph type="title"/>
@@ -18659,7 +18659,7 @@
       </p:sp>
       <p:sp>
         <p:nvSpPr>
-          <p:cNvPr id="301" name="Google Shape;301;p39"/>
+          <p:cNvPr id="303" name="Google Shape;303;p39"/>
           <p:cNvSpPr txBox="1"/>
           <p:nvPr>
             <p:ph idx="11" type="ftr"/>
@@ -18703,7 +18703,7 @@
       </p:sp>
       <p:sp>
         <p:nvSpPr>
-          <p:cNvPr id="302" name="Google Shape;302;p39"/>
+          <p:cNvPr id="304" name="Google Shape;304;p39"/>
           <p:cNvSpPr txBox="1"/>
           <p:nvPr>
             <p:ph idx="12" type="sldNum"/>
@@ -18765,7 +18765,7 @@
   <p:cSld>
     <p:spTree>
       <p:nvGrpSpPr>
-        <p:cNvPr id="306" name="Shape 306"/>
+        <p:cNvPr id="308" name="Shape 308"/>
         <p:cNvGrpSpPr/>
         <p:nvPr/>
       </p:nvGrpSpPr>
@@ -18779,7 +18779,7 @@
       </p:grpSpPr>
       <p:sp>
         <p:nvSpPr>
-          <p:cNvPr id="307" name="Google Shape;307;p40"/>
+          <p:cNvPr id="309" name="Google Shape;309;p40"/>
           <p:cNvSpPr txBox="1"/>
           <p:nvPr>
             <p:ph idx="1" type="body"/>
@@ -19024,7 +19024,7 @@
       </p:sp>
       <p:sp>
         <p:nvSpPr>
-          <p:cNvPr id="308" name="Google Shape;308;p40"/>
+          <p:cNvPr id="310" name="Google Shape;310;p40"/>
           <p:cNvSpPr txBox="1"/>
           <p:nvPr/>
         </p:nvSpPr>
@@ -19076,7 +19076,7 @@
       </p:sp>
       <p:sp>
         <p:nvSpPr>
-          <p:cNvPr id="309" name="Google Shape;309;p40"/>
+          <p:cNvPr id="311" name="Google Shape;311;p40"/>
           <p:cNvSpPr txBox="1"/>
           <p:nvPr>
             <p:ph idx="12" type="sldNum"/>
@@ -19120,7 +19120,7 @@
       </p:sp>
       <p:sp>
         <p:nvSpPr>
-          <p:cNvPr id="310" name="Google Shape;310;p40"/>
+          <p:cNvPr id="312" name="Google Shape;312;p40"/>
           <p:cNvSpPr txBox="1"/>
           <p:nvPr>
             <p:ph idx="12" type="sldNum"/>
@@ -19176,7 +19176,7 @@
   <p:cSld>
     <p:spTree>
       <p:nvGrpSpPr>
-        <p:cNvPr id="314" name="Shape 314"/>
+        <p:cNvPr id="316" name="Shape 316"/>
         <p:cNvGrpSpPr/>
         <p:nvPr/>
       </p:nvGrpSpPr>
@@ -19190,7 +19190,7 @@
       </p:grpSpPr>
       <p:sp>
         <p:nvSpPr>
-          <p:cNvPr id="315" name="Google Shape;315;p41"/>
+          <p:cNvPr id="317" name="Google Shape;317;p41"/>
           <p:cNvSpPr txBox="1"/>
           <p:nvPr>
             <p:ph type="title"/>
@@ -19230,7 +19230,7 @@
       </p:sp>
       <p:sp>
         <p:nvSpPr>
-          <p:cNvPr id="316" name="Google Shape;316;p41"/>
+          <p:cNvPr id="318" name="Google Shape;318;p41"/>
           <p:cNvSpPr txBox="1"/>
           <p:nvPr>
             <p:ph idx="1" type="body"/>
@@ -19291,7 +19291,7 @@
       </p:sp>
       <p:sp>
         <p:nvSpPr>
-          <p:cNvPr id="317" name="Google Shape;317;p41"/>
+          <p:cNvPr id="319" name="Google Shape;319;p41"/>
           <p:cNvSpPr/>
           <p:nvPr/>
         </p:nvSpPr>
@@ -19369,7 +19369,7 @@
       </p:sp>
       <p:sp>
         <p:nvSpPr>
-          <p:cNvPr id="318" name="Google Shape;318;p41"/>
+          <p:cNvPr id="320" name="Google Shape;320;p41"/>
           <p:cNvSpPr txBox="1"/>
           <p:nvPr/>
         </p:nvSpPr>
@@ -19430,7 +19430,7 @@
       </p:sp>
       <p:sp>
         <p:nvSpPr>
-          <p:cNvPr id="319" name="Google Shape;319;p41"/>
+          <p:cNvPr id="321" name="Google Shape;321;p41"/>
           <p:cNvSpPr/>
           <p:nvPr/>
         </p:nvSpPr>
@@ -19496,7 +19496,7 @@
       </p:sp>
       <p:sp>
         <p:nvSpPr>
-          <p:cNvPr id="320" name="Google Shape;320;p41"/>
+          <p:cNvPr id="322" name="Google Shape;322;p41"/>
           <p:cNvSpPr/>
           <p:nvPr/>
         </p:nvSpPr>
@@ -19574,7 +19574,7 @@
       </p:sp>
       <p:sp>
         <p:nvSpPr>
-          <p:cNvPr id="321" name="Google Shape;321;p41"/>
+          <p:cNvPr id="323" name="Google Shape;323;p41"/>
           <p:cNvSpPr txBox="1"/>
           <p:nvPr/>
         </p:nvSpPr>
@@ -19626,10 +19626,10 @@
       </p:sp>
       <p:cxnSp>
         <p:nvCxnSpPr>
-          <p:cNvPr id="322" name="Google Shape;322;p41"/>
+          <p:cNvPr id="324" name="Google Shape;324;p41"/>
           <p:cNvCxnSpPr>
-            <a:stCxn id="319" idx="2"/>
-            <a:endCxn id="317" idx="0"/>
+            <a:stCxn id="321" idx="2"/>
+            <a:endCxn id="319" idx="0"/>
           </p:cNvCxnSpPr>
           <p:nvPr/>
         </p:nvCxnSpPr>
@@ -19655,10 +19655,10 @@
       </p:cxnSp>
       <p:cxnSp>
         <p:nvCxnSpPr>
-          <p:cNvPr id="323" name="Google Shape;323;p41"/>
+          <p:cNvPr id="325" name="Google Shape;325;p41"/>
           <p:cNvCxnSpPr>
-            <a:stCxn id="319" idx="2"/>
-            <a:endCxn id="320" idx="0"/>
+            <a:stCxn id="321" idx="2"/>
+            <a:endCxn id="322" idx="0"/>
           </p:cNvCxnSpPr>
           <p:nvPr/>
         </p:nvCxnSpPr>
@@ -19684,7 +19684,7 @@
       </p:cxnSp>
       <p:sp>
         <p:nvSpPr>
-          <p:cNvPr id="324" name="Google Shape;324;p41"/>
+          <p:cNvPr id="326" name="Google Shape;326;p41"/>
           <p:cNvSpPr txBox="1"/>
           <p:nvPr>
             <p:ph idx="12" type="sldNum"/>
@@ -19728,7 +19728,7 @@
       </p:sp>
       <p:sp>
         <p:nvSpPr>
-          <p:cNvPr id="325" name="Google Shape;325;p41"/>
+          <p:cNvPr id="327" name="Google Shape;327;p41"/>
           <p:cNvSpPr txBox="1"/>
           <p:nvPr>
             <p:ph idx="12" type="sldNum"/>
@@ -19784,7 +19784,7 @@
   <p:cSld>
     <p:spTree>
       <p:nvGrpSpPr>
-        <p:cNvPr id="329" name="Shape 329"/>
+        <p:cNvPr id="331" name="Shape 331"/>
         <p:cNvGrpSpPr/>
         <p:nvPr/>
       </p:nvGrpSpPr>
@@ -19798,7 +19798,7 @@
       </p:grpSpPr>
       <p:sp>
         <p:nvSpPr>
-          <p:cNvPr id="330" name="Google Shape;330;p42"/>
+          <p:cNvPr id="332" name="Google Shape;332;p42"/>
           <p:cNvSpPr txBox="1"/>
           <p:nvPr>
             <p:ph type="title"/>
@@ -19838,7 +19838,7 @@
       </p:sp>
       <p:sp>
         <p:nvSpPr>
-          <p:cNvPr id="331" name="Google Shape;331;p42"/>
+          <p:cNvPr id="333" name="Google Shape;333;p42"/>
           <p:cNvSpPr txBox="1"/>
           <p:nvPr>
             <p:ph idx="1" type="body"/>
@@ -19968,7 +19968,7 @@
       </p:sp>
       <p:pic>
         <p:nvPicPr>
-          <p:cNvPr id="332" name="Google Shape;332;p42"/>
+          <p:cNvPr id="334" name="Google Shape;334;p42"/>
           <p:cNvPicPr preferRelativeResize="0"/>
           <p:nvPr/>
         </p:nvPicPr>
@@ -19996,7 +19996,7 @@
       </p:pic>
       <p:sp>
         <p:nvSpPr>
-          <p:cNvPr id="333" name="Google Shape;333;p42"/>
+          <p:cNvPr id="335" name="Google Shape;335;p42"/>
           <p:cNvSpPr txBox="1"/>
           <p:nvPr>
             <p:ph idx="12" type="sldNum"/>
@@ -20040,7 +20040,7 @@
       </p:sp>
       <p:sp>
         <p:nvSpPr>
-          <p:cNvPr id="334" name="Google Shape;334;p42"/>
+          <p:cNvPr id="336" name="Google Shape;336;p42"/>
           <p:cNvSpPr txBox="1"/>
           <p:nvPr>
             <p:ph idx="12" type="sldNum"/>
@@ -20096,7 +20096,7 @@
   <p:cSld>
     <p:spTree>
       <p:nvGrpSpPr>
-        <p:cNvPr id="338" name="Shape 338"/>
+        <p:cNvPr id="340" name="Shape 340"/>
         <p:cNvGrpSpPr/>
         <p:nvPr/>
       </p:nvGrpSpPr>
@@ -20110,7 +20110,7 @@
       </p:grpSpPr>
       <p:sp>
         <p:nvSpPr>
-          <p:cNvPr id="339" name="Google Shape;339;p43"/>
+          <p:cNvPr id="341" name="Google Shape;341;p43"/>
           <p:cNvSpPr txBox="1"/>
           <p:nvPr>
             <p:ph type="title"/>
@@ -20150,7 +20150,7 @@
       </p:sp>
       <p:sp>
         <p:nvSpPr>
-          <p:cNvPr id="340" name="Google Shape;340;p43"/>
+          <p:cNvPr id="342" name="Google Shape;342;p43"/>
           <p:cNvSpPr txBox="1"/>
           <p:nvPr>
             <p:ph idx="1" type="body"/>
@@ -20230,7 +20230,7 @@
       </p:sp>
       <p:pic>
         <p:nvPicPr>
-          <p:cNvPr id="341" name="Google Shape;341;p43"/>
+          <p:cNvPr id="343" name="Google Shape;343;p43"/>
           <p:cNvPicPr preferRelativeResize="0"/>
           <p:nvPr/>
         </p:nvPicPr>
@@ -20258,7 +20258,7 @@
       </p:pic>
       <p:sp>
         <p:nvSpPr>
-          <p:cNvPr id="342" name="Google Shape;342;p43"/>
+          <p:cNvPr id="344" name="Google Shape;344;p43"/>
           <p:cNvSpPr txBox="1"/>
           <p:nvPr>
             <p:ph idx="12" type="sldNum"/>
@@ -20302,7 +20302,7 @@
       </p:sp>
       <p:sp>
         <p:nvSpPr>
-          <p:cNvPr id="343" name="Google Shape;343;p43"/>
+          <p:cNvPr id="345" name="Google Shape;345;p43"/>
           <p:cNvSpPr txBox="1"/>
           <p:nvPr>
             <p:ph idx="12" type="sldNum"/>
@@ -20358,7 +20358,7 @@
   <p:cSld>
     <p:spTree>
       <p:nvGrpSpPr>
-        <p:cNvPr id="347" name="Shape 347"/>
+        <p:cNvPr id="349" name="Shape 349"/>
         <p:cNvGrpSpPr/>
         <p:nvPr/>
       </p:nvGrpSpPr>
@@ -20372,7 +20372,7 @@
       </p:grpSpPr>
       <p:sp>
         <p:nvSpPr>
-          <p:cNvPr id="348" name="Google Shape;348;p44"/>
+          <p:cNvPr id="350" name="Google Shape;350;p44"/>
           <p:cNvSpPr txBox="1"/>
           <p:nvPr>
             <p:ph type="title"/>
@@ -20412,7 +20412,7 @@
       </p:sp>
       <p:sp>
         <p:nvSpPr>
-          <p:cNvPr id="349" name="Google Shape;349;p44"/>
+          <p:cNvPr id="351" name="Google Shape;351;p44"/>
           <p:cNvSpPr txBox="1"/>
           <p:nvPr>
             <p:ph idx="1" type="body"/>
@@ -20460,7 +20460,7 @@
       </p:sp>
       <p:sp>
         <p:nvSpPr>
-          <p:cNvPr id="350" name="Google Shape;350;p44"/>
+          <p:cNvPr id="352" name="Google Shape;352;p44"/>
           <p:cNvSpPr txBox="1"/>
           <p:nvPr>
             <p:ph idx="12" type="sldNum"/>
@@ -20504,7 +20504,7 @@
       </p:sp>
       <p:pic>
         <p:nvPicPr>
-          <p:cNvPr id="351" name="Google Shape;351;p44"/>
+          <p:cNvPr id="353" name="Google Shape;353;p44"/>
           <p:cNvPicPr preferRelativeResize="0"/>
           <p:nvPr/>
         </p:nvPicPr>
@@ -20532,7 +20532,7 @@
       </p:pic>
       <p:sp>
         <p:nvSpPr>
-          <p:cNvPr id="352" name="Google Shape;352;p44"/>
+          <p:cNvPr id="354" name="Google Shape;354;p44"/>
           <p:cNvSpPr txBox="1"/>
           <p:nvPr>
             <p:ph idx="12" type="sldNum"/>
@@ -20588,7 +20588,7 @@
   <p:cSld>
     <p:spTree>
       <p:nvGrpSpPr>
-        <p:cNvPr id="356" name="Shape 356"/>
+        <p:cNvPr id="358" name="Shape 358"/>
         <p:cNvGrpSpPr/>
         <p:nvPr/>
       </p:nvGrpSpPr>
@@ -20602,7 +20602,7 @@
       </p:grpSpPr>
       <p:sp>
         <p:nvSpPr>
-          <p:cNvPr id="357" name="Google Shape;357;p45"/>
+          <p:cNvPr id="359" name="Google Shape;359;p45"/>
           <p:cNvSpPr txBox="1"/>
           <p:nvPr>
             <p:ph type="title"/>
@@ -20642,7 +20642,7 @@
       </p:sp>
       <p:sp>
         <p:nvSpPr>
-          <p:cNvPr id="358" name="Google Shape;358;p45"/>
+          <p:cNvPr id="360" name="Google Shape;360;p45"/>
           <p:cNvSpPr txBox="1"/>
           <p:nvPr>
             <p:ph idx="1" type="body"/>
@@ -20963,7 +20963,7 @@
       </p:sp>
       <p:sp>
         <p:nvSpPr>
-          <p:cNvPr id="359" name="Google Shape;359;p45"/>
+          <p:cNvPr id="361" name="Google Shape;361;p45"/>
           <p:cNvSpPr txBox="1"/>
           <p:nvPr>
             <p:ph idx="12" type="sldNum"/>
@@ -21018,7 +21018,7 @@
   <p:cSld>
     <p:spTree>
       <p:nvGrpSpPr>
-        <p:cNvPr id="363" name="Shape 363"/>
+        <p:cNvPr id="365" name="Shape 365"/>
         <p:cNvGrpSpPr/>
         <p:nvPr/>
       </p:nvGrpSpPr>
@@ -21032,7 +21032,7 @@
       </p:grpSpPr>
       <p:sp>
         <p:nvSpPr>
-          <p:cNvPr id="364" name="Google Shape;364;p46"/>
+          <p:cNvPr id="366" name="Google Shape;366;p46"/>
           <p:cNvSpPr txBox="1"/>
           <p:nvPr>
             <p:ph type="title"/>
@@ -21084,7 +21084,7 @@
       </p:sp>
       <p:sp>
         <p:nvSpPr>
-          <p:cNvPr id="365" name="Google Shape;365;p46"/>
+          <p:cNvPr id="367" name="Google Shape;367;p46"/>
           <p:cNvSpPr txBox="1"/>
           <p:nvPr>
             <p:ph idx="11" type="ftr"/>
@@ -21128,7 +21128,7 @@
       </p:sp>
       <p:sp>
         <p:nvSpPr>
-          <p:cNvPr id="366" name="Google Shape;366;p46"/>
+          <p:cNvPr id="368" name="Google Shape;368;p46"/>
           <p:cNvSpPr txBox="1"/>
           <p:nvPr>
             <p:ph idx="12" type="sldNum"/>
@@ -22105,6 +22105,34 @@
           </a:p>
         </p:txBody>
       </p:sp>
+      <p:pic>
+        <p:nvPicPr>
+          <p:cNvPr id="152" name="Google Shape;152;p25"/>
+          <p:cNvPicPr preferRelativeResize="0"/>
+          <p:nvPr/>
+        </p:nvPicPr>
+        <p:blipFill>
+          <a:blip r:embed="rId4">
+            <a:alphaModFix/>
+          </a:blip>
+          <a:stretch>
+            <a:fillRect/>
+          </a:stretch>
+        </p:blipFill>
+        <p:spPr>
+          <a:xfrm>
+            <a:off x="4214000" y="888551"/>
+            <a:ext cx="2236925" cy="890974"/>
+          </a:xfrm>
+          <a:prstGeom prst="rect">
+            <a:avLst/>
+          </a:prstGeom>
+          <a:noFill/>
+          <a:ln>
+            <a:noFill/>
+          </a:ln>
+        </p:spPr>
+      </p:pic>
     </p:spTree>
   </p:cSld>
   <p:clrMapOvr>
@@ -22118,7 +22146,7 @@
   <p:cSld>
     <p:spTree>
       <p:nvGrpSpPr>
-        <p:cNvPr id="155" name="Shape 155"/>
+        <p:cNvPr id="156" name="Shape 156"/>
         <p:cNvGrpSpPr/>
         <p:nvPr/>
       </p:nvGrpSpPr>
@@ -22132,7 +22160,7 @@
       </p:grpSpPr>
       <p:sp>
         <p:nvSpPr>
-          <p:cNvPr id="156" name="Google Shape;156;p26"/>
+          <p:cNvPr id="157" name="Google Shape;157;p26"/>
           <p:cNvSpPr txBox="1"/>
           <p:nvPr>
             <p:ph type="title"/>
@@ -22172,7 +22200,7 @@
       </p:sp>
       <p:sp>
         <p:nvSpPr>
-          <p:cNvPr id="157" name="Google Shape;157;p26"/>
+          <p:cNvPr id="158" name="Google Shape;158;p26"/>
           <p:cNvSpPr txBox="1"/>
           <p:nvPr>
             <p:ph idx="12" type="sldNum"/>
@@ -22216,7 +22244,7 @@
       </p:sp>
       <p:pic>
         <p:nvPicPr>
-          <p:cNvPr id="158" name="Google Shape;158;p26"/>
+          <p:cNvPr id="159" name="Google Shape;159;p26"/>
           <p:cNvPicPr preferRelativeResize="0"/>
           <p:nvPr/>
         </p:nvPicPr>
@@ -22244,7 +22272,7 @@
       </p:pic>
       <p:sp>
         <p:nvSpPr>
-          <p:cNvPr id="159" name="Google Shape;159;p26"/>
+          <p:cNvPr id="160" name="Google Shape;160;p26"/>
           <p:cNvSpPr/>
           <p:nvPr/>
         </p:nvSpPr>
@@ -22296,7 +22324,7 @@
       </p:sp>
       <p:sp>
         <p:nvSpPr>
-          <p:cNvPr id="160" name="Google Shape;160;p26"/>
+          <p:cNvPr id="161" name="Google Shape;161;p26"/>
           <p:cNvSpPr/>
           <p:nvPr/>
         </p:nvSpPr>
@@ -22348,7 +22376,7 @@
       </p:sp>
       <p:sp>
         <p:nvSpPr>
-          <p:cNvPr id="161" name="Google Shape;161;p26"/>
+          <p:cNvPr id="162" name="Google Shape;162;p26"/>
           <p:cNvSpPr/>
           <p:nvPr/>
         </p:nvSpPr>
@@ -22400,7 +22428,7 @@
       </p:sp>
       <p:pic>
         <p:nvPicPr>
-          <p:cNvPr id="162" name="Google Shape;162;p26"/>
+          <p:cNvPr id="163" name="Google Shape;163;p26"/>
           <p:cNvPicPr preferRelativeResize="0"/>
           <p:nvPr/>
         </p:nvPicPr>
@@ -22428,7 +22456,7 @@
       </p:pic>
       <p:pic>
         <p:nvPicPr>
-          <p:cNvPr id="163" name="Google Shape;163;p26"/>
+          <p:cNvPr id="164" name="Google Shape;164;p26"/>
           <p:cNvPicPr preferRelativeResize="0"/>
           <p:nvPr/>
         </p:nvPicPr>
@@ -22444,34 +22472,6 @@
           <a:xfrm>
             <a:off x="3422598" y="2231198"/>
             <a:ext cx="2344509" cy="1430675"/>
-          </a:xfrm>
-          <a:prstGeom prst="rect">
-            <a:avLst/>
-          </a:prstGeom>
-          <a:noFill/>
-          <a:ln>
-            <a:noFill/>
-          </a:ln>
-        </p:spPr>
-      </p:pic>
-      <p:pic>
-        <p:nvPicPr>
-          <p:cNvPr id="164" name="Google Shape;164;p26"/>
-          <p:cNvPicPr preferRelativeResize="0"/>
-          <p:nvPr/>
-        </p:nvPicPr>
-        <p:blipFill>
-          <a:blip r:embed="rId6">
-            <a:alphaModFix/>
-          </a:blip>
-          <a:stretch>
-            <a:fillRect/>
-          </a:stretch>
-        </p:blipFill>
-        <p:spPr>
-          <a:xfrm>
-            <a:off x="933200" y="2231199"/>
-            <a:ext cx="223777" cy="214800"/>
           </a:xfrm>
           <a:prstGeom prst="rect">
             <a:avLst/>
@@ -22498,7 +22498,7 @@
         </p:blipFill>
         <p:spPr>
           <a:xfrm>
-            <a:off x="3198825" y="1817524"/>
+            <a:off x="933200" y="2231199"/>
             <a:ext cx="223777" cy="214800"/>
           </a:xfrm>
           <a:prstGeom prst="rect">
@@ -22513,6 +22513,34 @@
       <p:pic>
         <p:nvPicPr>
           <p:cNvPr id="166" name="Google Shape;166;p26"/>
+          <p:cNvPicPr preferRelativeResize="0"/>
+          <p:nvPr/>
+        </p:nvPicPr>
+        <p:blipFill>
+          <a:blip r:embed="rId6">
+            <a:alphaModFix/>
+          </a:blip>
+          <a:stretch>
+            <a:fillRect/>
+          </a:stretch>
+        </p:blipFill>
+        <p:spPr>
+          <a:xfrm>
+            <a:off x="3198825" y="1817524"/>
+            <a:ext cx="223777" cy="214800"/>
+          </a:xfrm>
+          <a:prstGeom prst="rect">
+            <a:avLst/>
+          </a:prstGeom>
+          <a:noFill/>
+          <a:ln>
+            <a:noFill/>
+          </a:ln>
+        </p:spPr>
+      </p:pic>
+      <p:pic>
+        <p:nvPicPr>
+          <p:cNvPr id="167" name="Google Shape;167;p26"/>
           <p:cNvPicPr preferRelativeResize="0"/>
           <p:nvPr/>
         </p:nvPicPr>
@@ -22540,7 +22568,7 @@
       </p:pic>
       <p:sp>
         <p:nvSpPr>
-          <p:cNvPr id="167" name="Google Shape;167;p26"/>
+          <p:cNvPr id="168" name="Google Shape;168;p26"/>
           <p:cNvSpPr txBox="1"/>
           <p:nvPr>
             <p:ph idx="12" type="sldNum"/>
@@ -22587,6 +22615,34 @@
           </a:p>
         </p:txBody>
       </p:sp>
+      <p:pic>
+        <p:nvPicPr>
+          <p:cNvPr id="169" name="Google Shape;169;p26"/>
+          <p:cNvPicPr preferRelativeResize="0"/>
+          <p:nvPr/>
+        </p:nvPicPr>
+        <p:blipFill>
+          <a:blip r:embed="rId8">
+            <a:alphaModFix/>
+          </a:blip>
+          <a:stretch>
+            <a:fillRect/>
+          </a:stretch>
+        </p:blipFill>
+        <p:spPr>
+          <a:xfrm>
+            <a:off x="2046800" y="927676"/>
+            <a:ext cx="2236925" cy="890974"/>
+          </a:xfrm>
+          <a:prstGeom prst="rect">
+            <a:avLst/>
+          </a:prstGeom>
+          <a:noFill/>
+          <a:ln>
+            <a:noFill/>
+          </a:ln>
+        </p:spPr>
+      </p:pic>
     </p:spTree>
   </p:cSld>
   <p:clrMapOvr>
@@ -22600,7 +22656,7 @@
   <p:cSld>
     <p:spTree>
       <p:nvGrpSpPr>
-        <p:cNvPr id="171" name="Shape 171"/>
+        <p:cNvPr id="173" name="Shape 173"/>
         <p:cNvGrpSpPr/>
         <p:nvPr/>
       </p:nvGrpSpPr>
@@ -22614,7 +22670,7 @@
       </p:grpSpPr>
       <p:sp>
         <p:nvSpPr>
-          <p:cNvPr id="172" name="Google Shape;172;p27"/>
+          <p:cNvPr id="174" name="Google Shape;174;p27"/>
           <p:cNvSpPr txBox="1"/>
           <p:nvPr>
             <p:ph type="title"/>
@@ -22654,7 +22710,7 @@
       </p:sp>
       <p:sp>
         <p:nvSpPr>
-          <p:cNvPr id="173" name="Google Shape;173;p27"/>
+          <p:cNvPr id="175" name="Google Shape;175;p27"/>
           <p:cNvSpPr txBox="1"/>
           <p:nvPr>
             <p:ph idx="1" type="body"/>
@@ -22694,7 +22750,7 @@
       </p:sp>
       <p:pic>
         <p:nvPicPr>
-          <p:cNvPr id="174" name="Google Shape;174;p27"/>
+          <p:cNvPr id="176" name="Google Shape;176;p27"/>
           <p:cNvPicPr preferRelativeResize="0"/>
           <p:nvPr/>
         </p:nvPicPr>
@@ -22722,7 +22778,7 @@
       </p:pic>
       <p:sp>
         <p:nvSpPr>
-          <p:cNvPr id="175" name="Google Shape;175;p27"/>
+          <p:cNvPr id="177" name="Google Shape;177;p27"/>
           <p:cNvSpPr/>
           <p:nvPr/>
         </p:nvSpPr>
@@ -22774,7 +22830,7 @@
       </p:sp>
       <p:sp>
         <p:nvSpPr>
-          <p:cNvPr id="176" name="Google Shape;176;p27"/>
+          <p:cNvPr id="178" name="Google Shape;178;p27"/>
           <p:cNvSpPr/>
           <p:nvPr/>
         </p:nvSpPr>
@@ -22826,7 +22882,7 @@
       </p:sp>
       <p:sp>
         <p:nvSpPr>
-          <p:cNvPr id="177" name="Google Shape;177;p27"/>
+          <p:cNvPr id="179" name="Google Shape;179;p27"/>
           <p:cNvSpPr txBox="1"/>
           <p:nvPr>
             <p:ph idx="12" type="sldNum"/>
@@ -22870,7 +22926,7 @@
       </p:sp>
       <p:sp>
         <p:nvSpPr>
-          <p:cNvPr id="178" name="Google Shape;178;p27"/>
+          <p:cNvPr id="180" name="Google Shape;180;p27"/>
           <p:cNvSpPr txBox="1"/>
           <p:nvPr>
             <p:ph idx="12" type="sldNum"/>
@@ -22926,7 +22982,7 @@
   <p:cSld>
     <p:spTree>
       <p:nvGrpSpPr>
-        <p:cNvPr id="182" name="Shape 182"/>
+        <p:cNvPr id="184" name="Shape 184"/>
         <p:cNvGrpSpPr/>
         <p:nvPr/>
       </p:nvGrpSpPr>
@@ -22940,7 +22996,7 @@
       </p:grpSpPr>
       <p:sp>
         <p:nvSpPr>
-          <p:cNvPr id="183" name="Google Shape;183;p28"/>
+          <p:cNvPr id="185" name="Google Shape;185;p28"/>
           <p:cNvSpPr txBox="1"/>
           <p:nvPr>
             <p:ph type="title"/>
@@ -22980,7 +23036,7 @@
       </p:sp>
       <p:sp>
         <p:nvSpPr>
-          <p:cNvPr id="184" name="Google Shape;184;p28"/>
+          <p:cNvPr id="186" name="Google Shape;186;p28"/>
           <p:cNvSpPr txBox="1"/>
           <p:nvPr>
             <p:ph idx="12" type="sldNum"/>
@@ -23024,7 +23080,7 @@
       </p:sp>
       <p:pic>
         <p:nvPicPr>
-          <p:cNvPr id="185" name="Google Shape;185;p28"/>
+          <p:cNvPr id="187" name="Google Shape;187;p28"/>
           <p:cNvPicPr preferRelativeResize="0"/>
           <p:nvPr/>
         </p:nvPicPr>
@@ -23052,7 +23108,7 @@
       </p:pic>
       <p:sp>
         <p:nvSpPr>
-          <p:cNvPr id="186" name="Google Shape;186;p28"/>
+          <p:cNvPr id="188" name="Google Shape;188;p28"/>
           <p:cNvSpPr txBox="1"/>
           <p:nvPr>
             <p:ph idx="12" type="sldNum"/>
@@ -23108,6 +23164,285 @@
 </file>
 
 <file path=ppt/theme/theme1.xml><?xml version="1.0" encoding="utf-8"?>
+<a:theme xmlns:a="http://schemas.openxmlformats.org/drawingml/2006/main" xmlns:r="http://schemas.openxmlformats.org/officeDocument/2006/relationships" name="Simple Light">
+  <a:themeElements>
+    <a:clrScheme name="Simple Light">
+      <a:dk1>
+        <a:srgbClr val="000000"/>
+      </a:dk1>
+      <a:lt1>
+        <a:srgbClr val="FFFFFF"/>
+      </a:lt1>
+      <a:dk2>
+        <a:srgbClr val="595959"/>
+      </a:dk2>
+      <a:lt2>
+        <a:srgbClr val="EEEEEE"/>
+      </a:lt2>
+      <a:accent1>
+        <a:srgbClr val="4285F4"/>
+      </a:accent1>
+      <a:accent2>
+        <a:srgbClr val="212121"/>
+      </a:accent2>
+      <a:accent3>
+        <a:srgbClr val="78909C"/>
+      </a:accent3>
+      <a:accent4>
+        <a:srgbClr val="FFAB40"/>
+      </a:accent4>
+      <a:accent5>
+        <a:srgbClr val="0097A7"/>
+      </a:accent5>
+      <a:accent6>
+        <a:srgbClr val="EEFF41"/>
+      </a:accent6>
+      <a:hlink>
+        <a:srgbClr val="0097A7"/>
+      </a:hlink>
+      <a:folHlink>
+        <a:srgbClr val="0097A7"/>
+      </a:folHlink>
+    </a:clrScheme>
+    <a:fontScheme name="Office">
+      <a:majorFont>
+        <a:latin typeface="Arial"/>
+        <a:ea typeface=""/>
+        <a:cs typeface=""/>
+        <a:font script="Jpan" typeface="ＭＳ Ｐゴシック"/>
+        <a:font script="Hang" typeface="맑은 고딕"/>
+        <a:font script="Hans" typeface="宋体"/>
+        <a:font script="Hant" typeface="新細明體"/>
+        <a:font script="Arab" typeface="Times New Roman"/>
+        <a:font script="Hebr" typeface="Times New Roman"/>
+        <a:font script="Thai" typeface="Angsana New"/>
+        <a:font script="Ethi" typeface="Nyala"/>
+        <a:font script="Beng" typeface="Vrinda"/>
+        <a:font script="Gujr" typeface="Shruti"/>
+        <a:font script="Khmr" typeface="MoolBoran"/>
+        <a:font script="Knda" typeface="Tunga"/>
+        <a:font script="Guru" typeface="Raavi"/>
+        <a:font script="Cans" typeface="Euphemia"/>
+        <a:font script="Cher" typeface="Plantagenet Cherokee"/>
+        <a:font script="Yiii" typeface="Microsoft Yi Baiti"/>
+        <a:font script="Tibt" typeface="Microsoft Himalaya"/>
+        <a:font script="Thaa" typeface="MV Boli"/>
+        <a:font script="Deva" typeface="Mangal"/>
+        <a:font script="Telu" typeface="Gautami"/>
+        <a:font script="Taml" typeface="Latha"/>
+        <a:font script="Syrc" typeface="Estrangelo Edessa"/>
+        <a:font script="Orya" typeface="Kalinga"/>
+        <a:font script="Mlym" typeface="Kartika"/>
+        <a:font script="Laoo" typeface="DokChampa"/>
+        <a:font script="Sinh" typeface="Iskoola Pota"/>
+        <a:font script="Mong" typeface="Mongolian Baiti"/>
+        <a:font script="Viet" typeface="Times New Roman"/>
+        <a:font script="Uigh" typeface="Microsoft Uighur"/>
+        <a:font script="Geor" typeface="Sylfaen"/>
+      </a:majorFont>
+      <a:minorFont>
+        <a:latin typeface="Arial"/>
+        <a:ea typeface=""/>
+        <a:cs typeface=""/>
+        <a:font script="Jpan" typeface="ＭＳ Ｐゴシック"/>
+        <a:font script="Hang" typeface="맑은 고딕"/>
+        <a:font script="Hans" typeface="宋体"/>
+        <a:font script="Hant" typeface="新細明體"/>
+        <a:font script="Arab" typeface="Arial"/>
+        <a:font script="Hebr" typeface="Arial"/>
+        <a:font script="Thai" typeface="Cordia New"/>
+        <a:font script="Ethi" typeface="Nyala"/>
+        <a:font script="Beng" typeface="Vrinda"/>
+        <a:font script="Gujr" typeface="Shruti"/>
+        <a:font script="Khmr" typeface="DaunPenh"/>
+        <a:font script="Knda" typeface="Tunga"/>
+        <a:font script="Guru" typeface="Raavi"/>
+        <a:font script="Cans" typeface="Euphemia"/>
+        <a:font script="Cher" typeface="Plantagenet Cherokee"/>
+        <a:font script="Yiii" typeface="Microsoft Yi Baiti"/>
+        <a:font script="Tibt" typeface="Microsoft Himalaya"/>
+        <a:font script="Thaa" typeface="MV Boli"/>
+        <a:font script="Deva" typeface="Mangal"/>
+        <a:font script="Telu" typeface="Gautami"/>
+        <a:font script="Taml" typeface="Latha"/>
+        <a:font script="Syrc" typeface="Estrangelo Edessa"/>
+        <a:font script="Orya" typeface="Kalinga"/>
+        <a:font script="Mlym" typeface="Kartika"/>
+        <a:font script="Laoo" typeface="DokChampa"/>
+        <a:font script="Sinh" typeface="Iskoola Pota"/>
+        <a:font script="Mong" typeface="Mongolian Baiti"/>
+        <a:font script="Viet" typeface="Arial"/>
+        <a:font script="Uigh" typeface="Microsoft Uighur"/>
+        <a:font script="Geor" typeface="Sylfaen"/>
+      </a:minorFont>
+    </a:fontScheme>
+    <a:fmtScheme name="Office">
+      <a:fillStyleLst>
+        <a:solidFill>
+          <a:schemeClr val="phClr"/>
+        </a:solidFill>
+        <a:gradFill rotWithShape="1">
+          <a:gsLst>
+            <a:gs pos="0">
+              <a:schemeClr val="phClr">
+                <a:tint val="50000"/>
+                <a:satMod val="300000"/>
+              </a:schemeClr>
+            </a:gs>
+            <a:gs pos="35000">
+              <a:schemeClr val="phClr">
+                <a:tint val="37000"/>
+                <a:satMod val="300000"/>
+              </a:schemeClr>
+            </a:gs>
+            <a:gs pos="100000">
+              <a:schemeClr val="phClr">
+                <a:tint val="15000"/>
+                <a:satMod val="350000"/>
+              </a:schemeClr>
+            </a:gs>
+          </a:gsLst>
+          <a:lin ang="16200000" scaled="1"/>
+        </a:gradFill>
+        <a:gradFill rotWithShape="1">
+          <a:gsLst>
+            <a:gs pos="0">
+              <a:schemeClr val="phClr">
+                <a:tint val="100000"/>
+                <a:shade val="100000"/>
+                <a:satMod val="130000"/>
+              </a:schemeClr>
+            </a:gs>
+            <a:gs pos="100000">
+              <a:schemeClr val="phClr">
+                <a:tint val="50000"/>
+                <a:shade val="100000"/>
+                <a:satMod val="350000"/>
+              </a:schemeClr>
+            </a:gs>
+          </a:gsLst>
+          <a:lin ang="16200000" scaled="0"/>
+        </a:gradFill>
+      </a:fillStyleLst>
+      <a:lnStyleLst>
+        <a:ln w="9525" cap="flat" cmpd="sng" algn="ctr">
+          <a:solidFill>
+            <a:schemeClr val="phClr">
+              <a:shade val="95000"/>
+              <a:satMod val="105000"/>
+            </a:schemeClr>
+          </a:solidFill>
+          <a:prstDash val="solid"/>
+        </a:ln>
+        <a:ln w="25400" cap="flat" cmpd="sng" algn="ctr">
+          <a:solidFill>
+            <a:schemeClr val="phClr"/>
+          </a:solidFill>
+          <a:prstDash val="solid"/>
+        </a:ln>
+        <a:ln w="38100" cap="flat" cmpd="sng" algn="ctr">
+          <a:solidFill>
+            <a:schemeClr val="phClr"/>
+          </a:solidFill>
+          <a:prstDash val="solid"/>
+        </a:ln>
+      </a:lnStyleLst>
+      <a:effectStyleLst>
+        <a:effectStyle>
+          <a:effectLst>
+            <a:outerShdw blurRad="40000" dist="20000" dir="5400000" rotWithShape="0">
+              <a:srgbClr val="000000">
+                <a:alpha val="38000"/>
+              </a:srgbClr>
+            </a:outerShdw>
+          </a:effectLst>
+        </a:effectStyle>
+        <a:effectStyle>
+          <a:effectLst>
+            <a:outerShdw blurRad="40000" dist="23000" dir="5400000" rotWithShape="0">
+              <a:srgbClr val="000000">
+                <a:alpha val="35000"/>
+              </a:srgbClr>
+            </a:outerShdw>
+          </a:effectLst>
+        </a:effectStyle>
+        <a:effectStyle>
+          <a:effectLst>
+            <a:outerShdw blurRad="40000" dist="23000" dir="5400000" rotWithShape="0">
+              <a:srgbClr val="000000">
+                <a:alpha val="35000"/>
+              </a:srgbClr>
+            </a:outerShdw>
+          </a:effectLst>
+          <a:scene3d>
+            <a:camera prst="orthographicFront">
+              <a:rot lat="0" lon="0" rev="0"/>
+            </a:camera>
+            <a:lightRig rig="threePt" dir="t">
+              <a:rot lat="0" lon="0" rev="1200000"/>
+            </a:lightRig>
+          </a:scene3d>
+          <a:sp3d>
+            <a:bevelT w="63500" h="25400"/>
+          </a:sp3d>
+        </a:effectStyle>
+      </a:effectStyleLst>
+      <a:bgFillStyleLst>
+        <a:solidFill>
+          <a:schemeClr val="phClr"/>
+        </a:solidFill>
+        <a:gradFill rotWithShape="1">
+          <a:gsLst>
+            <a:gs pos="0">
+              <a:schemeClr val="phClr">
+                <a:tint val="40000"/>
+                <a:satMod val="350000"/>
+              </a:schemeClr>
+            </a:gs>
+            <a:gs pos="40000">
+              <a:schemeClr val="phClr">
+                <a:tint val="45000"/>
+                <a:shade val="99000"/>
+                <a:satMod val="350000"/>
+              </a:schemeClr>
+            </a:gs>
+            <a:gs pos="100000">
+              <a:schemeClr val="phClr">
+                <a:shade val="20000"/>
+                <a:satMod val="255000"/>
+              </a:schemeClr>
+            </a:gs>
+          </a:gsLst>
+          <a:path path="circle">
+            <a:fillToRect l="50000" t="-80000" r="50000" b="180000"/>
+          </a:path>
+        </a:gradFill>
+        <a:gradFill rotWithShape="1">
+          <a:gsLst>
+            <a:gs pos="0">
+              <a:schemeClr val="phClr">
+                <a:tint val="80000"/>
+                <a:satMod val="300000"/>
+              </a:schemeClr>
+            </a:gs>
+            <a:gs pos="100000">
+              <a:schemeClr val="phClr">
+                <a:shade val="30000"/>
+                <a:satMod val="200000"/>
+              </a:schemeClr>
+            </a:gs>
+          </a:gsLst>
+          <a:path path="circle">
+            <a:fillToRect l="50000" t="50000" r="50000" b="50000"/>
+          </a:path>
+        </a:gradFill>
+      </a:bgFillStyleLst>
+    </a:fmtScheme>
+  </a:themeElements>
+</a:theme>
+</file>
+
+<file path=ppt/theme/theme2.xml><?xml version="1.0" encoding="utf-8"?>
 <a:theme xmlns:a="http://schemas.openxmlformats.org/drawingml/2006/main" xmlns:r="http://schemas.openxmlformats.org/officeDocument/2006/relationships">
   <a:themeElements>
     <a:clrScheme name="Default">
@@ -23386,7 +23721,7 @@
 </a:theme>
 </file>
 
-<file path=ppt/theme/theme2.xml><?xml version="1.0" encoding="utf-8"?>
+<file path=ppt/theme/theme3.xml><?xml version="1.0" encoding="utf-8"?>
 <a:theme xmlns:a="http://schemas.openxmlformats.org/drawingml/2006/main" xmlns:r="http://schemas.openxmlformats.org/officeDocument/2006/relationships" name="回顧">
   <a:themeElements>
     <a:clrScheme name="回顧">
@@ -23663,283 +23998,4 @@
     </a:fmtScheme>
   </a:themeElements>
 </a:theme>
-</file>
-
-<file path=ppt/theme/theme3.xml><?xml version="1.0" encoding="utf-8"?>
-<a:theme xmlns:a="http://schemas.openxmlformats.org/drawingml/2006/main" xmlns:r="http://schemas.openxmlformats.org/officeDocument/2006/relationships" name="Simple Light">
-  <a:themeElements>
-    <a:clrScheme name="Simple Light">
-      <a:dk1>
-        <a:srgbClr val="000000"/>
-      </a:dk1>
-      <a:lt1>
-        <a:srgbClr val="FFFFFF"/>
-      </a:lt1>
-      <a:dk2>
-        <a:srgbClr val="595959"/>
-      </a:dk2>
-      <a:lt2>
-        <a:srgbClr val="EEEEEE"/>
-      </a:lt2>
-      <a:accent1>
-        <a:srgbClr val="4285F4"/>
-      </a:accent1>
-      <a:accent2>
-        <a:srgbClr val="212121"/>
-      </a:accent2>
-      <a:accent3>
-        <a:srgbClr val="78909C"/>
-      </a:accent3>
-      <a:accent4>
-        <a:srgbClr val="FFAB40"/>
-      </a:accent4>
-      <a:accent5>
-        <a:srgbClr val="0097A7"/>
-      </a:accent5>
-      <a:accent6>
-        <a:srgbClr val="EEFF41"/>
-      </a:accent6>
-      <a:hlink>
-        <a:srgbClr val="0097A7"/>
-      </a:hlink>
-      <a:folHlink>
-        <a:srgbClr val="0097A7"/>
-      </a:folHlink>
-    </a:clrScheme>
-    <a:fontScheme name="Office">
-      <a:majorFont>
-        <a:latin typeface="Arial"/>
-        <a:ea typeface=""/>
-        <a:cs typeface=""/>
-        <a:font script="Jpan" typeface="ＭＳ Ｐゴシック"/>
-        <a:font script="Hang" typeface="맑은 고딕"/>
-        <a:font script="Hans" typeface="宋体"/>
-        <a:font script="Hant" typeface="新細明體"/>
-        <a:font script="Arab" typeface="Times New Roman"/>
-        <a:font script="Hebr" typeface="Times New Roman"/>
-        <a:font script="Thai" typeface="Angsana New"/>
-        <a:font script="Ethi" typeface="Nyala"/>
-        <a:font script="Beng" typeface="Vrinda"/>
-        <a:font script="Gujr" typeface="Shruti"/>
-        <a:font script="Khmr" typeface="MoolBoran"/>
-        <a:font script="Knda" typeface="Tunga"/>
-        <a:font script="Guru" typeface="Raavi"/>
-        <a:font script="Cans" typeface="Euphemia"/>
-        <a:font script="Cher" typeface="Plantagenet Cherokee"/>
-        <a:font script="Yiii" typeface="Microsoft Yi Baiti"/>
-        <a:font script="Tibt" typeface="Microsoft Himalaya"/>
-        <a:font script="Thaa" typeface="MV Boli"/>
-        <a:font script="Deva" typeface="Mangal"/>
-        <a:font script="Telu" typeface="Gautami"/>
-        <a:font script="Taml" typeface="Latha"/>
-        <a:font script="Syrc" typeface="Estrangelo Edessa"/>
-        <a:font script="Orya" typeface="Kalinga"/>
-        <a:font script="Mlym" typeface="Kartika"/>
-        <a:font script="Laoo" typeface="DokChampa"/>
-        <a:font script="Sinh" typeface="Iskoola Pota"/>
-        <a:font script="Mong" typeface="Mongolian Baiti"/>
-        <a:font script="Viet" typeface="Times New Roman"/>
-        <a:font script="Uigh" typeface="Microsoft Uighur"/>
-        <a:font script="Geor" typeface="Sylfaen"/>
-      </a:majorFont>
-      <a:minorFont>
-        <a:latin typeface="Arial"/>
-        <a:ea typeface=""/>
-        <a:cs typeface=""/>
-        <a:font script="Jpan" typeface="ＭＳ Ｐゴシック"/>
-        <a:font script="Hang" typeface="맑은 고딕"/>
-        <a:font script="Hans" typeface="宋体"/>
-        <a:font script="Hant" typeface="新細明體"/>
-        <a:font script="Arab" typeface="Arial"/>
-        <a:font script="Hebr" typeface="Arial"/>
-        <a:font script="Thai" typeface="Cordia New"/>
-        <a:font script="Ethi" typeface="Nyala"/>
-        <a:font script="Beng" typeface="Vrinda"/>
-        <a:font script="Gujr" typeface="Shruti"/>
-        <a:font script="Khmr" typeface="DaunPenh"/>
-        <a:font script="Knda" typeface="Tunga"/>
-        <a:font script="Guru" typeface="Raavi"/>
-        <a:font script="Cans" typeface="Euphemia"/>
-        <a:font script="Cher" typeface="Plantagenet Cherokee"/>
-        <a:font script="Yiii" typeface="Microsoft Yi Baiti"/>
-        <a:font script="Tibt" typeface="Microsoft Himalaya"/>
-        <a:font script="Thaa" typeface="MV Boli"/>
-        <a:font script="Deva" typeface="Mangal"/>
-        <a:font script="Telu" typeface="Gautami"/>
-        <a:font script="Taml" typeface="Latha"/>
-        <a:font script="Syrc" typeface="Estrangelo Edessa"/>
-        <a:font script="Orya" typeface="Kalinga"/>
-        <a:font script="Mlym" typeface="Kartika"/>
-        <a:font script="Laoo" typeface="DokChampa"/>
-        <a:font script="Sinh" typeface="Iskoola Pota"/>
-        <a:font script="Mong" typeface="Mongolian Baiti"/>
-        <a:font script="Viet" typeface="Arial"/>
-        <a:font script="Uigh" typeface="Microsoft Uighur"/>
-        <a:font script="Geor" typeface="Sylfaen"/>
-      </a:minorFont>
-    </a:fontScheme>
-    <a:fmtScheme name="Office">
-      <a:fillStyleLst>
-        <a:solidFill>
-          <a:schemeClr val="phClr"/>
-        </a:solidFill>
-        <a:gradFill rotWithShape="1">
-          <a:gsLst>
-            <a:gs pos="0">
-              <a:schemeClr val="phClr">
-                <a:tint val="50000"/>
-                <a:satMod val="300000"/>
-              </a:schemeClr>
-            </a:gs>
-            <a:gs pos="35000">
-              <a:schemeClr val="phClr">
-                <a:tint val="37000"/>
-                <a:satMod val="300000"/>
-              </a:schemeClr>
-            </a:gs>
-            <a:gs pos="100000">
-              <a:schemeClr val="phClr">
-                <a:tint val="15000"/>
-                <a:satMod val="350000"/>
-              </a:schemeClr>
-            </a:gs>
-          </a:gsLst>
-          <a:lin ang="16200000" scaled="1"/>
-        </a:gradFill>
-        <a:gradFill rotWithShape="1">
-          <a:gsLst>
-            <a:gs pos="0">
-              <a:schemeClr val="phClr">
-                <a:tint val="100000"/>
-                <a:shade val="100000"/>
-                <a:satMod val="130000"/>
-              </a:schemeClr>
-            </a:gs>
-            <a:gs pos="100000">
-              <a:schemeClr val="phClr">
-                <a:tint val="50000"/>
-                <a:shade val="100000"/>
-                <a:satMod val="350000"/>
-              </a:schemeClr>
-            </a:gs>
-          </a:gsLst>
-          <a:lin ang="16200000" scaled="0"/>
-        </a:gradFill>
-      </a:fillStyleLst>
-      <a:lnStyleLst>
-        <a:ln w="9525" cap="flat" cmpd="sng" algn="ctr">
-          <a:solidFill>
-            <a:schemeClr val="phClr">
-              <a:shade val="95000"/>
-              <a:satMod val="105000"/>
-            </a:schemeClr>
-          </a:solidFill>
-          <a:prstDash val="solid"/>
-        </a:ln>
-        <a:ln w="25400" cap="flat" cmpd="sng" algn="ctr">
-          <a:solidFill>
-            <a:schemeClr val="phClr"/>
-          </a:solidFill>
-          <a:prstDash val="solid"/>
-        </a:ln>
-        <a:ln w="38100" cap="flat" cmpd="sng" algn="ctr">
-          <a:solidFill>
-            <a:schemeClr val="phClr"/>
-          </a:solidFill>
-          <a:prstDash val="solid"/>
-        </a:ln>
-      </a:lnStyleLst>
-      <a:effectStyleLst>
-        <a:effectStyle>
-          <a:effectLst>
-            <a:outerShdw blurRad="40000" dist="20000" dir="5400000" rotWithShape="0">
-              <a:srgbClr val="000000">
-                <a:alpha val="38000"/>
-              </a:srgbClr>
-            </a:outerShdw>
-          </a:effectLst>
-        </a:effectStyle>
-        <a:effectStyle>
-          <a:effectLst>
-            <a:outerShdw blurRad="40000" dist="23000" dir="5400000" rotWithShape="0">
-              <a:srgbClr val="000000">
-                <a:alpha val="35000"/>
-              </a:srgbClr>
-            </a:outerShdw>
-          </a:effectLst>
-        </a:effectStyle>
-        <a:effectStyle>
-          <a:effectLst>
-            <a:outerShdw blurRad="40000" dist="23000" dir="5400000" rotWithShape="0">
-              <a:srgbClr val="000000">
-                <a:alpha val="35000"/>
-              </a:srgbClr>
-            </a:outerShdw>
-          </a:effectLst>
-          <a:scene3d>
-            <a:camera prst="orthographicFront">
-              <a:rot lat="0" lon="0" rev="0"/>
-            </a:camera>
-            <a:lightRig rig="threePt" dir="t">
-              <a:rot lat="0" lon="0" rev="1200000"/>
-            </a:lightRig>
-          </a:scene3d>
-          <a:sp3d>
-            <a:bevelT w="63500" h="25400"/>
-          </a:sp3d>
-        </a:effectStyle>
-      </a:effectStyleLst>
-      <a:bgFillStyleLst>
-        <a:solidFill>
-          <a:schemeClr val="phClr"/>
-        </a:solidFill>
-        <a:gradFill rotWithShape="1">
-          <a:gsLst>
-            <a:gs pos="0">
-              <a:schemeClr val="phClr">
-                <a:tint val="40000"/>
-                <a:satMod val="350000"/>
-              </a:schemeClr>
-            </a:gs>
-            <a:gs pos="40000">
-              <a:schemeClr val="phClr">
-                <a:tint val="45000"/>
-                <a:shade val="99000"/>
-                <a:satMod val="350000"/>
-              </a:schemeClr>
-            </a:gs>
-            <a:gs pos="100000">
-              <a:schemeClr val="phClr">
-                <a:shade val="20000"/>
-                <a:satMod val="255000"/>
-              </a:schemeClr>
-            </a:gs>
-          </a:gsLst>
-          <a:path path="circle">
-            <a:fillToRect l="50000" t="-80000" r="50000" b="180000"/>
-          </a:path>
-        </a:gradFill>
-        <a:gradFill rotWithShape="1">
-          <a:gsLst>
-            <a:gs pos="0">
-              <a:schemeClr val="phClr">
-                <a:tint val="80000"/>
-                <a:satMod val="300000"/>
-              </a:schemeClr>
-            </a:gs>
-            <a:gs pos="100000">
-              <a:schemeClr val="phClr">
-                <a:shade val="30000"/>
-                <a:satMod val="200000"/>
-              </a:schemeClr>
-            </a:gs>
-          </a:gsLst>
-          <a:path path="circle">
-            <a:fillToRect l="50000" t="50000" r="50000" b="50000"/>
-          </a:path>
-        </a:gradFill>
-      </a:bgFillStyleLst>
-    </a:fmtScheme>
-  </a:themeElements>
-</a:theme>
 </file>